--- a/src/SE_ELAN_offline/Stimuli/Instructions_Rewarded.pptx
+++ b/src/SE_ELAN_offline/Stimuli/Instructions_Rewarded.pptx
@@ -5,43 +5,44 @@
     <p:sldMasterId id="2147483648" r:id="rId1"/>
   </p:sldMasterIdLst>
   <p:handoutMasterIdLst>
-    <p:handoutMasterId r:id="rId36"/>
+    <p:handoutMasterId r:id="rId37"/>
   </p:handoutMasterIdLst>
   <p:sldIdLst>
     <p:sldId id="256" r:id="rId2"/>
     <p:sldId id="270" r:id="rId3"/>
-    <p:sldId id="277" r:id="rId4"/>
-    <p:sldId id="265" r:id="rId5"/>
-    <p:sldId id="314" r:id="rId6"/>
-    <p:sldId id="263" r:id="rId7"/>
-    <p:sldId id="284" r:id="rId8"/>
-    <p:sldId id="280" r:id="rId9"/>
-    <p:sldId id="286" r:id="rId10"/>
-    <p:sldId id="287" r:id="rId11"/>
-    <p:sldId id="289" r:id="rId12"/>
-    <p:sldId id="288" r:id="rId13"/>
-    <p:sldId id="292" r:id="rId14"/>
-    <p:sldId id="283" r:id="rId15"/>
-    <p:sldId id="307" r:id="rId16"/>
-    <p:sldId id="308" r:id="rId17"/>
-    <p:sldId id="309" r:id="rId18"/>
-    <p:sldId id="310" r:id="rId19"/>
-    <p:sldId id="311" r:id="rId20"/>
-    <p:sldId id="312" r:id="rId21"/>
-    <p:sldId id="313" r:id="rId22"/>
-    <p:sldId id="293" r:id="rId23"/>
-    <p:sldId id="294" r:id="rId24"/>
-    <p:sldId id="296" r:id="rId25"/>
-    <p:sldId id="297" r:id="rId26"/>
-    <p:sldId id="298" r:id="rId27"/>
-    <p:sldId id="299" r:id="rId28"/>
-    <p:sldId id="303" r:id="rId29"/>
-    <p:sldId id="301" r:id="rId30"/>
-    <p:sldId id="300" r:id="rId31"/>
-    <p:sldId id="304" r:id="rId32"/>
-    <p:sldId id="306" r:id="rId33"/>
-    <p:sldId id="267" r:id="rId34"/>
-    <p:sldId id="316" r:id="rId35"/>
+    <p:sldId id="317" r:id="rId4"/>
+    <p:sldId id="277" r:id="rId5"/>
+    <p:sldId id="265" r:id="rId6"/>
+    <p:sldId id="314" r:id="rId7"/>
+    <p:sldId id="263" r:id="rId8"/>
+    <p:sldId id="284" r:id="rId9"/>
+    <p:sldId id="280" r:id="rId10"/>
+    <p:sldId id="286" r:id="rId11"/>
+    <p:sldId id="287" r:id="rId12"/>
+    <p:sldId id="289" r:id="rId13"/>
+    <p:sldId id="288" r:id="rId14"/>
+    <p:sldId id="292" r:id="rId15"/>
+    <p:sldId id="283" r:id="rId16"/>
+    <p:sldId id="307" r:id="rId17"/>
+    <p:sldId id="308" r:id="rId18"/>
+    <p:sldId id="309" r:id="rId19"/>
+    <p:sldId id="310" r:id="rId20"/>
+    <p:sldId id="311" r:id="rId21"/>
+    <p:sldId id="312" r:id="rId22"/>
+    <p:sldId id="313" r:id="rId23"/>
+    <p:sldId id="293" r:id="rId24"/>
+    <p:sldId id="294" r:id="rId25"/>
+    <p:sldId id="296" r:id="rId26"/>
+    <p:sldId id="297" r:id="rId27"/>
+    <p:sldId id="298" r:id="rId28"/>
+    <p:sldId id="299" r:id="rId29"/>
+    <p:sldId id="303" r:id="rId30"/>
+    <p:sldId id="301" r:id="rId31"/>
+    <p:sldId id="300" r:id="rId32"/>
+    <p:sldId id="304" r:id="rId33"/>
+    <p:sldId id="306" r:id="rId34"/>
+    <p:sldId id="267" r:id="rId35"/>
+    <p:sldId id="316" r:id="rId36"/>
   </p:sldIdLst>
   <p:sldSz cx="12192000" cy="6858000"/>
   <p:notesSz cx="6858000" cy="9144000"/>
@@ -3454,8 +3455,8 @@
         </p:nvSpPr>
         <p:spPr>
           <a:xfrm>
-            <a:off x="1874192" y="1248963"/>
-            <a:ext cx="8443609" cy="1723549"/>
+            <a:off x="1874195" y="1160836"/>
+            <a:ext cx="8443609" cy="830997"/>
           </a:xfrm>
           <a:prstGeom prst="rect">
             <a:avLst/>
@@ -3475,18 +3476,7 @@
             </a:pPr>
             <a:r>
               <a:rPr lang="fr-FR" sz="2400" dirty="0"/>
-              <a:t>Si le score cible est élevé, vous aurez sûrement besoin de visualiser les chiffres de la grille un grand nombre de fois.</a:t>
-            </a:r>
-          </a:p>
-          <a:p>
-            <a:pPr algn="ctr">
-              <a:spcAft>
-                <a:spcPts val="1200"/>
-              </a:spcAft>
-            </a:pPr>
-            <a:r>
-              <a:rPr lang="fr-FR" sz="2400" dirty="0"/>
-              <a:t>Vous pourrez déplacer la barre vers la gauche et la droite en utilisant respectivement les flèches gauche et droite du clavier:</a:t>
+              <a:t>Vous répondrez à cette question en déplaçant la barre rouge le long de la règle numérique:</a:t>
             </a:r>
           </a:p>
         </p:txBody>
@@ -3505,7 +3495,7 @@
         </p:nvSpPr>
         <p:spPr>
           <a:xfrm>
-            <a:off x="880108" y="3344608"/>
+            <a:off x="880108" y="2257327"/>
             <a:ext cx="10431779" cy="3026364"/>
           </a:xfrm>
           <a:prstGeom prst="rect">
@@ -3551,10 +3541,10 @@
       </p:sp>
       <p:pic>
         <p:nvPicPr>
-          <p:cNvPr id="3" name="Picture 2">
+          <p:cNvPr id="2" name="Picture 1">
             <a:extLst>
               <a:ext uri="{FF2B5EF4-FFF2-40B4-BE49-F238E27FC236}">
-                <a16:creationId xmlns:a16="http://schemas.microsoft.com/office/drawing/2014/main" id="{963620DB-4CFA-4111-AF32-463E4AC5369D}"/>
+                <a16:creationId xmlns:a16="http://schemas.microsoft.com/office/drawing/2014/main" id="{86604B23-64CC-48D6-9E97-5644FE03B812}"/>
               </a:ext>
             </a:extLst>
           </p:cNvPr>
@@ -3565,13 +3555,13 @@
         </p:nvPicPr>
         <p:blipFill rotWithShape="1">
           <a:blip r:embed="rId2"/>
-          <a:srcRect t="36534" r="1437" b="56133"/>
+          <a:srcRect l="67" t="35200" r="556" b="55467"/>
           <a:stretch/>
         </p:blipFill>
         <p:spPr>
           <a:xfrm>
-            <a:off x="984500" y="4629190"/>
-            <a:ext cx="10139172" cy="502920"/>
+            <a:off x="984500" y="3759820"/>
+            <a:ext cx="10222993" cy="640080"/>
           </a:xfrm>
           <a:prstGeom prst="rect">
             <a:avLst/>
@@ -3580,7 +3570,130 @@
       </p:pic>
       <p:sp>
         <p:nvSpPr>
-          <p:cNvPr id="6" name="ZoneTexte 5"/>
+          <p:cNvPr id="3" name="Rectangle 2"/>
+          <p:cNvSpPr/>
+          <p:nvPr/>
+        </p:nvSpPr>
+        <p:spPr>
+          <a:xfrm>
+            <a:off x="1437565" y="5607946"/>
+            <a:ext cx="9316871" cy="830997"/>
+          </a:xfrm>
+          <a:prstGeom prst="rect">
+            <a:avLst/>
+          </a:prstGeom>
+        </p:spPr>
+        <p:txBody>
+          <a:bodyPr wrap="square">
+            <a:spAutoFit/>
+          </a:bodyPr>
+          <a:lstStyle/>
+          <a:p>
+            <a:pPr algn="ctr">
+              <a:spcAft>
+                <a:spcPts val="1200"/>
+              </a:spcAft>
+            </a:pPr>
+            <a:r>
+              <a:rPr lang="fr-FR" sz="2400" dirty="0"/>
+              <a:t>Dans l’exemple ci-dessus, j’ai répondu que j’aurai besoin de voir les chiffres de la grille entre 8 et 11 fois pour atteindre le score cible…</a:t>
+            </a:r>
+          </a:p>
+        </p:txBody>
+      </p:sp>
+      <p:sp>
+        <p:nvSpPr>
+          <p:cNvPr id="4" name="Rectangle 3"/>
+          <p:cNvSpPr/>
+          <p:nvPr/>
+        </p:nvSpPr>
+        <p:spPr>
+          <a:xfrm>
+            <a:off x="3048000" y="2953179"/>
+            <a:ext cx="6096000" cy="646331"/>
+          </a:xfrm>
+          <a:prstGeom prst="rect">
+            <a:avLst/>
+          </a:prstGeom>
+        </p:spPr>
+        <p:txBody>
+          <a:bodyPr>
+            <a:spAutoFit/>
+          </a:bodyPr>
+          <a:lstStyle/>
+          <a:p>
+            <a:pPr algn="ctr"/>
+            <a:r>
+              <a:rPr lang="en-GB" dirty="0" err="1"/>
+              <a:t>Combien</a:t>
+            </a:r>
+            <a:r>
+              <a:rPr lang="en-GB" dirty="0"/>
+              <a:t> de </a:t>
+            </a:r>
+            <a:r>
+              <a:rPr lang="en-GB" dirty="0" err="1"/>
+              <a:t>fois</a:t>
+            </a:r>
+            <a:r>
+              <a:rPr lang="en-GB" dirty="0"/>
+              <a:t> </a:t>
+            </a:r>
+            <a:r>
+              <a:rPr lang="en-GB" dirty="0" err="1"/>
+              <a:t>aurez-vous</a:t>
+            </a:r>
+            <a:r>
+              <a:rPr lang="en-GB" dirty="0"/>
+              <a:t> </a:t>
+            </a:r>
+            <a:r>
+              <a:rPr lang="en-GB" dirty="0" err="1"/>
+              <a:t>besoin</a:t>
+            </a:r>
+            <a:r>
+              <a:rPr lang="en-GB" dirty="0"/>
+              <a:t> de </a:t>
+            </a:r>
+            <a:r>
+              <a:rPr lang="en-GB" dirty="0" err="1"/>
+              <a:t>voir</a:t>
+            </a:r>
+            <a:r>
+              <a:rPr lang="en-GB" dirty="0"/>
+              <a:t> les </a:t>
+            </a:r>
+            <a:r>
+              <a:rPr lang="en-GB" dirty="0" err="1"/>
+              <a:t>chiffres</a:t>
+            </a:r>
+            <a:r>
+              <a:rPr lang="en-GB" dirty="0"/>
+              <a:t> de la grille pour </a:t>
+            </a:r>
+            <a:r>
+              <a:rPr lang="en-GB" dirty="0" err="1"/>
+              <a:t>atteindre</a:t>
+            </a:r>
+            <a:r>
+              <a:rPr lang="en-GB" dirty="0"/>
+              <a:t> le score </a:t>
+            </a:r>
+            <a:r>
+              <a:rPr lang="en-GB" dirty="0" err="1"/>
+              <a:t>cible</a:t>
+            </a:r>
+            <a:r>
+              <a:rPr lang="en-GB" dirty="0"/>
+              <a:t> ?</a:t>
+            </a:r>
+            <a:endParaRPr lang="fr-FR" dirty="0"/>
+          </a:p>
+        </p:txBody>
+      </p:sp>
+      <p:sp>
+        <p:nvSpPr>
+          <p:cNvPr id="10" name="ZoneTexte 9"/>
           <p:cNvSpPr txBox="1"/>
           <p:nvPr/>
         </p:nvSpPr>
@@ -3630,7 +3743,7 @@
     </p:spTree>
     <p:extLst>
       <p:ext uri="{BB962C8B-B14F-4D97-AF65-F5344CB8AC3E}">
-        <p14:creationId xmlns:p14="http://schemas.microsoft.com/office/powerpoint/2010/main" val="3501435358"/>
+        <p14:creationId xmlns:p14="http://schemas.microsoft.com/office/powerpoint/2010/main" val="1930955706"/>
       </p:ext>
     </p:extLst>
   </p:cSld>
@@ -3665,7 +3778,7 @@
         </p:nvSpPr>
         <p:spPr>
           <a:xfrm>
-            <a:off x="1874192" y="1235319"/>
+            <a:off x="1874192" y="1248963"/>
             <a:ext cx="8443609" cy="1723549"/>
           </a:xfrm>
           <a:prstGeom prst="rect">
@@ -3686,7 +3799,7 @@
             </a:pPr>
             <a:r>
               <a:rPr lang="fr-FR" sz="2400" dirty="0"/>
-              <a:t>Dans certains cas, vous ne saurez pas vraiment combien de fois vous aurez besoin de voir les chiffres de la grille. </a:t>
+              <a:t>Si le score cible est élevé, vous aurez sûrement besoin de visualiser les chiffres de la grille un grand nombre de fois.</a:t>
             </a:r>
           </a:p>
           <a:p>
@@ -3697,21 +3810,8 @@
             </a:pPr>
             <a:r>
               <a:rPr lang="fr-FR" sz="2400" dirty="0"/>
-              <a:t>Vous pourrez alors augmenter la largeur de la barre en utilisant la </a:t>
-            </a:r>
-            <a:r>
-              <a:rPr lang="fr-FR" sz="2400" dirty="0" err="1"/>
-              <a:t>flè</a:t>
-            </a:r>
-            <a:r>
-              <a:rPr lang="en-US" sz="2400" dirty="0" err="1"/>
-              <a:t>che</a:t>
-            </a:r>
-            <a:r>
-              <a:rPr lang="en-US" sz="2400" dirty="0"/>
-              <a:t> du haut du clavier:</a:t>
-            </a:r>
-            <a:endParaRPr lang="fr-FR" sz="2400" dirty="0"/>
+              <a:t>Vous pourrez déplacer la barre vers la gauche et la droite en utilisant respectivement les flèches gauche et droite du clavier:</a:t>
+            </a:r>
           </a:p>
         </p:txBody>
       </p:sp>
@@ -3729,7 +3829,7 @@
         </p:nvSpPr>
         <p:spPr>
           <a:xfrm>
-            <a:off x="880108" y="3403746"/>
+            <a:off x="880108" y="3344608"/>
             <a:ext cx="10431779" cy="3026364"/>
           </a:xfrm>
           <a:prstGeom prst="rect">
@@ -3794,7 +3894,7 @@
         </p:blipFill>
         <p:spPr>
           <a:xfrm>
-            <a:off x="984500" y="4688328"/>
+            <a:off x="984500" y="4629190"/>
             <a:ext cx="10139172" cy="502920"/>
           </a:xfrm>
           <a:prstGeom prst="rect">
@@ -3802,38 +3902,9 @@
           </a:prstGeom>
         </p:spPr>
       </p:pic>
-      <p:pic>
-        <p:nvPicPr>
-          <p:cNvPr id="4" name="Picture 3">
-            <a:extLst>
-              <a:ext uri="{FF2B5EF4-FFF2-40B4-BE49-F238E27FC236}">
-                <a16:creationId xmlns:a16="http://schemas.microsoft.com/office/drawing/2014/main" id="{1D8EC20F-7B23-44F2-A770-70EBAE2ADB90}"/>
-              </a:ext>
-            </a:extLst>
-          </p:cNvPr>
-          <p:cNvPicPr>
-            <a:picLocks noChangeAspect="1"/>
-          </p:cNvPicPr>
-          <p:nvPr/>
-        </p:nvPicPr>
-        <p:blipFill rotWithShape="1">
-          <a:blip r:embed="rId3"/>
-          <a:srcRect l="1015" t="36305" r="1436" b="55417"/>
-          <a:stretch/>
-        </p:blipFill>
-        <p:spPr>
-          <a:xfrm>
-            <a:off x="1099564" y="4674612"/>
-            <a:ext cx="10034780" cy="567707"/>
-          </a:xfrm>
-          <a:prstGeom prst="rect">
-            <a:avLst/>
-          </a:prstGeom>
-        </p:spPr>
-      </p:pic>
-      <p:sp>
-        <p:nvSpPr>
-          <p:cNvPr id="8" name="ZoneTexte 7"/>
+      <p:sp>
+        <p:nvSpPr>
+          <p:cNvPr id="6" name="ZoneTexte 5"/>
           <p:cNvSpPr txBox="1"/>
           <p:nvPr/>
         </p:nvSpPr>
@@ -3883,7 +3954,7 @@
     </p:spTree>
     <p:extLst>
       <p:ext uri="{BB962C8B-B14F-4D97-AF65-F5344CB8AC3E}">
-        <p14:creationId xmlns:p14="http://schemas.microsoft.com/office/powerpoint/2010/main" val="1954343868"/>
+        <p14:creationId xmlns:p14="http://schemas.microsoft.com/office/powerpoint/2010/main" val="3501435358"/>
       </p:ext>
     </p:extLst>
   </p:cSld>
@@ -3918,8 +3989,8 @@
         </p:nvSpPr>
         <p:spPr>
           <a:xfrm>
-            <a:off x="1874192" y="1426388"/>
-            <a:ext cx="8443609" cy="830997"/>
+            <a:off x="1874192" y="1235319"/>
+            <a:ext cx="8443609" cy="1723549"/>
           </a:xfrm>
           <a:prstGeom prst="rect">
             <a:avLst/>
@@ -3939,8 +4010,32 @@
             </a:pPr>
             <a:r>
               <a:rPr lang="fr-FR" sz="2400" dirty="0"/>
-              <a:t>Bien évidemment, vous pourrez aussi raccourcir la largeur de la barre en utilisant la flèche du bas:</a:t>
-            </a:r>
+              <a:t>Dans certains cas, vous ne saurez pas vraiment combien de fois vous aurez besoin de voir les chiffres de la grille. </a:t>
+            </a:r>
+          </a:p>
+          <a:p>
+            <a:pPr algn="ctr">
+              <a:spcAft>
+                <a:spcPts val="1200"/>
+              </a:spcAft>
+            </a:pPr>
+            <a:r>
+              <a:rPr lang="fr-FR" sz="2400" dirty="0"/>
+              <a:t>Vous pourrez alors augmenter la largeur de la barre en utilisant la </a:t>
+            </a:r>
+            <a:r>
+              <a:rPr lang="fr-FR" sz="2400" dirty="0" err="1"/>
+              <a:t>flè</a:t>
+            </a:r>
+            <a:r>
+              <a:rPr lang="en-US" sz="2400" dirty="0" err="1"/>
+              <a:t>che</a:t>
+            </a:r>
+            <a:r>
+              <a:rPr lang="en-US" sz="2400" dirty="0"/>
+              <a:t> du haut du clavier:</a:t>
+            </a:r>
+            <a:endParaRPr lang="fr-FR" sz="2400" dirty="0"/>
           </a:p>
         </p:txBody>
       </p:sp>
@@ -3958,7 +4053,7 @@
         </p:nvSpPr>
         <p:spPr>
           <a:xfrm>
-            <a:off x="880108" y="3080749"/>
+            <a:off x="880108" y="3403746"/>
             <a:ext cx="10431779" cy="3026364"/>
           </a:xfrm>
           <a:prstGeom prst="rect">
@@ -4023,7 +4118,7 @@
         </p:blipFill>
         <p:spPr>
           <a:xfrm>
-            <a:off x="984500" y="4365331"/>
+            <a:off x="984500" y="4688328"/>
             <a:ext cx="10139172" cy="502920"/>
           </a:xfrm>
           <a:prstGeom prst="rect">
@@ -4033,10 +4128,10 @@
       </p:pic>
       <p:pic>
         <p:nvPicPr>
-          <p:cNvPr id="9" name="Picture 8">
+          <p:cNvPr id="4" name="Picture 3">
             <a:extLst>
               <a:ext uri="{FF2B5EF4-FFF2-40B4-BE49-F238E27FC236}">
-                <a16:creationId xmlns:a16="http://schemas.microsoft.com/office/drawing/2014/main" id="{4027480D-F9F5-4728-88AA-1CD183495D1E}"/>
+                <a16:creationId xmlns:a16="http://schemas.microsoft.com/office/drawing/2014/main" id="{1D8EC20F-7B23-44F2-A770-70EBAE2ADB90}"/>
               </a:ext>
             </a:extLst>
           </p:cNvPr>
@@ -4047,13 +4142,13 @@
         </p:nvPicPr>
         <p:blipFill rotWithShape="1">
           <a:blip r:embed="rId3"/>
-          <a:srcRect l="311" t="36000" r="1126" b="55078"/>
+          <a:srcRect l="1015" t="36305" r="1436" b="55417"/>
           <a:stretch/>
         </p:blipFill>
         <p:spPr>
           <a:xfrm>
-            <a:off x="1021076" y="4334256"/>
-            <a:ext cx="10139172" cy="611869"/>
+            <a:off x="1099564" y="4674612"/>
+            <a:ext cx="10034780" cy="567707"/>
           </a:xfrm>
           <a:prstGeom prst="rect">
             <a:avLst/>
@@ -4112,7 +4207,7 @@
     </p:spTree>
     <p:extLst>
       <p:ext uri="{BB962C8B-B14F-4D97-AF65-F5344CB8AC3E}">
-        <p14:creationId xmlns:p14="http://schemas.microsoft.com/office/powerpoint/2010/main" val="3261071307"/>
+        <p14:creationId xmlns:p14="http://schemas.microsoft.com/office/powerpoint/2010/main" val="1954343868"/>
       </p:ext>
     </p:extLst>
   </p:cSld>
@@ -4147,8 +4242,8 @@
         </p:nvSpPr>
         <p:spPr>
           <a:xfrm>
-            <a:off x="1874192" y="1367248"/>
-            <a:ext cx="8443609" cy="461665"/>
+            <a:off x="1874192" y="1426388"/>
+            <a:ext cx="8443609" cy="830997"/>
           </a:xfrm>
           <a:prstGeom prst="rect">
             <a:avLst/>
@@ -4168,7 +4263,7 @@
             </a:pPr>
             <a:r>
               <a:rPr lang="fr-FR" sz="2400" dirty="0"/>
-              <a:t>Pour confirmer votre réponse, appuyez sur « Entrée ».</a:t>
+              <a:t>Bien évidemment, vous pourrez aussi raccourcir la largeur de la barre en utilisant la flèche du bas:</a:t>
             </a:r>
           </a:p>
         </p:txBody>
@@ -4187,7 +4282,7 @@
         </p:nvSpPr>
         <p:spPr>
           <a:xfrm>
-            <a:off x="880108" y="2371063"/>
+            <a:off x="880108" y="3080749"/>
             <a:ext cx="10431779" cy="3026364"/>
           </a:xfrm>
           <a:prstGeom prst="rect">
@@ -4233,6 +4328,235 @@
       </p:sp>
       <p:pic>
         <p:nvPicPr>
+          <p:cNvPr id="3" name="Picture 2">
+            <a:extLst>
+              <a:ext uri="{FF2B5EF4-FFF2-40B4-BE49-F238E27FC236}">
+                <a16:creationId xmlns:a16="http://schemas.microsoft.com/office/drawing/2014/main" id="{963620DB-4CFA-4111-AF32-463E4AC5369D}"/>
+              </a:ext>
+            </a:extLst>
+          </p:cNvPr>
+          <p:cNvPicPr>
+            <a:picLocks noChangeAspect="1"/>
+          </p:cNvPicPr>
+          <p:nvPr/>
+        </p:nvPicPr>
+        <p:blipFill rotWithShape="1">
+          <a:blip r:embed="rId2"/>
+          <a:srcRect t="36534" r="1437" b="56133"/>
+          <a:stretch/>
+        </p:blipFill>
+        <p:spPr>
+          <a:xfrm>
+            <a:off x="984500" y="4365331"/>
+            <a:ext cx="10139172" cy="502920"/>
+          </a:xfrm>
+          <a:prstGeom prst="rect">
+            <a:avLst/>
+          </a:prstGeom>
+        </p:spPr>
+      </p:pic>
+      <p:pic>
+        <p:nvPicPr>
+          <p:cNvPr id="9" name="Picture 8">
+            <a:extLst>
+              <a:ext uri="{FF2B5EF4-FFF2-40B4-BE49-F238E27FC236}">
+                <a16:creationId xmlns:a16="http://schemas.microsoft.com/office/drawing/2014/main" id="{4027480D-F9F5-4728-88AA-1CD183495D1E}"/>
+              </a:ext>
+            </a:extLst>
+          </p:cNvPr>
+          <p:cNvPicPr>
+            <a:picLocks noChangeAspect="1"/>
+          </p:cNvPicPr>
+          <p:nvPr/>
+        </p:nvPicPr>
+        <p:blipFill rotWithShape="1">
+          <a:blip r:embed="rId3"/>
+          <a:srcRect l="311" t="36000" r="1126" b="55078"/>
+          <a:stretch/>
+        </p:blipFill>
+        <p:spPr>
+          <a:xfrm>
+            <a:off x="1021076" y="4334256"/>
+            <a:ext cx="10139172" cy="611869"/>
+          </a:xfrm>
+          <a:prstGeom prst="rect">
+            <a:avLst/>
+          </a:prstGeom>
+        </p:spPr>
+      </p:pic>
+      <p:sp>
+        <p:nvSpPr>
+          <p:cNvPr id="8" name="ZoneTexte 7"/>
+          <p:cNvSpPr txBox="1"/>
+          <p:nvPr/>
+        </p:nvSpPr>
+        <p:spPr>
+          <a:xfrm>
+            <a:off x="3103206" y="333892"/>
+            <a:ext cx="5985588" cy="461665"/>
+          </a:xfrm>
+          <a:prstGeom prst="rect">
+            <a:avLst/>
+          </a:prstGeom>
+          <a:noFill/>
+          <a:ln>
+            <a:noFill/>
+          </a:ln>
+        </p:spPr>
+        <p:txBody>
+          <a:bodyPr wrap="square" rtlCol="0" anchor="ctr">
+            <a:spAutoFit/>
+          </a:bodyPr>
+          <a:lstStyle/>
+          <a:p>
+            <a:pPr algn="ctr">
+              <a:spcBef>
+                <a:spcPts val="1800"/>
+              </a:spcBef>
+              <a:spcAft>
+                <a:spcPts val="1800"/>
+              </a:spcAft>
+            </a:pPr>
+            <a:r>
+              <a:rPr lang="fr-FR" sz="2400" b="1" dirty="0">
+                <a:solidFill>
+                  <a:srgbClr val="0070C0"/>
+                </a:solidFill>
+              </a:rPr>
+              <a:t>ETAPE 2 - IMAGINATION DE L’EFFORT</a:t>
+            </a:r>
+            <a:endParaRPr lang="en-GB" sz="2400" b="1" dirty="0">
+              <a:solidFill>
+                <a:srgbClr val="0070C0"/>
+              </a:solidFill>
+            </a:endParaRPr>
+          </a:p>
+        </p:txBody>
+      </p:sp>
+    </p:spTree>
+    <p:extLst>
+      <p:ext uri="{BB962C8B-B14F-4D97-AF65-F5344CB8AC3E}">
+        <p14:creationId xmlns:p14="http://schemas.microsoft.com/office/powerpoint/2010/main" val="3261071307"/>
+      </p:ext>
+    </p:extLst>
+  </p:cSld>
+  <p:clrMapOvr>
+    <a:masterClrMapping/>
+  </p:clrMapOvr>
+</p:sld>
+</file>
+
+<file path=ppt/slides/slide14.xml><?xml version="1.0" encoding="utf-8"?>
+<p:sld xmlns:a="http://schemas.openxmlformats.org/drawingml/2006/main" xmlns:r="http://schemas.openxmlformats.org/officeDocument/2006/relationships" xmlns:p="http://schemas.openxmlformats.org/presentationml/2006/main">
+  <p:cSld>
+    <p:spTree>
+      <p:nvGrpSpPr>
+        <p:cNvPr id="1" name=""/>
+        <p:cNvGrpSpPr/>
+        <p:nvPr/>
+      </p:nvGrpSpPr>
+      <p:grpSpPr>
+        <a:xfrm>
+          <a:off x="0" y="0"/>
+          <a:ext cx="0" cy="0"/>
+          <a:chOff x="0" y="0"/>
+          <a:chExt cx="0" cy="0"/>
+        </a:xfrm>
+      </p:grpSpPr>
+      <p:sp>
+        <p:nvSpPr>
+          <p:cNvPr id="7" name="ZoneTexte 6"/>
+          <p:cNvSpPr txBox="1"/>
+          <p:nvPr/>
+        </p:nvSpPr>
+        <p:spPr>
+          <a:xfrm>
+            <a:off x="1874192" y="1367248"/>
+            <a:ext cx="8443609" cy="461665"/>
+          </a:xfrm>
+          <a:prstGeom prst="rect">
+            <a:avLst/>
+          </a:prstGeom>
+          <a:noFill/>
+        </p:spPr>
+        <p:txBody>
+          <a:bodyPr wrap="square" rtlCol="0">
+            <a:spAutoFit/>
+          </a:bodyPr>
+          <a:lstStyle/>
+          <a:p>
+            <a:pPr algn="ctr">
+              <a:spcAft>
+                <a:spcPts val="1200"/>
+              </a:spcAft>
+            </a:pPr>
+            <a:r>
+              <a:rPr lang="fr-FR" sz="2400" dirty="0"/>
+              <a:t>Pour confirmer votre réponse, appuyez sur « Entrée ».</a:t>
+            </a:r>
+          </a:p>
+        </p:txBody>
+      </p:sp>
+      <p:sp>
+        <p:nvSpPr>
+          <p:cNvPr id="5" name="Rectangle 4">
+            <a:extLst>
+              <a:ext uri="{FF2B5EF4-FFF2-40B4-BE49-F238E27FC236}">
+                <a16:creationId xmlns:a16="http://schemas.microsoft.com/office/drawing/2014/main" id="{81D94340-0653-49C5-B2BE-24A29E7CE6F2}"/>
+              </a:ext>
+            </a:extLst>
+          </p:cNvPr>
+          <p:cNvSpPr/>
+          <p:nvPr/>
+        </p:nvSpPr>
+        <p:spPr>
+          <a:xfrm>
+            <a:off x="880108" y="2371063"/>
+            <a:ext cx="10431779" cy="3026364"/>
+          </a:xfrm>
+          <a:prstGeom prst="rect">
+            <a:avLst/>
+          </a:prstGeom>
+          <a:noFill/>
+          <a:ln w="76200">
+            <a:solidFill>
+              <a:schemeClr val="bg1">
+                <a:lumMod val="65000"/>
+              </a:schemeClr>
+            </a:solidFill>
+          </a:ln>
+        </p:spPr>
+        <p:style>
+          <a:lnRef idx="2">
+            <a:schemeClr val="accent1">
+              <a:shade val="50000"/>
+            </a:schemeClr>
+          </a:lnRef>
+          <a:fillRef idx="1">
+            <a:schemeClr val="accent1"/>
+          </a:fillRef>
+          <a:effectRef idx="0">
+            <a:schemeClr val="accent1"/>
+          </a:effectRef>
+          <a:fontRef idx="minor">
+            <a:schemeClr val="lt1"/>
+          </a:fontRef>
+        </p:style>
+        <p:txBody>
+          <a:bodyPr rtlCol="0" anchor="ctr"/>
+          <a:lstStyle/>
+          <a:p>
+            <a:pPr algn="ctr"/>
+            <a:endParaRPr lang="en-GB">
+              <a:solidFill>
+                <a:schemeClr val="tx1"/>
+              </a:solidFill>
+            </a:endParaRPr>
+          </a:p>
+        </p:txBody>
+      </p:sp>
+      <p:pic>
+        <p:nvPicPr>
           <p:cNvPr id="10" name="Picture 9">
             <a:extLst>
               <a:ext uri="{FF2B5EF4-FFF2-40B4-BE49-F238E27FC236}">
@@ -4356,7 +4680,7 @@
 </p:sld>
 </file>
 
-<file path=ppt/slides/slide14.xml><?xml version="1.0" encoding="utf-8"?>
+<file path=ppt/slides/slide15.xml><?xml version="1.0" encoding="utf-8"?>
 <p:sld xmlns:a="http://schemas.openxmlformats.org/drawingml/2006/main" xmlns:r="http://schemas.openxmlformats.org/officeDocument/2006/relationships" xmlns:p="http://schemas.openxmlformats.org/presentationml/2006/main">
   <p:cSld>
     <p:spTree>
@@ -4857,7 +5181,7 @@
 </p:sld>
 </file>
 
-<file path=ppt/slides/slide15.xml><?xml version="1.0" encoding="utf-8"?>
+<file path=ppt/slides/slide16.xml><?xml version="1.0" encoding="utf-8"?>
 <p:sld xmlns:a="http://schemas.openxmlformats.org/drawingml/2006/main" xmlns:r="http://schemas.openxmlformats.org/officeDocument/2006/relationships" xmlns:p="http://schemas.openxmlformats.org/presentationml/2006/main">
   <p:cSld>
     <p:spTree>
@@ -5417,7 +5741,7 @@
 </p:sld>
 </file>
 
-<file path=ppt/slides/slide16.xml><?xml version="1.0" encoding="utf-8"?>
+<file path=ppt/slides/slide17.xml><?xml version="1.0" encoding="utf-8"?>
 <p:sld xmlns:a="http://schemas.openxmlformats.org/drawingml/2006/main" xmlns:r="http://schemas.openxmlformats.org/officeDocument/2006/relationships" xmlns:p="http://schemas.openxmlformats.org/presentationml/2006/main">
   <p:cSld>
     <p:spTree>
@@ -6001,7 +6325,7 @@
 </p:sld>
 </file>
 
-<file path=ppt/slides/slide17.xml><?xml version="1.0" encoding="utf-8"?>
+<file path=ppt/slides/slide18.xml><?xml version="1.0" encoding="utf-8"?>
 <p:sld xmlns:a="http://schemas.openxmlformats.org/drawingml/2006/main" xmlns:r="http://schemas.openxmlformats.org/officeDocument/2006/relationships" xmlns:p="http://schemas.openxmlformats.org/presentationml/2006/main">
   <p:cSld>
     <p:spTree>
@@ -6585,7 +6909,7 @@
 </p:sld>
 </file>
 
-<file path=ppt/slides/slide18.xml><?xml version="1.0" encoding="utf-8"?>
+<file path=ppt/slides/slide19.xml><?xml version="1.0" encoding="utf-8"?>
 <p:sld xmlns:a="http://schemas.openxmlformats.org/drawingml/2006/main" xmlns:r="http://schemas.openxmlformats.org/officeDocument/2006/relationships" xmlns:p="http://schemas.openxmlformats.org/presentationml/2006/main">
   <p:cSld>
     <p:spTree>
@@ -7169,7 +7493,106 @@
 </p:sld>
 </file>
 
-<file path=ppt/slides/slide19.xml><?xml version="1.0" encoding="utf-8"?>
+<file path=ppt/slides/slide2.xml><?xml version="1.0" encoding="utf-8"?>
+<p:sld xmlns:a="http://schemas.openxmlformats.org/drawingml/2006/main" xmlns:r="http://schemas.openxmlformats.org/officeDocument/2006/relationships" xmlns:p="http://schemas.openxmlformats.org/presentationml/2006/main">
+  <p:cSld>
+    <p:spTree>
+      <p:nvGrpSpPr>
+        <p:cNvPr id="1" name=""/>
+        <p:cNvGrpSpPr/>
+        <p:nvPr/>
+      </p:nvGrpSpPr>
+      <p:grpSpPr>
+        <a:xfrm>
+          <a:off x="0" y="0"/>
+          <a:ext cx="0" cy="0"/>
+          <a:chOff x="0" y="0"/>
+          <a:chExt cx="0" cy="0"/>
+        </a:xfrm>
+      </p:grpSpPr>
+      <p:sp>
+        <p:nvSpPr>
+          <p:cNvPr id="5" name="ZoneTexte 4"/>
+          <p:cNvSpPr txBox="1"/>
+          <p:nvPr/>
+        </p:nvSpPr>
+        <p:spPr>
+          <a:xfrm>
+            <a:off x="1874196" y="1720840"/>
+            <a:ext cx="8443609" cy="3416320"/>
+          </a:xfrm>
+          <a:prstGeom prst="rect">
+            <a:avLst/>
+          </a:prstGeom>
+          <a:noFill/>
+        </p:spPr>
+        <p:txBody>
+          <a:bodyPr wrap="square" rtlCol="0">
+            <a:spAutoFit/>
+          </a:bodyPr>
+          <a:lstStyle/>
+          <a:p>
+            <a:pPr algn="ctr"/>
+            <a:r>
+              <a:rPr lang="en-GB" sz="2400" dirty="0"/>
+              <a:t>Ce test dure environs 25 minutes.</a:t>
+            </a:r>
+          </a:p>
+          <a:p>
+            <a:pPr algn="ctr"/>
+            <a:endParaRPr lang="en-GB" sz="2400" dirty="0"/>
+          </a:p>
+          <a:p>
+            <a:pPr algn="ctr"/>
+            <a:r>
+              <a:rPr lang="fr-FR" sz="2400" dirty="0"/>
+              <a:t>Il s’agit d’un test mesurant votre capacité à </a:t>
+            </a:r>
+            <a:r>
+              <a:rPr lang="fr-FR" sz="2400" dirty="0" err="1"/>
+              <a:t>auto-évaluer</a:t>
+            </a:r>
+            <a:r>
+              <a:rPr lang="fr-FR" sz="2400" dirty="0"/>
+              <a:t> correctement vos compétences mentales. C’est ce qu’on appelle la </a:t>
+            </a:r>
+            <a:r>
+              <a:rPr lang="fr-FR" sz="2400" i="1" dirty="0"/>
+              <a:t>métacognition</a:t>
+            </a:r>
+            <a:r>
+              <a:rPr lang="fr-FR" sz="2400" dirty="0"/>
+              <a:t>.</a:t>
+            </a:r>
+            <a:endParaRPr lang="en-GB" sz="2400" dirty="0"/>
+          </a:p>
+          <a:p>
+            <a:pPr algn="ctr"/>
+            <a:endParaRPr lang="en-GB" sz="2400" dirty="0"/>
+          </a:p>
+          <a:p>
+            <a:pPr algn="ctr"/>
+            <a:r>
+              <a:rPr lang="fr-FR" sz="2400" dirty="0"/>
+              <a:t>En résumé, vous allez effectuer une série d’exercices de mémoire. Ces exercices seront plus ou moins difficiles. Pour chacun d’entre eux, nous vous demanderons d’auto-évaluer votre performance.</a:t>
+            </a:r>
+          </a:p>
+        </p:txBody>
+      </p:sp>
+    </p:spTree>
+    <p:extLst>
+      <p:ext uri="{BB962C8B-B14F-4D97-AF65-F5344CB8AC3E}">
+        <p14:creationId xmlns:p14="http://schemas.microsoft.com/office/powerpoint/2010/main" val="1918833446"/>
+      </p:ext>
+    </p:extLst>
+  </p:cSld>
+  <p:clrMapOvr>
+    <a:masterClrMapping/>
+  </p:clrMapOvr>
+</p:sld>
+</file>
+
+<file path=ppt/slides/slide20.xml><?xml version="1.0" encoding="utf-8"?>
 <p:sld xmlns:a="http://schemas.openxmlformats.org/drawingml/2006/main" xmlns:r="http://schemas.openxmlformats.org/officeDocument/2006/relationships" xmlns:p="http://schemas.openxmlformats.org/presentationml/2006/main">
   <p:cSld>
     <p:spTree>
@@ -7754,117 +8177,7 @@
 </p:sld>
 </file>
 
-<file path=ppt/slides/slide2.xml><?xml version="1.0" encoding="utf-8"?>
-<p:sld xmlns:a="http://schemas.openxmlformats.org/drawingml/2006/main" xmlns:r="http://schemas.openxmlformats.org/officeDocument/2006/relationships" xmlns:p="http://schemas.openxmlformats.org/presentationml/2006/main">
-  <p:cSld>
-    <p:spTree>
-      <p:nvGrpSpPr>
-        <p:cNvPr id="1" name=""/>
-        <p:cNvGrpSpPr/>
-        <p:nvPr/>
-      </p:nvGrpSpPr>
-      <p:grpSpPr>
-        <a:xfrm>
-          <a:off x="0" y="0"/>
-          <a:ext cx="0" cy="0"/>
-          <a:chOff x="0" y="0"/>
-          <a:chExt cx="0" cy="0"/>
-        </a:xfrm>
-      </p:grpSpPr>
-      <p:sp>
-        <p:nvSpPr>
-          <p:cNvPr id="5" name="ZoneTexte 4"/>
-          <p:cNvSpPr txBox="1"/>
-          <p:nvPr/>
-        </p:nvSpPr>
-        <p:spPr>
-          <a:xfrm>
-            <a:off x="1874196" y="1166843"/>
-            <a:ext cx="8443609" cy="4524315"/>
-          </a:xfrm>
-          <a:prstGeom prst="rect">
-            <a:avLst/>
-          </a:prstGeom>
-          <a:noFill/>
-        </p:spPr>
-        <p:txBody>
-          <a:bodyPr wrap="square" rtlCol="0">
-            <a:spAutoFit/>
-          </a:bodyPr>
-          <a:lstStyle/>
-          <a:p>
-            <a:pPr algn="ctr"/>
-            <a:r>
-              <a:rPr lang="en-GB" sz="2400" dirty="0"/>
-              <a:t>Ce test dure environs 25 minutes.</a:t>
-            </a:r>
-          </a:p>
-          <a:p>
-            <a:pPr algn="ctr"/>
-            <a:endParaRPr lang="en-GB" sz="2400" dirty="0"/>
-          </a:p>
-          <a:p>
-            <a:pPr algn="ctr"/>
-            <a:r>
-              <a:rPr lang="fr-FR" sz="2400" dirty="0"/>
-              <a:t>Il s’agit d’un test mesurant votre capacité à </a:t>
-            </a:r>
-            <a:r>
-              <a:rPr lang="fr-FR" sz="2400" dirty="0" err="1"/>
-              <a:t>auto-évaluer</a:t>
-            </a:r>
-            <a:r>
-              <a:rPr lang="fr-FR" sz="2400" dirty="0"/>
-              <a:t> correctement vos compétences mentales. C’est ce qu’on appelle la </a:t>
-            </a:r>
-            <a:r>
-              <a:rPr lang="fr-FR" sz="2400" i="1" dirty="0"/>
-              <a:t>métacognition</a:t>
-            </a:r>
-            <a:r>
-              <a:rPr lang="fr-FR" sz="2400" dirty="0"/>
-              <a:t>.</a:t>
-            </a:r>
-            <a:endParaRPr lang="en-GB" sz="2400" dirty="0"/>
-          </a:p>
-          <a:p>
-            <a:pPr algn="ctr"/>
-            <a:endParaRPr lang="en-GB" sz="2400" dirty="0"/>
-          </a:p>
-          <a:p>
-            <a:pPr algn="ctr"/>
-            <a:r>
-              <a:rPr lang="fr-FR" sz="2400" dirty="0"/>
-              <a:t>En résumé, vous allez effectuer une série d’exercices de mémoire. Ces exercices seront plus ou moins difficiles. Pour chacun d’entre eux, nous vous demanderons d’auto-évaluer votre performance.</a:t>
-            </a:r>
-          </a:p>
-          <a:p>
-            <a:pPr algn="ctr"/>
-            <a:endParaRPr lang="fr-FR" sz="2400" dirty="0"/>
-          </a:p>
-          <a:p>
-            <a:pPr algn="ctr"/>
-            <a:r>
-              <a:rPr lang="fr-FR" sz="2400" dirty="0"/>
-              <a:t>Vous recevrez une indemnisation financière de 8 € pour votre participation.</a:t>
-            </a:r>
-          </a:p>
-        </p:txBody>
-      </p:sp>
-    </p:spTree>
-    <p:extLst>
-      <p:ext uri="{BB962C8B-B14F-4D97-AF65-F5344CB8AC3E}">
-        <p14:creationId xmlns:p14="http://schemas.microsoft.com/office/powerpoint/2010/main" val="1918833446"/>
-      </p:ext>
-    </p:extLst>
-  </p:cSld>
-  <p:clrMapOvr>
-    <a:masterClrMapping/>
-  </p:clrMapOvr>
-</p:sld>
-</file>
-
-<file path=ppt/slides/slide20.xml><?xml version="1.0" encoding="utf-8"?>
+<file path=ppt/slides/slide21.xml><?xml version="1.0" encoding="utf-8"?>
 <p:sld xmlns:a="http://schemas.openxmlformats.org/drawingml/2006/main" xmlns:r="http://schemas.openxmlformats.org/officeDocument/2006/relationships" xmlns:p="http://schemas.openxmlformats.org/presentationml/2006/main">
   <p:cSld>
     <p:spTree>
@@ -8450,7 +8763,7 @@
 </p:sld>
 </file>
 
-<file path=ppt/slides/slide21.xml><?xml version="1.0" encoding="utf-8"?>
+<file path=ppt/slides/slide22.xml><?xml version="1.0" encoding="utf-8"?>
 <p:sld xmlns:a="http://schemas.openxmlformats.org/drawingml/2006/main" xmlns:r="http://schemas.openxmlformats.org/officeDocument/2006/relationships" xmlns:p="http://schemas.openxmlformats.org/presentationml/2006/main">
   <p:cSld>
     <p:spTree>
@@ -9036,7 +9349,7 @@
 </p:sld>
 </file>
 
-<file path=ppt/slides/slide22.xml><?xml version="1.0" encoding="utf-8"?>
+<file path=ppt/slides/slide23.xml><?xml version="1.0" encoding="utf-8"?>
 <p:sld xmlns:a="http://schemas.openxmlformats.org/drawingml/2006/main" xmlns:r="http://schemas.openxmlformats.org/officeDocument/2006/relationships" xmlns:p="http://schemas.openxmlformats.org/presentationml/2006/main">
   <p:cSld>
     <p:spTree>
@@ -9391,7 +9704,7 @@
 </p:sld>
 </file>
 
-<file path=ppt/slides/slide23.xml><?xml version="1.0" encoding="utf-8"?>
+<file path=ppt/slides/slide24.xml><?xml version="1.0" encoding="utf-8"?>
 <p:sld xmlns:a="http://schemas.openxmlformats.org/drawingml/2006/main" xmlns:r="http://schemas.openxmlformats.org/officeDocument/2006/relationships" xmlns:p="http://schemas.openxmlformats.org/presentationml/2006/main">
   <p:cSld>
     <p:spTree>
@@ -9602,7 +9915,7 @@
 </p:sld>
 </file>
 
-<file path=ppt/slides/slide24.xml><?xml version="1.0" encoding="utf-8"?>
+<file path=ppt/slides/slide25.xml><?xml version="1.0" encoding="utf-8"?>
 <p:sld xmlns:a="http://schemas.openxmlformats.org/drawingml/2006/main" xmlns:r="http://schemas.openxmlformats.org/officeDocument/2006/relationships" xmlns:p="http://schemas.openxmlformats.org/presentationml/2006/main">
   <p:cSld>
     <p:spTree>
@@ -10198,249 +10511,6 @@
 </p:sld>
 </file>
 
-<file path=ppt/slides/slide25.xml><?xml version="1.0" encoding="utf-8"?>
-<p:sld xmlns:a="http://schemas.openxmlformats.org/drawingml/2006/main" xmlns:r="http://schemas.openxmlformats.org/officeDocument/2006/relationships" xmlns:p="http://schemas.openxmlformats.org/presentationml/2006/main">
-  <p:cSld>
-    <p:spTree>
-      <p:nvGrpSpPr>
-        <p:cNvPr id="1" name=""/>
-        <p:cNvGrpSpPr/>
-        <p:nvPr/>
-      </p:nvGrpSpPr>
-      <p:grpSpPr>
-        <a:xfrm>
-          <a:off x="0" y="0"/>
-          <a:ext cx="0" cy="0"/>
-          <a:chOff x="0" y="0"/>
-          <a:chExt cx="0" cy="0"/>
-        </a:xfrm>
-      </p:grpSpPr>
-      <p:sp>
-        <p:nvSpPr>
-          <p:cNvPr id="9" name="Rectangle 8"/>
-          <p:cNvSpPr/>
-          <p:nvPr/>
-        </p:nvSpPr>
-        <p:spPr>
-          <a:xfrm>
-            <a:off x="3554499" y="3358254"/>
-            <a:ext cx="5083002" cy="3026364"/>
-          </a:xfrm>
-          <a:prstGeom prst="rect">
-            <a:avLst/>
-          </a:prstGeom>
-          <a:noFill/>
-          <a:ln w="76200">
-            <a:solidFill>
-              <a:schemeClr val="bg1">
-                <a:lumMod val="65000"/>
-              </a:schemeClr>
-            </a:solidFill>
-          </a:ln>
-        </p:spPr>
-        <p:style>
-          <a:lnRef idx="2">
-            <a:schemeClr val="accent1">
-              <a:shade val="50000"/>
-            </a:schemeClr>
-          </a:lnRef>
-          <a:fillRef idx="1">
-            <a:schemeClr val="accent1"/>
-          </a:fillRef>
-          <a:effectRef idx="0">
-            <a:schemeClr val="accent1"/>
-          </a:effectRef>
-          <a:fontRef idx="minor">
-            <a:schemeClr val="lt1"/>
-          </a:fontRef>
-        </p:style>
-        <p:txBody>
-          <a:bodyPr rtlCol="0" anchor="ctr"/>
-          <a:lstStyle/>
-          <a:p>
-            <a:pPr algn="ctr"/>
-            <a:endParaRPr lang="en-GB">
-              <a:solidFill>
-                <a:schemeClr val="tx1"/>
-              </a:solidFill>
-            </a:endParaRPr>
-          </a:p>
-        </p:txBody>
-      </p:sp>
-      <p:sp>
-        <p:nvSpPr>
-          <p:cNvPr id="8" name="ZoneTexte 7"/>
-          <p:cNvSpPr txBox="1"/>
-          <p:nvPr/>
-        </p:nvSpPr>
-        <p:spPr>
-          <a:xfrm>
-            <a:off x="1874195" y="1204843"/>
-            <a:ext cx="8443609" cy="1723549"/>
-          </a:xfrm>
-          <a:prstGeom prst="rect">
-            <a:avLst/>
-          </a:prstGeom>
-          <a:noFill/>
-        </p:spPr>
-        <p:txBody>
-          <a:bodyPr wrap="square" rtlCol="0">
-            <a:spAutoFit/>
-          </a:bodyPr>
-          <a:lstStyle/>
-          <a:p>
-            <a:pPr algn="ctr">
-              <a:spcAft>
-                <a:spcPts val="1200"/>
-              </a:spcAft>
-            </a:pPr>
-            <a:r>
-              <a:rPr lang="fr-FR" sz="2400" dirty="0"/>
-              <a:t>Il se peut que vous ne vous rappeliez plus de l’emplacement de l’autre chiffre composant la paire. </a:t>
-            </a:r>
-          </a:p>
-          <a:p>
-            <a:pPr algn="ctr">
-              <a:spcAft>
-                <a:spcPts val="1200"/>
-              </a:spcAft>
-            </a:pPr>
-            <a:r>
-              <a:rPr lang="fr-FR" sz="2400" dirty="0"/>
-              <a:t>Vous pourrez alors cliquer sur le bouton « Montrez-moi la prochaine paire », en bas à gauche de la grille:</a:t>
-            </a:r>
-            <a:endParaRPr lang="fr-FR" sz="2400" b="1" dirty="0"/>
-          </a:p>
-        </p:txBody>
-      </p:sp>
-      <p:pic>
-        <p:nvPicPr>
-          <p:cNvPr id="3" name="Picture 2">
-            <a:extLst>
-              <a:ext uri="{FF2B5EF4-FFF2-40B4-BE49-F238E27FC236}">
-                <a16:creationId xmlns:a16="http://schemas.microsoft.com/office/drawing/2014/main" id="{62E78A33-4A91-4109-8E3B-93A547C80554}"/>
-              </a:ext>
-            </a:extLst>
-          </p:cNvPr>
-          <p:cNvPicPr>
-            <a:picLocks noChangeAspect="1"/>
-          </p:cNvPicPr>
-          <p:nvPr/>
-        </p:nvPicPr>
-        <p:blipFill rotWithShape="1">
-          <a:blip r:embed="rId2"/>
-          <a:srcRect l="25295" t="64490" r="25907" b="5532"/>
-          <a:stretch/>
-        </p:blipFill>
-        <p:spPr>
-          <a:xfrm>
-            <a:off x="3695569" y="3933092"/>
-            <a:ext cx="4800862" cy="1966127"/>
-          </a:xfrm>
-          <a:prstGeom prst="rect">
-            <a:avLst/>
-          </a:prstGeom>
-        </p:spPr>
-      </p:pic>
-      <p:cxnSp>
-        <p:nvCxnSpPr>
-          <p:cNvPr id="6" name="Straight Arrow Connector 5">
-            <a:extLst>
-              <a:ext uri="{FF2B5EF4-FFF2-40B4-BE49-F238E27FC236}">
-                <a16:creationId xmlns:a16="http://schemas.microsoft.com/office/drawing/2014/main" id="{E4312EB6-4D0C-4ED2-AA55-6845DE2C422D}"/>
-              </a:ext>
-            </a:extLst>
-          </p:cNvPr>
-          <p:cNvCxnSpPr/>
-          <p:nvPr/>
-        </p:nvCxnSpPr>
-        <p:spPr>
-          <a:xfrm>
-            <a:off x="1609344" y="5142113"/>
-            <a:ext cx="2335525" cy="566928"/>
-          </a:xfrm>
-          <a:prstGeom prst="straightConnector1">
-            <a:avLst/>
-          </a:prstGeom>
-          <a:ln w="57150">
-            <a:solidFill>
-              <a:srgbClr val="FF0000"/>
-            </a:solidFill>
-            <a:tailEnd type="triangle"/>
-          </a:ln>
-        </p:spPr>
-        <p:style>
-          <a:lnRef idx="3">
-            <a:schemeClr val="accent2"/>
-          </a:lnRef>
-          <a:fillRef idx="0">
-            <a:schemeClr val="accent2"/>
-          </a:fillRef>
-          <a:effectRef idx="2">
-            <a:schemeClr val="accent2"/>
-          </a:effectRef>
-          <a:fontRef idx="minor">
-            <a:schemeClr val="tx1"/>
-          </a:fontRef>
-        </p:style>
-      </p:cxnSp>
-      <p:sp>
-        <p:nvSpPr>
-          <p:cNvPr id="10" name="ZoneTexte 9"/>
-          <p:cNvSpPr txBox="1"/>
-          <p:nvPr/>
-        </p:nvSpPr>
-        <p:spPr>
-          <a:xfrm>
-            <a:off x="3099106" y="379385"/>
-            <a:ext cx="5993789" cy="461665"/>
-          </a:xfrm>
-          <a:prstGeom prst="rect">
-            <a:avLst/>
-          </a:prstGeom>
-          <a:noFill/>
-          <a:ln>
-            <a:noFill/>
-          </a:ln>
-        </p:spPr>
-        <p:txBody>
-          <a:bodyPr wrap="square" rtlCol="0" anchor="ctr">
-            <a:spAutoFit/>
-          </a:bodyPr>
-          <a:lstStyle/>
-          <a:p>
-            <a:pPr algn="ctr">
-              <a:spcBef>
-                <a:spcPts val="1800"/>
-              </a:spcBef>
-              <a:spcAft>
-                <a:spcPts val="1800"/>
-              </a:spcAft>
-            </a:pPr>
-            <a:r>
-              <a:rPr lang="en-GB" sz="2400" b="1" dirty="0">
-                <a:solidFill>
-                  <a:srgbClr val="0070C0"/>
-                </a:solidFill>
-              </a:rPr>
-              <a:t>ETAPE 4 - PHASE DE TEST</a:t>
-            </a:r>
-          </a:p>
-        </p:txBody>
-      </p:sp>
-    </p:spTree>
-    <p:extLst>
-      <p:ext uri="{BB962C8B-B14F-4D97-AF65-F5344CB8AC3E}">
-        <p14:creationId xmlns:p14="http://schemas.microsoft.com/office/powerpoint/2010/main" val="4187121344"/>
-      </p:ext>
-    </p:extLst>
-  </p:cSld>
-  <p:clrMapOvr>
-    <a:masterClrMapping/>
-  </p:clrMapOvr>
-</p:sld>
-</file>
-
 <file path=ppt/slides/slide26.xml><?xml version="1.0" encoding="utf-8"?>
 <p:sld xmlns:a="http://schemas.openxmlformats.org/drawingml/2006/main" xmlns:r="http://schemas.openxmlformats.org/officeDocument/2006/relationships" xmlns:p="http://schemas.openxmlformats.org/presentationml/2006/main">
   <p:cSld>
@@ -10466,7 +10536,7 @@
         </p:nvSpPr>
         <p:spPr>
           <a:xfrm>
-            <a:off x="3554499" y="3080749"/>
+            <a:off x="3554499" y="3358254"/>
             <a:ext cx="5083002" cy="3026364"/>
           </a:xfrm>
           <a:prstGeom prst="rect">
@@ -10518,8 +10588,8 @@
         </p:nvSpPr>
         <p:spPr>
           <a:xfrm>
-            <a:off x="1874195" y="1391734"/>
-            <a:ext cx="8443609" cy="1200329"/>
+            <a:off x="1874195" y="1204843"/>
+            <a:ext cx="8443609" cy="1723549"/>
           </a:xfrm>
           <a:prstGeom prst="rect">
             <a:avLst/>
@@ -10539,8 +10609,20 @@
             </a:pPr>
             <a:r>
               <a:rPr lang="fr-FR" sz="2400" dirty="0"/>
-              <a:t>Lorsque vous pensez avoir atteint le score cible, cliquez sur le bouton « je crois avoir atteint le score cible » pour terminer la phase de test:</a:t>
-            </a:r>
+              <a:t>Il se peut que vous ne vous rappeliez plus de l’emplacement de l’autre chiffre composant la paire. </a:t>
+            </a:r>
+          </a:p>
+          <a:p>
+            <a:pPr algn="ctr">
+              <a:spcAft>
+                <a:spcPts val="1200"/>
+              </a:spcAft>
+            </a:pPr>
+            <a:r>
+              <a:rPr lang="fr-FR" sz="2400" dirty="0"/>
+              <a:t>Vous pourrez alors cliquer sur le bouton « Montrez-moi la prochaine paire », en bas à gauche de la grille:</a:t>
+            </a:r>
+            <a:endParaRPr lang="fr-FR" sz="2400" b="1" dirty="0"/>
           </a:p>
         </p:txBody>
       </p:sp>
@@ -10565,7 +10647,7 @@
         </p:blipFill>
         <p:spPr>
           <a:xfrm>
-            <a:off x="3695569" y="3655587"/>
+            <a:off x="3695569" y="3933092"/>
             <a:ext cx="4800862" cy="1966127"/>
           </a:xfrm>
           <a:prstGeom prst="rect">
@@ -10582,15 +10664,13 @@
               </a:ext>
             </a:extLst>
           </p:cNvPr>
-          <p:cNvCxnSpPr>
-            <a:cxnSpLocks/>
-          </p:cNvCxnSpPr>
+          <p:cNvCxnSpPr/>
           <p:nvPr/>
         </p:nvCxnSpPr>
         <p:spPr>
-          <a:xfrm flipH="1">
-            <a:off x="8388853" y="4928616"/>
-            <a:ext cx="1815851" cy="539496"/>
+          <a:xfrm>
+            <a:off x="1609344" y="5142113"/>
+            <a:ext cx="2335525" cy="566928"/>
           </a:xfrm>
           <a:prstGeom prst="straightConnector1">
             <a:avLst/>
@@ -10664,7 +10744,7 @@
     </p:spTree>
     <p:extLst>
       <p:ext uri="{BB962C8B-B14F-4D97-AF65-F5344CB8AC3E}">
-        <p14:creationId xmlns:p14="http://schemas.microsoft.com/office/powerpoint/2010/main" val="2896142137"/>
+        <p14:creationId xmlns:p14="http://schemas.microsoft.com/office/powerpoint/2010/main" val="4187121344"/>
       </p:ext>
     </p:extLst>
   </p:cSld>
@@ -10699,7 +10779,7 @@
         </p:nvSpPr>
         <p:spPr>
           <a:xfrm>
-            <a:off x="3554499" y="2366514"/>
+            <a:off x="3554499" y="3080749"/>
             <a:ext cx="5083002" cy="3026364"/>
           </a:xfrm>
           <a:prstGeom prst="rect">
@@ -10751,8 +10831,8 @@
         </p:nvSpPr>
         <p:spPr>
           <a:xfrm>
-            <a:off x="1874194" y="1252745"/>
-            <a:ext cx="8457161" cy="830997"/>
+            <a:off x="1874195" y="1391734"/>
+            <a:ext cx="8443609" cy="1200329"/>
           </a:xfrm>
           <a:prstGeom prst="rect">
             <a:avLst/>
@@ -10772,29 +10852,17 @@
             </a:pPr>
             <a:r>
               <a:rPr lang="fr-FR" sz="2400" dirty="0"/>
-              <a:t>Après la phase de test, nous vous demanderons de vous </a:t>
-            </a:r>
-            <a:r>
-              <a:rPr lang="fr-FR" sz="2400" dirty="0" err="1"/>
-              <a:t>auto-évaluer</a:t>
-            </a:r>
-            <a:r>
-              <a:rPr lang="fr-FR" sz="2400" dirty="0"/>
-              <a:t> </a:t>
-            </a:r>
-            <a:r>
-              <a:rPr lang="en-US" sz="2400" dirty="0"/>
-              <a:t>:</a:t>
+              <a:t>Lorsque vous pensez avoir atteint le score cible, cliquez sur le bouton « je crois avoir atteint le score cible » pour terminer la phase de test:</a:t>
             </a:r>
           </a:p>
         </p:txBody>
       </p:sp>
       <p:pic>
         <p:nvPicPr>
-          <p:cNvPr id="2" name="Picture 1">
+          <p:cNvPr id="3" name="Picture 2">
             <a:extLst>
               <a:ext uri="{FF2B5EF4-FFF2-40B4-BE49-F238E27FC236}">
-                <a16:creationId xmlns:a16="http://schemas.microsoft.com/office/drawing/2014/main" id="{57DC9D53-1594-4637-A7B7-B270E6EB6C27}"/>
+                <a16:creationId xmlns:a16="http://schemas.microsoft.com/office/drawing/2014/main" id="{62E78A33-4A91-4109-8E3B-93A547C80554}"/>
               </a:ext>
             </a:extLst>
           </p:cNvPr>
@@ -10805,129 +10873,63 @@
         </p:nvPicPr>
         <p:blipFill rotWithShape="1">
           <a:blip r:embed="rId2"/>
-          <a:srcRect l="30564" t="48800" r="29888" b="40933"/>
+          <a:srcRect l="25295" t="64490" r="25907" b="5532"/>
           <a:stretch/>
         </p:blipFill>
         <p:spPr>
           <a:xfrm>
-            <a:off x="3676396" y="3455318"/>
-            <a:ext cx="4839207" cy="837502"/>
+            <a:off x="3695569" y="3655587"/>
+            <a:ext cx="4800862" cy="1966127"/>
           </a:xfrm>
           <a:prstGeom prst="rect">
             <a:avLst/>
           </a:prstGeom>
         </p:spPr>
       </p:pic>
-      <p:sp>
-        <p:nvSpPr>
-          <p:cNvPr id="3" name="Rectangle 2"/>
-          <p:cNvSpPr/>
-          <p:nvPr/>
-        </p:nvSpPr>
-        <p:spPr>
-          <a:xfrm>
-            <a:off x="1745466" y="5760071"/>
-            <a:ext cx="8701068" cy="830997"/>
-          </a:xfrm>
-          <a:prstGeom prst="rect">
+      <p:cxnSp>
+        <p:nvCxnSpPr>
+          <p:cNvPr id="6" name="Straight Arrow Connector 5">
+            <a:extLst>
+              <a:ext uri="{FF2B5EF4-FFF2-40B4-BE49-F238E27FC236}">
+                <a16:creationId xmlns:a16="http://schemas.microsoft.com/office/drawing/2014/main" id="{E4312EB6-4D0C-4ED2-AA55-6845DE2C422D}"/>
+              </a:ext>
+            </a:extLst>
+          </p:cNvPr>
+          <p:cNvCxnSpPr>
+            <a:cxnSpLocks/>
+          </p:cNvCxnSpPr>
+          <p:nvPr/>
+        </p:nvCxnSpPr>
+        <p:spPr>
+          <a:xfrm flipH="1">
+            <a:off x="8388853" y="4928616"/>
+            <a:ext cx="1815851" cy="539496"/>
+          </a:xfrm>
+          <a:prstGeom prst="straightConnector1">
             <a:avLst/>
           </a:prstGeom>
-        </p:spPr>
-        <p:txBody>
-          <a:bodyPr wrap="square">
-            <a:spAutoFit/>
-          </a:bodyPr>
-          <a:lstStyle/>
-          <a:p>
-            <a:pPr algn="ctr">
-              <a:spcAft>
-                <a:spcPts val="1200"/>
-              </a:spcAft>
-            </a:pPr>
-            <a:r>
-              <a:rPr lang="en-US" sz="2400" dirty="0" err="1"/>
-              <a:t>Répondez</a:t>
-            </a:r>
-            <a:r>
-              <a:rPr lang="en-US" sz="2400" dirty="0"/>
-              <a:t> </a:t>
-            </a:r>
-            <a:r>
-              <a:rPr lang="en-US" sz="2400" dirty="0" err="1"/>
-              <a:t>en</a:t>
-            </a:r>
-            <a:r>
-              <a:rPr lang="en-US" sz="2400" dirty="0"/>
-              <a:t> </a:t>
-            </a:r>
-            <a:r>
-              <a:rPr lang="en-US" sz="2400" dirty="0" err="1"/>
-              <a:t>cliquant</a:t>
-            </a:r>
-            <a:r>
-              <a:rPr lang="en-US" sz="2400" dirty="0"/>
-              <a:t> sur le </a:t>
-            </a:r>
-            <a:r>
-              <a:rPr lang="en-US" sz="2400" dirty="0" err="1"/>
-              <a:t>nombre</a:t>
-            </a:r>
-            <a:r>
-              <a:rPr lang="en-US" sz="2400" dirty="0"/>
-              <a:t> </a:t>
-            </a:r>
-            <a:r>
-              <a:rPr lang="en-US" sz="2400" dirty="0" err="1"/>
-              <a:t>d’emplacements</a:t>
-            </a:r>
-            <a:r>
-              <a:rPr lang="en-US" sz="2400" dirty="0"/>
-              <a:t> que </a:t>
-            </a:r>
-            <a:r>
-              <a:rPr lang="en-US" sz="2400" dirty="0" err="1"/>
-              <a:t>vous</a:t>
-            </a:r>
-            <a:r>
-              <a:rPr lang="en-US" sz="2400" dirty="0"/>
-              <a:t> </a:t>
-            </a:r>
-            <a:r>
-              <a:rPr lang="en-US" sz="2400" dirty="0" err="1"/>
-              <a:t>pensez</a:t>
-            </a:r>
-            <a:r>
-              <a:rPr lang="en-US" sz="2400" dirty="0"/>
-              <a:t> </a:t>
-            </a:r>
-            <a:r>
-              <a:rPr lang="en-US" sz="2400" dirty="0" err="1"/>
-              <a:t>avoir</a:t>
-            </a:r>
-            <a:r>
-              <a:rPr lang="en-US" sz="2400" dirty="0"/>
-              <a:t> </a:t>
-            </a:r>
-            <a:r>
-              <a:rPr lang="en-US" sz="2400" dirty="0" err="1"/>
-              <a:t>correctement</a:t>
-            </a:r>
-            <a:r>
-              <a:rPr lang="en-US" sz="2400" dirty="0"/>
-              <a:t> </a:t>
-            </a:r>
-            <a:r>
-              <a:rPr lang="en-US" sz="2400" dirty="0" err="1"/>
-              <a:t>deviné</a:t>
-            </a:r>
-            <a:r>
-              <a:rPr lang="en-US" sz="2400" dirty="0"/>
-              <a:t>!</a:t>
-            </a:r>
-            <a:endParaRPr lang="en-GB" sz="2400" dirty="0"/>
-          </a:p>
-        </p:txBody>
-      </p:sp>
+          <a:ln w="57150">
+            <a:solidFill>
+              <a:srgbClr val="FF0000"/>
+            </a:solidFill>
+            <a:tailEnd type="triangle"/>
+          </a:ln>
+        </p:spPr>
+        <p:style>
+          <a:lnRef idx="3">
+            <a:schemeClr val="accent2"/>
+          </a:lnRef>
+          <a:fillRef idx="0">
+            <a:schemeClr val="accent2"/>
+          </a:fillRef>
+          <a:effectRef idx="2">
+            <a:schemeClr val="accent2"/>
+          </a:effectRef>
+          <a:fontRef idx="minor">
+            <a:schemeClr val="tx1"/>
+          </a:fontRef>
+        </p:style>
+      </p:cxnSp>
       <p:sp>
         <p:nvSpPr>
           <p:cNvPr id="10" name="ZoneTexte 9"/>
@@ -10967,7 +10969,7 @@
                   <a:srgbClr val="0070C0"/>
                 </a:solidFill>
               </a:rPr>
-              <a:t>ETAPE 5 : AUTO-ÉVALUATION</a:t>
+              <a:t>ETAPE 4 - PHASE DE TEST</a:t>
             </a:r>
           </a:p>
         </p:txBody>
@@ -10975,7 +10977,7 @@
     </p:spTree>
     <p:extLst>
       <p:ext uri="{BB962C8B-B14F-4D97-AF65-F5344CB8AC3E}">
-        <p14:creationId xmlns:p14="http://schemas.microsoft.com/office/powerpoint/2010/main" val="606719304"/>
+        <p14:creationId xmlns:p14="http://schemas.microsoft.com/office/powerpoint/2010/main" val="2896142137"/>
       </p:ext>
     </p:extLst>
   </p:cSld>
@@ -11010,7 +11012,7 @@
         </p:nvSpPr>
         <p:spPr>
           <a:xfrm>
-            <a:off x="3554499" y="2707708"/>
+            <a:off x="3554499" y="2366514"/>
             <a:ext cx="5083002" cy="3026364"/>
           </a:xfrm>
           <a:prstGeom prst="rect">
@@ -11054,12 +11056,58 @@
           </a:p>
         </p:txBody>
       </p:sp>
+      <p:sp>
+        <p:nvSpPr>
+          <p:cNvPr id="8" name="ZoneTexte 7"/>
+          <p:cNvSpPr txBox="1"/>
+          <p:nvPr/>
+        </p:nvSpPr>
+        <p:spPr>
+          <a:xfrm>
+            <a:off x="1874194" y="1252745"/>
+            <a:ext cx="8457161" cy="830997"/>
+          </a:xfrm>
+          <a:prstGeom prst="rect">
+            <a:avLst/>
+          </a:prstGeom>
+          <a:noFill/>
+        </p:spPr>
+        <p:txBody>
+          <a:bodyPr wrap="square" rtlCol="0">
+            <a:spAutoFit/>
+          </a:bodyPr>
+          <a:lstStyle/>
+          <a:p>
+            <a:pPr algn="ctr">
+              <a:spcAft>
+                <a:spcPts val="1200"/>
+              </a:spcAft>
+            </a:pPr>
+            <a:r>
+              <a:rPr lang="fr-FR" sz="2400" dirty="0"/>
+              <a:t>Après la phase de test, nous vous demanderons de vous </a:t>
+            </a:r>
+            <a:r>
+              <a:rPr lang="fr-FR" sz="2400" dirty="0" err="1"/>
+              <a:t>auto-évaluer</a:t>
+            </a:r>
+            <a:r>
+              <a:rPr lang="fr-FR" sz="2400" dirty="0"/>
+              <a:t> </a:t>
+            </a:r>
+            <a:r>
+              <a:rPr lang="en-US" sz="2400" dirty="0"/>
+              <a:t>:</a:t>
+            </a:r>
+          </a:p>
+        </p:txBody>
+      </p:sp>
       <p:pic>
         <p:nvPicPr>
-          <p:cNvPr id="10" name="Picture 9">
+          <p:cNvPr id="2" name="Picture 1">
             <a:extLst>
               <a:ext uri="{FF2B5EF4-FFF2-40B4-BE49-F238E27FC236}">
-                <a16:creationId xmlns:a16="http://schemas.microsoft.com/office/drawing/2014/main" id="{93D8FE7F-D7E9-4D36-829D-0129FED49DE2}"/>
+                <a16:creationId xmlns:a16="http://schemas.microsoft.com/office/drawing/2014/main" id="{57DC9D53-1594-4637-A7B7-B270E6EB6C27}"/>
               </a:ext>
             </a:extLst>
           </p:cNvPr>
@@ -11070,13 +11118,13 @@
         </p:nvPicPr>
         <p:blipFill rotWithShape="1">
           <a:blip r:embed="rId2"/>
-          <a:srcRect l="22830" t="10949" r="22948" b="73"/>
+          <a:srcRect l="30564" t="48800" r="29888" b="40933"/>
           <a:stretch/>
         </p:blipFill>
         <p:spPr>
           <a:xfrm>
-            <a:off x="4751830" y="2797824"/>
-            <a:ext cx="2651760" cy="2900996"/>
+            <a:off x="3676396" y="3455318"/>
+            <a:ext cx="4839207" cy="837502"/>
           </a:xfrm>
           <a:prstGeom prst="rect">
             <a:avLst/>
@@ -11085,28 +11133,21 @@
       </p:pic>
       <p:sp>
         <p:nvSpPr>
-          <p:cNvPr id="11" name="ZoneTexte 7">
-            <a:extLst>
-              <a:ext uri="{FF2B5EF4-FFF2-40B4-BE49-F238E27FC236}">
-                <a16:creationId xmlns:a16="http://schemas.microsoft.com/office/drawing/2014/main" id="{95989657-5D8A-49A2-B814-16BCC8CDACB2}"/>
-              </a:ext>
-            </a:extLst>
-          </p:cNvPr>
-          <p:cNvSpPr txBox="1"/>
-          <p:nvPr/>
-        </p:nvSpPr>
-        <p:spPr>
-          <a:xfrm>
-            <a:off x="1874195" y="1044401"/>
-            <a:ext cx="8443609" cy="1354217"/>
+          <p:cNvPr id="3" name="Rectangle 2"/>
+          <p:cNvSpPr/>
+          <p:nvPr/>
+        </p:nvSpPr>
+        <p:spPr>
+          <a:xfrm>
+            <a:off x="1745466" y="5760071"/>
+            <a:ext cx="8701068" cy="830997"/>
           </a:xfrm>
           <a:prstGeom prst="rect">
             <a:avLst/>
           </a:prstGeom>
-          <a:noFill/>
-        </p:spPr>
-        <p:txBody>
-          <a:bodyPr wrap="square" rtlCol="0">
+        </p:spPr>
+        <p:txBody>
+          <a:bodyPr wrap="square">
             <a:spAutoFit/>
           </a:bodyPr>
           <a:lstStyle/>
@@ -11117,24 +11158,44 @@
               </a:spcAft>
             </a:pPr>
             <a:r>
-              <a:rPr lang="en-GB" sz="2400" dirty="0"/>
-              <a:t>Apr</a:t>
-            </a:r>
-            <a:r>
               <a:rPr lang="en-US" sz="2400" dirty="0" err="1"/>
-              <a:t>ès</a:t>
+              <a:t>Répondez</a:t>
             </a:r>
             <a:r>
               <a:rPr lang="en-US" sz="2400" dirty="0"/>
-              <a:t> le auto-</a:t>
+              <a:t> </a:t>
             </a:r>
             <a:r>
               <a:rPr lang="en-US" sz="2400" dirty="0" err="1"/>
-              <a:t>évaluations</a:t>
+              <a:t>en</a:t>
             </a:r>
             <a:r>
               <a:rPr lang="en-US" sz="2400" dirty="0"/>
-              <a:t>, nous </a:t>
+              <a:t> </a:t>
+            </a:r>
+            <a:r>
+              <a:rPr lang="en-US" sz="2400" dirty="0" err="1"/>
+              <a:t>cliquant</a:t>
+            </a:r>
+            <a:r>
+              <a:rPr lang="en-US" sz="2400" dirty="0"/>
+              <a:t> sur le </a:t>
+            </a:r>
+            <a:r>
+              <a:rPr lang="en-US" sz="2400" dirty="0" err="1"/>
+              <a:t>nombre</a:t>
+            </a:r>
+            <a:r>
+              <a:rPr lang="en-US" sz="2400" dirty="0"/>
+              <a:t> </a:t>
+            </a:r>
+            <a:r>
+              <a:rPr lang="en-US" sz="2400" dirty="0" err="1"/>
+              <a:t>d’emplacements</a:t>
+            </a:r>
+            <a:r>
+              <a:rPr lang="en-US" sz="2400" dirty="0"/>
+              <a:t> que </a:t>
             </a:r>
             <a:r>
               <a:rPr lang="en-US" sz="2400" dirty="0" err="1"/>
@@ -11146,34 +11207,7 @@
             </a:r>
             <a:r>
               <a:rPr lang="en-US" sz="2400" dirty="0" err="1"/>
-              <a:t>donnerons</a:t>
-            </a:r>
-            <a:r>
-              <a:rPr lang="en-US" sz="2400" dirty="0"/>
-              <a:t> un retour sur </a:t>
-            </a:r>
-            <a:r>
-              <a:rPr lang="en-US" sz="2400" dirty="0" err="1"/>
-              <a:t>votre</a:t>
-            </a:r>
-            <a:r>
-              <a:rPr lang="en-US" sz="2400" dirty="0"/>
-              <a:t> performance.</a:t>
-            </a:r>
-          </a:p>
-          <a:p>
-            <a:pPr algn="ctr">
-              <a:spcAft>
-                <a:spcPts val="1200"/>
-              </a:spcAft>
-            </a:pPr>
-            <a:r>
-              <a:rPr lang="en-US" sz="2400" dirty="0"/>
-              <a:t>Nous </a:t>
-            </a:r>
-            <a:r>
-              <a:rPr lang="en-US" sz="2400" dirty="0" err="1"/>
-              <a:t>vous</a:t>
+              <a:t>pensez</a:t>
             </a:r>
             <a:r>
               <a:rPr lang="en-US" sz="2400" dirty="0"/>
@@ -11181,31 +11215,7 @@
             </a:r>
             <a:r>
               <a:rPr lang="en-US" sz="2400" dirty="0" err="1"/>
-              <a:t>montrerons</a:t>
-            </a:r>
-            <a:r>
-              <a:rPr lang="en-US" sz="2400" dirty="0"/>
-              <a:t>, </a:t>
-            </a:r>
-            <a:r>
-              <a:rPr lang="en-US" sz="2400" dirty="0" err="1"/>
-              <a:t>une</a:t>
-            </a:r>
-            <a:r>
-              <a:rPr lang="en-US" sz="2400" dirty="0"/>
-              <a:t> à </a:t>
-            </a:r>
-            <a:r>
-              <a:rPr lang="en-US" sz="2400" dirty="0" err="1"/>
-              <a:t>une</a:t>
-            </a:r>
-            <a:r>
-              <a:rPr lang="en-US" sz="2400" dirty="0"/>
-              <a:t>, </a:t>
-            </a:r>
-            <a:r>
-              <a:rPr lang="en-US" sz="2400" dirty="0" err="1"/>
-              <a:t>chaque</a:t>
+              <a:t>avoir</a:t>
             </a:r>
             <a:r>
               <a:rPr lang="en-US" sz="2400" dirty="0"/>
@@ -11213,159 +11223,27 @@
             </a:r>
             <a:r>
               <a:rPr lang="en-US" sz="2400" dirty="0" err="1"/>
-              <a:t>paire</a:t>
+              <a:t>correctement</a:t>
             </a:r>
             <a:r>
               <a:rPr lang="en-US" sz="2400" dirty="0"/>
-              <a:t> de </a:t>
+              <a:t> </a:t>
             </a:r>
             <a:r>
               <a:rPr lang="en-US" sz="2400" dirty="0" err="1"/>
-              <a:t>chiffres</a:t>
+              <a:t>deviné</a:t>
             </a:r>
             <a:r>
               <a:rPr lang="en-US" sz="2400" dirty="0"/>
-              <a:t>:</a:t>
-            </a:r>
-          </a:p>
-        </p:txBody>
-      </p:sp>
-      <p:cxnSp>
-        <p:nvCxnSpPr>
-          <p:cNvPr id="12" name="Straight Arrow Connector 11">
-            <a:extLst>
-              <a:ext uri="{FF2B5EF4-FFF2-40B4-BE49-F238E27FC236}">
-                <a16:creationId xmlns:a16="http://schemas.microsoft.com/office/drawing/2014/main" id="{016FCF26-4DF1-442A-897B-9167C8A5216B}"/>
-              </a:ext>
-            </a:extLst>
-          </p:cNvPr>
-          <p:cNvCxnSpPr>
-            <a:cxnSpLocks/>
-          </p:cNvCxnSpPr>
-          <p:nvPr/>
-        </p:nvCxnSpPr>
-        <p:spPr>
-          <a:xfrm>
-            <a:off x="2578608" y="3183975"/>
-            <a:ext cx="2103120" cy="588859"/>
-          </a:xfrm>
-          <a:prstGeom prst="straightConnector1">
-            <a:avLst/>
-          </a:prstGeom>
-          <a:ln w="57150">
-            <a:solidFill>
-              <a:srgbClr val="FF0000"/>
-            </a:solidFill>
-            <a:tailEnd type="triangle"/>
-          </a:ln>
-        </p:spPr>
-        <p:style>
-          <a:lnRef idx="3">
-            <a:schemeClr val="accent2"/>
-          </a:lnRef>
-          <a:fillRef idx="0">
-            <a:schemeClr val="accent2"/>
-          </a:fillRef>
-          <a:effectRef idx="2">
-            <a:schemeClr val="accent2"/>
-          </a:effectRef>
-          <a:fontRef idx="minor">
-            <a:schemeClr val="tx1"/>
-          </a:fontRef>
-        </p:style>
-      </p:cxnSp>
-      <p:sp>
-        <p:nvSpPr>
-          <p:cNvPr id="2" name="Rectangle 1"/>
-          <p:cNvSpPr/>
-          <p:nvPr/>
-        </p:nvSpPr>
-        <p:spPr>
-          <a:xfrm>
-            <a:off x="797257" y="6049226"/>
-            <a:ext cx="10597486" cy="461665"/>
-          </a:xfrm>
-          <a:prstGeom prst="rect">
-            <a:avLst/>
-          </a:prstGeom>
-        </p:spPr>
-        <p:txBody>
-          <a:bodyPr wrap="square">
-            <a:spAutoFit/>
-          </a:bodyPr>
-          <a:lstStyle/>
-          <a:p>
-            <a:pPr algn="ctr">
-              <a:spcAft>
-                <a:spcPts val="1200"/>
-              </a:spcAft>
-            </a:pPr>
-            <a:r>
-              <a:rPr lang="en-GB" sz="2400" dirty="0"/>
-              <a:t>Le </a:t>
-            </a:r>
-            <a:r>
-              <a:rPr lang="en-GB" sz="2400" dirty="0" err="1"/>
-              <a:t>chiffre</a:t>
-            </a:r>
-            <a:r>
-              <a:rPr lang="en-GB" sz="2400" dirty="0"/>
-              <a:t> qui </a:t>
-            </a:r>
-            <a:r>
-              <a:rPr lang="en-GB" sz="2400" dirty="0" err="1"/>
-              <a:t>vous</a:t>
-            </a:r>
-            <a:r>
-              <a:rPr lang="en-GB" sz="2400" dirty="0"/>
-              <a:t> a </a:t>
-            </a:r>
-            <a:r>
-              <a:rPr lang="en-GB" sz="2400" dirty="0" err="1"/>
-              <a:t>été</a:t>
-            </a:r>
-            <a:r>
-              <a:rPr lang="en-GB" sz="2400" dirty="0"/>
-              <a:t> </a:t>
-            </a:r>
-            <a:r>
-              <a:rPr lang="en-GB" sz="2400" dirty="0" err="1"/>
-              <a:t>montré</a:t>
-            </a:r>
-            <a:r>
-              <a:rPr lang="en-GB" sz="2400" dirty="0"/>
-              <a:t> pendant la phase de test sera </a:t>
-            </a:r>
-            <a:r>
-              <a:rPr lang="en-GB" sz="2400" dirty="0" err="1"/>
-              <a:t>surligné</a:t>
-            </a:r>
-            <a:r>
-              <a:rPr lang="en-GB" sz="2400" dirty="0"/>
-              <a:t> </a:t>
-            </a:r>
-            <a:r>
-              <a:rPr lang="en-GB" sz="2400" dirty="0" err="1"/>
-              <a:t>en</a:t>
-            </a:r>
-            <a:r>
-              <a:rPr lang="en-GB" sz="2400" dirty="0"/>
-              <a:t> </a:t>
-            </a:r>
-            <a:r>
-              <a:rPr lang="en-GB" sz="2400" dirty="0" err="1"/>
-              <a:t>jaune</a:t>
-            </a:r>
-            <a:r>
-              <a:rPr lang="en-GB" sz="2400" dirty="0"/>
-              <a:t>.</a:t>
-            </a:r>
-          </a:p>
-        </p:txBody>
-      </p:sp>
-      <p:sp>
-        <p:nvSpPr>
-          <p:cNvPr id="13" name="ZoneTexte 12"/>
+              <a:t>!</a:t>
+            </a:r>
+            <a:endParaRPr lang="en-GB" sz="2400" dirty="0"/>
+          </a:p>
+        </p:txBody>
+      </p:sp>
+      <p:sp>
+        <p:nvSpPr>
+          <p:cNvPr id="10" name="ZoneTexte 9"/>
           <p:cNvSpPr txBox="1"/>
           <p:nvPr/>
         </p:nvSpPr>
@@ -11402,171 +11280,15 @@
                   <a:srgbClr val="0070C0"/>
                 </a:solidFill>
               </a:rPr>
-              <a:t>ETAPE 6 – ÉVALUATION DE VOS RÉPONSES</a:t>
-            </a:r>
-          </a:p>
-        </p:txBody>
-      </p:sp>
-      <p:sp>
-        <p:nvSpPr>
-          <p:cNvPr id="4" name="Rectangle 3"/>
-          <p:cNvSpPr/>
-          <p:nvPr/>
-        </p:nvSpPr>
-        <p:spPr>
-          <a:xfrm>
-            <a:off x="4787361" y="3509319"/>
-            <a:ext cx="508392" cy="515453"/>
-          </a:xfrm>
-          <a:prstGeom prst="rect">
-            <a:avLst/>
-          </a:prstGeom>
-          <a:solidFill>
-            <a:schemeClr val="bg1"/>
-          </a:solidFill>
-          <a:ln>
-            <a:solidFill>
-              <a:schemeClr val="bg1"/>
-            </a:solidFill>
-          </a:ln>
-        </p:spPr>
-        <p:style>
-          <a:lnRef idx="2">
-            <a:schemeClr val="accent1">
-              <a:shade val="50000"/>
-            </a:schemeClr>
-          </a:lnRef>
-          <a:fillRef idx="1">
-            <a:schemeClr val="accent1"/>
-          </a:fillRef>
-          <a:effectRef idx="0">
-            <a:schemeClr val="accent1"/>
-          </a:effectRef>
-          <a:fontRef idx="minor">
-            <a:schemeClr val="lt1"/>
-          </a:fontRef>
-        </p:style>
-        <p:txBody>
-          <a:bodyPr rtlCol="0" anchor="ctr"/>
-          <a:lstStyle/>
-          <a:p>
-            <a:pPr algn="ctr"/>
-            <a:endParaRPr lang="en-GB" dirty="0"/>
-          </a:p>
-        </p:txBody>
-      </p:sp>
-      <p:sp>
-        <p:nvSpPr>
-          <p:cNvPr id="5" name="ZoneTexte 4"/>
-          <p:cNvSpPr txBox="1"/>
-          <p:nvPr/>
-        </p:nvSpPr>
-        <p:spPr>
-          <a:xfrm>
-            <a:off x="4857853" y="3501552"/>
-            <a:ext cx="367408" cy="523220"/>
-          </a:xfrm>
-          <a:prstGeom prst="rect">
-            <a:avLst/>
-          </a:prstGeom>
-          <a:noFill/>
-        </p:spPr>
-        <p:txBody>
-          <a:bodyPr wrap="none" rtlCol="0">
-            <a:spAutoFit/>
-          </a:bodyPr>
-          <a:lstStyle/>
-          <a:p>
-            <a:r>
-              <a:rPr lang="en-GB" sz="2800" dirty="0"/>
-              <a:t>1</a:t>
-            </a:r>
-            <a:endParaRPr lang="en-GB" dirty="0"/>
-          </a:p>
-        </p:txBody>
-      </p:sp>
-      <p:sp>
-        <p:nvSpPr>
-          <p:cNvPr id="14" name="Rectangle 13"/>
-          <p:cNvSpPr/>
-          <p:nvPr/>
-        </p:nvSpPr>
-        <p:spPr>
-          <a:xfrm>
-            <a:off x="6161315" y="4194825"/>
-            <a:ext cx="508392" cy="515453"/>
-          </a:xfrm>
-          <a:prstGeom prst="rect">
-            <a:avLst/>
-          </a:prstGeom>
-          <a:solidFill>
-            <a:schemeClr val="bg1"/>
-          </a:solidFill>
-          <a:ln>
-            <a:solidFill>
-              <a:schemeClr val="bg1"/>
-            </a:solidFill>
-          </a:ln>
-        </p:spPr>
-        <p:style>
-          <a:lnRef idx="2">
-            <a:schemeClr val="accent1">
-              <a:shade val="50000"/>
-            </a:schemeClr>
-          </a:lnRef>
-          <a:fillRef idx="1">
-            <a:schemeClr val="accent1"/>
-          </a:fillRef>
-          <a:effectRef idx="0">
-            <a:schemeClr val="accent1"/>
-          </a:effectRef>
-          <a:fontRef idx="minor">
-            <a:schemeClr val="lt1"/>
-          </a:fontRef>
-        </p:style>
-        <p:txBody>
-          <a:bodyPr rtlCol="0" anchor="ctr"/>
-          <a:lstStyle/>
-          <a:p>
-            <a:pPr algn="ctr"/>
-            <a:endParaRPr lang="en-GB" dirty="0"/>
-          </a:p>
-        </p:txBody>
-      </p:sp>
-      <p:sp>
-        <p:nvSpPr>
-          <p:cNvPr id="6" name="ZoneTexte 5"/>
-          <p:cNvSpPr txBox="1"/>
-          <p:nvPr/>
-        </p:nvSpPr>
-        <p:spPr>
-          <a:xfrm>
-            <a:off x="6245458" y="4197766"/>
-            <a:ext cx="367408" cy="523220"/>
-          </a:xfrm>
-          <a:prstGeom prst="rect">
-            <a:avLst/>
-          </a:prstGeom>
-          <a:noFill/>
-        </p:spPr>
-        <p:txBody>
-          <a:bodyPr wrap="none" rtlCol="0">
-            <a:spAutoFit/>
-          </a:bodyPr>
-          <a:lstStyle/>
-          <a:p>
-            <a:r>
-              <a:rPr lang="en-GB" sz="2800" dirty="0"/>
-              <a:t>1</a:t>
-            </a:r>
-            <a:endParaRPr lang="en-GB" dirty="0"/>
+              <a:t>ETAPE 5 : AUTO-ÉVALUATION</a:t>
+            </a:r>
           </a:p>
         </p:txBody>
       </p:sp>
     </p:spTree>
     <p:extLst>
       <p:ext uri="{BB962C8B-B14F-4D97-AF65-F5344CB8AC3E}">
-        <p14:creationId xmlns:p14="http://schemas.microsoft.com/office/powerpoint/2010/main" val="3322692336"/>
+        <p14:creationId xmlns:p14="http://schemas.microsoft.com/office/powerpoint/2010/main" val="606719304"/>
       </p:ext>
     </p:extLst>
   </p:cSld>
@@ -11601,7 +11323,7 @@
         </p:nvSpPr>
         <p:spPr>
           <a:xfrm>
-            <a:off x="3554499" y="2757750"/>
+            <a:off x="3554499" y="2707708"/>
             <a:ext cx="5083002" cy="3026364"/>
           </a:xfrm>
           <a:prstGeom prst="rect">
@@ -11666,7 +11388,7 @@
         </p:blipFill>
         <p:spPr>
           <a:xfrm>
-            <a:off x="4751830" y="2847866"/>
+            <a:off x="4751830" y="2797824"/>
             <a:ext cx="2651760" cy="2900996"/>
           </a:xfrm>
           <a:prstGeom prst="rect">
@@ -11676,10 +11398,10 @@
       </p:pic>
       <p:sp>
         <p:nvSpPr>
-          <p:cNvPr id="12" name="ZoneTexte 7">
+          <p:cNvPr id="11" name="ZoneTexte 7">
             <a:extLst>
               <a:ext uri="{FF2B5EF4-FFF2-40B4-BE49-F238E27FC236}">
-                <a16:creationId xmlns:a16="http://schemas.microsoft.com/office/drawing/2014/main" id="{F02FD1A1-9929-44D9-9F07-EED2E9FF9F21}"/>
+                <a16:creationId xmlns:a16="http://schemas.microsoft.com/office/drawing/2014/main" id="{95989657-5D8A-49A2-B814-16BCC8CDACB2}"/>
               </a:ext>
             </a:extLst>
           </p:cNvPr>
@@ -11688,8 +11410,8 @@
         </p:nvSpPr>
         <p:spPr>
           <a:xfrm>
-            <a:off x="1467110" y="1545401"/>
-            <a:ext cx="9257780" cy="461665"/>
+            <a:off x="1874195" y="1044401"/>
+            <a:ext cx="8443609" cy="1354217"/>
           </a:xfrm>
           <a:prstGeom prst="rect">
             <a:avLst/>
@@ -11709,73 +11431,124 @@
             </a:pPr>
             <a:r>
               <a:rPr lang="en-GB" sz="2400" dirty="0"/>
-              <a:t>Si </a:t>
-            </a:r>
-            <a:r>
-              <a:rPr lang="en-GB" sz="2400" dirty="0" err="1"/>
+              <a:t>Apr</a:t>
+            </a:r>
+            <a:r>
+              <a:rPr lang="en-US" sz="2400" dirty="0" err="1"/>
+              <a:t>ès</a:t>
+            </a:r>
+            <a:r>
+              <a:rPr lang="en-US" sz="2400" dirty="0"/>
+              <a:t> le auto-</a:t>
+            </a:r>
+            <a:r>
+              <a:rPr lang="en-US" sz="2400" dirty="0" err="1"/>
+              <a:t>évaluations</a:t>
+            </a:r>
+            <a:r>
+              <a:rPr lang="en-US" sz="2400" dirty="0"/>
+              <a:t>, nous </a:t>
+            </a:r>
+            <a:r>
+              <a:rPr lang="en-US" sz="2400" dirty="0" err="1"/>
               <a:t>vous</a:t>
             </a:r>
             <a:r>
-              <a:rPr lang="en-GB" sz="2400" dirty="0"/>
+              <a:rPr lang="en-US" sz="2400" dirty="0"/>
               <a:t> </a:t>
             </a:r>
             <a:r>
-              <a:rPr lang="en-GB" sz="2400" dirty="0" err="1"/>
-              <a:t>avez</a:t>
-            </a:r>
-            <a:r>
-              <a:rPr lang="en-GB" sz="2400" dirty="0"/>
+              <a:rPr lang="en-US" sz="2400" dirty="0" err="1"/>
+              <a:t>donnerons</a:t>
+            </a:r>
+            <a:r>
+              <a:rPr lang="en-US" sz="2400" dirty="0"/>
+              <a:t> un retour sur </a:t>
+            </a:r>
+            <a:r>
+              <a:rPr lang="en-US" sz="2400" dirty="0" err="1"/>
+              <a:t>votre</a:t>
+            </a:r>
+            <a:r>
+              <a:rPr lang="en-US" sz="2400" dirty="0"/>
+              <a:t> performance.</a:t>
+            </a:r>
+          </a:p>
+          <a:p>
+            <a:pPr algn="ctr">
+              <a:spcAft>
+                <a:spcPts val="1200"/>
+              </a:spcAft>
+            </a:pPr>
+            <a:r>
+              <a:rPr lang="en-US" sz="2400" dirty="0"/>
+              <a:t>Nous </a:t>
+            </a:r>
+            <a:r>
+              <a:rPr lang="en-US" sz="2400" dirty="0" err="1"/>
+              <a:t>vous</a:t>
+            </a:r>
+            <a:r>
+              <a:rPr lang="en-US" sz="2400" dirty="0"/>
               <a:t> </a:t>
             </a:r>
             <a:r>
-              <a:rPr lang="en-GB" sz="2400" dirty="0" err="1"/>
-              <a:t>désigné</a:t>
-            </a:r>
-            <a:r>
-              <a:rPr lang="en-GB" sz="2400" dirty="0"/>
-              <a:t> un emplacement </a:t>
-            </a:r>
-            <a:r>
-              <a:rPr lang="en-GB" sz="2400" dirty="0" err="1"/>
-              <a:t>erronné</a:t>
-            </a:r>
-            <a:r>
-              <a:rPr lang="en-GB" sz="2400" dirty="0"/>
+              <a:rPr lang="en-US" sz="2400" dirty="0" err="1"/>
+              <a:t>montrerons</a:t>
+            </a:r>
+            <a:r>
+              <a:rPr lang="en-US" sz="2400" dirty="0"/>
               <a:t>, </a:t>
             </a:r>
             <a:r>
-              <a:rPr lang="en-GB" sz="2400" dirty="0" err="1"/>
-              <a:t>il</a:t>
-            </a:r>
-            <a:r>
-              <a:rPr lang="en-GB" sz="2400" dirty="0"/>
-              <a:t> sera </a:t>
-            </a:r>
-            <a:r>
-              <a:rPr lang="en-GB" sz="2400" dirty="0" err="1"/>
-              <a:t>surligné</a:t>
-            </a:r>
-            <a:r>
-              <a:rPr lang="en-GB" sz="2400" dirty="0"/>
+              <a:rPr lang="en-US" sz="2400" dirty="0" err="1"/>
+              <a:t>une</a:t>
+            </a:r>
+            <a:r>
+              <a:rPr lang="en-US" sz="2400" dirty="0"/>
+              <a:t> à </a:t>
+            </a:r>
+            <a:r>
+              <a:rPr lang="en-US" sz="2400" dirty="0" err="1"/>
+              <a:t>une</a:t>
+            </a:r>
+            <a:r>
+              <a:rPr lang="en-US" sz="2400" dirty="0"/>
+              <a:t>, </a:t>
+            </a:r>
+            <a:r>
+              <a:rPr lang="en-US" sz="2400" dirty="0" err="1"/>
+              <a:t>chaque</a:t>
+            </a:r>
+            <a:r>
+              <a:rPr lang="en-US" sz="2400" dirty="0"/>
               <a:t> </a:t>
             </a:r>
             <a:r>
-              <a:rPr lang="en-GB" sz="2400" dirty="0" err="1"/>
-              <a:t>en</a:t>
-            </a:r>
-            <a:r>
-              <a:rPr lang="en-GB" sz="2400" dirty="0"/>
-              <a:t> rouge:</a:t>
+              <a:rPr lang="en-US" sz="2400" dirty="0" err="1"/>
+              <a:t>paire</a:t>
+            </a:r>
+            <a:r>
+              <a:rPr lang="en-US" sz="2400" dirty="0"/>
+              <a:t> de </a:t>
+            </a:r>
+            <a:r>
+              <a:rPr lang="en-US" sz="2400" dirty="0" err="1"/>
+              <a:t>chiffres</a:t>
+            </a:r>
+            <a:r>
+              <a:rPr lang="en-US" sz="2400" dirty="0"/>
+              <a:t>:</a:t>
             </a:r>
           </a:p>
         </p:txBody>
       </p:sp>
       <p:cxnSp>
         <p:nvCxnSpPr>
-          <p:cNvPr id="13" name="Straight Arrow Connector 12">
+          <p:cNvPr id="12" name="Straight Arrow Connector 11">
             <a:extLst>
               <a:ext uri="{FF2B5EF4-FFF2-40B4-BE49-F238E27FC236}">
-                <a16:creationId xmlns:a16="http://schemas.microsoft.com/office/drawing/2014/main" id="{FCCD4248-E6AC-4B59-A117-145AA482BE3A}"/>
+                <a16:creationId xmlns:a16="http://schemas.microsoft.com/office/drawing/2014/main" id="{016FCF26-4DF1-442A-897B-9167C8A5216B}"/>
               </a:ext>
             </a:extLst>
           </p:cNvPr>
@@ -11785,9 +11558,9 @@
           <p:nvPr/>
         </p:nvCxnSpPr>
         <p:spPr>
-          <a:xfrm flipV="1">
-            <a:off x="2331720" y="4572684"/>
-            <a:ext cx="2350008" cy="917916"/>
+          <a:xfrm>
+            <a:off x="2578608" y="3183975"/>
+            <a:ext cx="2103120" cy="588859"/>
           </a:xfrm>
           <a:prstGeom prst="straightConnector1">
             <a:avLst/>
@@ -11816,7 +11589,96 @@
       </p:cxnSp>
       <p:sp>
         <p:nvSpPr>
-          <p:cNvPr id="7" name="ZoneTexte 6"/>
+          <p:cNvPr id="2" name="Rectangle 1"/>
+          <p:cNvSpPr/>
+          <p:nvPr/>
+        </p:nvSpPr>
+        <p:spPr>
+          <a:xfrm>
+            <a:off x="797257" y="6049226"/>
+            <a:ext cx="10597486" cy="461665"/>
+          </a:xfrm>
+          <a:prstGeom prst="rect">
+            <a:avLst/>
+          </a:prstGeom>
+        </p:spPr>
+        <p:txBody>
+          <a:bodyPr wrap="square">
+            <a:spAutoFit/>
+          </a:bodyPr>
+          <a:lstStyle/>
+          <a:p>
+            <a:pPr algn="ctr">
+              <a:spcAft>
+                <a:spcPts val="1200"/>
+              </a:spcAft>
+            </a:pPr>
+            <a:r>
+              <a:rPr lang="en-GB" sz="2400" dirty="0"/>
+              <a:t>Le </a:t>
+            </a:r>
+            <a:r>
+              <a:rPr lang="en-GB" sz="2400" dirty="0" err="1"/>
+              <a:t>chiffre</a:t>
+            </a:r>
+            <a:r>
+              <a:rPr lang="en-GB" sz="2400" dirty="0"/>
+              <a:t> qui </a:t>
+            </a:r>
+            <a:r>
+              <a:rPr lang="en-GB" sz="2400" dirty="0" err="1"/>
+              <a:t>vous</a:t>
+            </a:r>
+            <a:r>
+              <a:rPr lang="en-GB" sz="2400" dirty="0"/>
+              <a:t> a </a:t>
+            </a:r>
+            <a:r>
+              <a:rPr lang="en-GB" sz="2400" dirty="0" err="1"/>
+              <a:t>été</a:t>
+            </a:r>
+            <a:r>
+              <a:rPr lang="en-GB" sz="2400" dirty="0"/>
+              <a:t> </a:t>
+            </a:r>
+            <a:r>
+              <a:rPr lang="en-GB" sz="2400" dirty="0" err="1"/>
+              <a:t>montré</a:t>
+            </a:r>
+            <a:r>
+              <a:rPr lang="en-GB" sz="2400" dirty="0"/>
+              <a:t> pendant la phase de test sera </a:t>
+            </a:r>
+            <a:r>
+              <a:rPr lang="en-GB" sz="2400" dirty="0" err="1"/>
+              <a:t>surligné</a:t>
+            </a:r>
+            <a:r>
+              <a:rPr lang="en-GB" sz="2400" dirty="0"/>
+              <a:t> </a:t>
+            </a:r>
+            <a:r>
+              <a:rPr lang="en-GB" sz="2400" dirty="0" err="1"/>
+              <a:t>en</a:t>
+            </a:r>
+            <a:r>
+              <a:rPr lang="en-GB" sz="2400" dirty="0"/>
+              <a:t> </a:t>
+            </a:r>
+            <a:r>
+              <a:rPr lang="en-GB" sz="2400" dirty="0" err="1"/>
+              <a:t>jaune</a:t>
+            </a:r>
+            <a:r>
+              <a:rPr lang="en-GB" sz="2400" dirty="0"/>
+              <a:t>.</a:t>
+            </a:r>
+          </a:p>
+        </p:txBody>
+      </p:sp>
+      <p:sp>
+        <p:nvSpPr>
+          <p:cNvPr id="13" name="ZoneTexte 12"/>
           <p:cNvSpPr txBox="1"/>
           <p:nvPr/>
         </p:nvSpPr>
@@ -11860,13 +11722,13 @@
       </p:sp>
       <p:sp>
         <p:nvSpPr>
-          <p:cNvPr id="8" name="Rectangle 7"/>
+          <p:cNvPr id="4" name="Rectangle 3"/>
           <p:cNvSpPr/>
           <p:nvPr/>
         </p:nvSpPr>
         <p:spPr>
           <a:xfrm>
-            <a:off x="4787361" y="3555216"/>
+            <a:off x="4787361" y="3509319"/>
             <a:ext cx="508392" cy="515453"/>
           </a:xfrm>
           <a:prstGeom prst="rect">
@@ -11908,13 +11770,13 @@
       </p:sp>
       <p:sp>
         <p:nvSpPr>
-          <p:cNvPr id="11" name="ZoneTexte 10"/>
+          <p:cNvPr id="5" name="ZoneTexte 4"/>
           <p:cNvSpPr txBox="1"/>
           <p:nvPr/>
         </p:nvSpPr>
         <p:spPr>
           <a:xfrm>
-            <a:off x="4857853" y="3547449"/>
+            <a:off x="4857853" y="3501552"/>
             <a:ext cx="367408" cy="523220"/>
           </a:xfrm>
           <a:prstGeom prst="rect">
@@ -11944,7 +11806,7 @@
         </p:nvSpPr>
         <p:spPr>
           <a:xfrm>
-            <a:off x="6164846" y="4244253"/>
+            <a:off x="6161315" y="4194825"/>
             <a:ext cx="508392" cy="515453"/>
           </a:xfrm>
           <a:prstGeom prst="rect">
@@ -11986,13 +11848,13 @@
       </p:sp>
       <p:sp>
         <p:nvSpPr>
-          <p:cNvPr id="15" name="ZoneTexte 14"/>
+          <p:cNvPr id="6" name="ZoneTexte 5"/>
           <p:cNvSpPr txBox="1"/>
           <p:nvPr/>
         </p:nvSpPr>
         <p:spPr>
           <a:xfrm>
-            <a:off x="6245458" y="4243663"/>
+            <a:off x="6245458" y="4197766"/>
             <a:ext cx="367408" cy="523220"/>
           </a:xfrm>
           <a:prstGeom prst="rect">
@@ -12017,7 +11879,7 @@
     </p:spTree>
     <p:extLst>
       <p:ext uri="{BB962C8B-B14F-4D97-AF65-F5344CB8AC3E}">
-        <p14:creationId xmlns:p14="http://schemas.microsoft.com/office/powerpoint/2010/main" val="857338445"/>
+        <p14:creationId xmlns:p14="http://schemas.microsoft.com/office/powerpoint/2010/main" val="3322692336"/>
       </p:ext>
     </p:extLst>
   </p:cSld>
@@ -12046,461 +11908,63 @@
       </p:grpSpPr>
       <p:sp>
         <p:nvSpPr>
-          <p:cNvPr id="5" name="ZoneTexte 4"/>
+          <p:cNvPr id="5" name="TextBox 4">
+            <a:extLst>
+              <a:ext uri="{FF2B5EF4-FFF2-40B4-BE49-F238E27FC236}">
+                <a16:creationId xmlns:a16="http://schemas.microsoft.com/office/drawing/2014/main" id="{A48C1231-E72A-4127-96A6-E9BE9CAAAC8D}"/>
+              </a:ext>
+            </a:extLst>
+          </p:cNvPr>
           <p:cNvSpPr txBox="1"/>
           <p:nvPr/>
         </p:nvSpPr>
         <p:spPr>
           <a:xfrm>
-            <a:off x="3878093" y="194719"/>
-            <a:ext cx="4435815" cy="830997"/>
+            <a:off x="1874195" y="2274838"/>
+            <a:ext cx="8443608" cy="2308324"/>
           </a:xfrm>
           <a:prstGeom prst="rect">
             <a:avLst/>
           </a:prstGeom>
           <a:noFill/>
-          <a:ln>
-            <a:noFill/>
-          </a:ln>
-        </p:spPr>
-        <p:txBody>
-          <a:bodyPr wrap="square" rtlCol="0" anchor="ctr">
+        </p:spPr>
+        <p:txBody>
+          <a:bodyPr wrap="square">
             <a:spAutoFit/>
           </a:bodyPr>
           <a:lstStyle/>
           <a:p>
-            <a:pPr algn="ctr">
-              <a:spcBef>
-                <a:spcPts val="1800"/>
-              </a:spcBef>
-              <a:spcAft>
-                <a:spcPts val="1800"/>
-              </a:spcAft>
-            </a:pPr>
-            <a:r>
-              <a:rPr lang="en-GB" sz="2400" b="1" dirty="0">
-                <a:solidFill>
-                  <a:srgbClr val="0070C0"/>
-                </a:solidFill>
-              </a:rPr>
-              <a:t>LES EXERCICES DE MEMOIRE : PRINCIPE</a:t>
-            </a:r>
-          </a:p>
-        </p:txBody>
-      </p:sp>
-      <p:sp>
-        <p:nvSpPr>
-          <p:cNvPr id="7" name="ZoneTexte 6"/>
-          <p:cNvSpPr txBox="1"/>
-          <p:nvPr/>
-        </p:nvSpPr>
-        <p:spPr>
-          <a:xfrm>
-            <a:off x="1874195" y="1346863"/>
-            <a:ext cx="8443609" cy="2015936"/>
-          </a:xfrm>
-          <a:prstGeom prst="rect">
-            <a:avLst/>
-          </a:prstGeom>
-          <a:noFill/>
-        </p:spPr>
-        <p:txBody>
-          <a:bodyPr wrap="square" rtlCol="0">
-            <a:spAutoFit/>
-          </a:bodyPr>
-          <a:lstStyle/>
-          <a:p>
-            <a:pPr algn="ctr">
-              <a:spcAft>
-                <a:spcPts val="600"/>
-              </a:spcAft>
-            </a:pPr>
-            <a:r>
-              <a:rPr lang="en-GB" sz="2400" dirty="0" err="1"/>
-              <a:t>Lors</a:t>
-            </a:r>
-            <a:r>
-              <a:rPr lang="en-GB" sz="2400" dirty="0"/>
-              <a:t> de </a:t>
-            </a:r>
-            <a:r>
-              <a:rPr lang="en-GB" sz="2400" dirty="0" err="1"/>
-              <a:t>chaque</a:t>
-            </a:r>
-            <a:r>
-              <a:rPr lang="en-GB" sz="2400" dirty="0"/>
-              <a:t> exercise de </a:t>
-            </a:r>
-            <a:r>
-              <a:rPr lang="en-GB" sz="2400" dirty="0" err="1"/>
-              <a:t>mémoire</a:t>
-            </a:r>
-            <a:r>
-              <a:rPr lang="en-GB" sz="2400" dirty="0"/>
-              <a:t>, </a:t>
-            </a:r>
-            <a:r>
-              <a:rPr lang="en-GB" sz="2400" dirty="0" err="1"/>
-              <a:t>vous</a:t>
-            </a:r>
-            <a:r>
-              <a:rPr lang="en-GB" sz="2400" dirty="0"/>
-              <a:t> </a:t>
-            </a:r>
-            <a:r>
-              <a:rPr lang="en-GB" sz="2400" dirty="0" err="1"/>
-              <a:t>devrez</a:t>
-            </a:r>
-            <a:r>
-              <a:rPr lang="en-GB" sz="2400" dirty="0"/>
-              <a:t> </a:t>
-            </a:r>
-            <a:r>
-              <a:rPr lang="en-GB" sz="2400" dirty="0" err="1"/>
-              <a:t>vous</a:t>
-            </a:r>
-            <a:r>
-              <a:rPr lang="en-GB" sz="2400" dirty="0"/>
-              <a:t> souvenir de la position de 8 </a:t>
-            </a:r>
-            <a:r>
-              <a:rPr lang="en-GB" sz="2400" dirty="0" err="1"/>
-              <a:t>paires</a:t>
-            </a:r>
-            <a:r>
-              <a:rPr lang="en-GB" sz="2400" dirty="0"/>
-              <a:t> de </a:t>
-            </a:r>
-            <a:r>
-              <a:rPr lang="en-GB" sz="2400" dirty="0" err="1"/>
-              <a:t>chiffres</a:t>
-            </a:r>
-            <a:r>
-              <a:rPr lang="en-GB" sz="2400" dirty="0"/>
-              <a:t> </a:t>
-            </a:r>
-            <a:r>
-              <a:rPr lang="en-GB" sz="2400" dirty="0" err="1"/>
-              <a:t>disposés</a:t>
-            </a:r>
-            <a:r>
-              <a:rPr lang="en-GB" sz="2400" dirty="0"/>
-              <a:t> sur </a:t>
-            </a:r>
-            <a:r>
-              <a:rPr lang="en-GB" sz="2400" dirty="0" err="1"/>
-              <a:t>une</a:t>
-            </a:r>
-            <a:r>
-              <a:rPr lang="en-GB" sz="2400" dirty="0"/>
-              <a:t> grille </a:t>
-            </a:r>
-            <a:r>
-              <a:rPr lang="en-GB" sz="2400" dirty="0" err="1"/>
-              <a:t>carrée</a:t>
-            </a:r>
-            <a:r>
-              <a:rPr lang="en-GB" sz="2400" dirty="0"/>
-              <a:t>.</a:t>
-            </a:r>
-          </a:p>
-          <a:p>
-            <a:pPr algn="ctr">
-              <a:spcAft>
-                <a:spcPts val="600"/>
-              </a:spcAft>
-            </a:pPr>
-            <a:r>
-              <a:rPr lang="en-GB" sz="2400" dirty="0"/>
-              <a:t>Dans </a:t>
-            </a:r>
-            <a:r>
-              <a:rPr lang="en-GB" sz="2400" dirty="0" err="1"/>
-              <a:t>l’exemple</a:t>
-            </a:r>
-            <a:r>
-              <a:rPr lang="en-GB" sz="2400" dirty="0"/>
-              <a:t> </a:t>
-            </a:r>
-            <a:r>
-              <a:rPr lang="en-GB" sz="2400" dirty="0" err="1"/>
-              <a:t>suivant</a:t>
-            </a:r>
-            <a:r>
-              <a:rPr lang="en-GB" sz="2400" dirty="0"/>
-              <a:t>, les deux chiffres “1” </a:t>
-            </a:r>
-            <a:r>
-              <a:rPr lang="en-GB" sz="2400" dirty="0" err="1"/>
-              <a:t>forment</a:t>
-            </a:r>
-            <a:r>
-              <a:rPr lang="en-GB" sz="2400" dirty="0"/>
-              <a:t> </a:t>
-            </a:r>
-            <a:r>
-              <a:rPr lang="en-GB" sz="2400" dirty="0" err="1"/>
-              <a:t>une</a:t>
-            </a:r>
-            <a:r>
-              <a:rPr lang="en-GB" sz="2400" dirty="0"/>
-              <a:t> </a:t>
-            </a:r>
-            <a:r>
-              <a:rPr lang="en-GB" sz="2400" dirty="0" err="1"/>
-              <a:t>paire</a:t>
-            </a:r>
-            <a:r>
-              <a:rPr lang="en-GB" sz="2400" dirty="0"/>
-              <a:t>, </a:t>
-            </a:r>
-            <a:r>
-              <a:rPr lang="en-GB" sz="2400" dirty="0" err="1"/>
-              <a:t>dont</a:t>
-            </a:r>
-            <a:r>
-              <a:rPr lang="en-GB" sz="2400" dirty="0"/>
-              <a:t> </a:t>
-            </a:r>
-            <a:r>
-              <a:rPr lang="en-GB" sz="2400" dirty="0" err="1"/>
-              <a:t>chaque</a:t>
-            </a:r>
-            <a:r>
-              <a:rPr lang="en-GB" sz="2400" dirty="0"/>
-              <a:t> element </a:t>
-            </a:r>
-            <a:r>
-              <a:rPr lang="en-GB" sz="2400" dirty="0" err="1"/>
-              <a:t>est</a:t>
-            </a:r>
-            <a:r>
-              <a:rPr lang="en-GB" sz="2400" dirty="0"/>
-              <a:t> </a:t>
-            </a:r>
-            <a:r>
-              <a:rPr lang="en-GB" sz="2400" dirty="0" err="1"/>
-              <a:t>positionné</a:t>
-            </a:r>
-            <a:r>
-              <a:rPr lang="en-GB" sz="2400" dirty="0"/>
-              <a:t> sur un emplacement de la grille: </a:t>
-            </a:r>
-          </a:p>
-        </p:txBody>
-      </p:sp>
-      <p:grpSp>
-        <p:nvGrpSpPr>
-          <p:cNvPr id="2" name="Groupe 1"/>
-          <p:cNvGrpSpPr/>
-          <p:nvPr/>
-        </p:nvGrpSpPr>
-        <p:grpSpPr>
-          <a:xfrm>
-            <a:off x="4807226" y="3724111"/>
-            <a:ext cx="2553693" cy="2475203"/>
-            <a:chOff x="4807226" y="3724111"/>
-            <a:chExt cx="2553693" cy="2475203"/>
-          </a:xfrm>
-        </p:grpSpPr>
-        <p:grpSp>
-          <p:nvGrpSpPr>
-            <p:cNvPr id="4" name="Groupe 3"/>
-            <p:cNvGrpSpPr/>
-            <p:nvPr/>
-          </p:nvGrpSpPr>
-          <p:grpSpPr>
-            <a:xfrm>
-              <a:off x="4807226" y="3724111"/>
-              <a:ext cx="2553693" cy="2475203"/>
-              <a:chOff x="4807226" y="3724111"/>
-              <a:chExt cx="2553693" cy="2475203"/>
-            </a:xfrm>
-          </p:grpSpPr>
-          <p:pic>
-            <p:nvPicPr>
-              <p:cNvPr id="12" name="Picture 1">
-                <a:extLst>
-                  <a:ext uri="{FF2B5EF4-FFF2-40B4-BE49-F238E27FC236}">
-                    <a16:creationId xmlns:a16="http://schemas.microsoft.com/office/drawing/2014/main" id="{88F87B56-3A1F-46ED-B0F7-1E813590C499}"/>
-                  </a:ext>
-                </a:extLst>
-              </p:cNvPr>
-              <p:cNvPicPr>
-                <a:picLocks noChangeAspect="1"/>
-              </p:cNvPicPr>
-              <p:nvPr/>
-            </p:nvPicPr>
-            <p:blipFill rotWithShape="1">
-              <a:blip r:embed="rId2"/>
-              <a:srcRect l="25294" t="16027" r="25294" b="12133"/>
-              <a:stretch/>
-            </p:blipFill>
-            <p:spPr>
-              <a:xfrm>
-                <a:off x="4807226" y="3724111"/>
-                <a:ext cx="2553693" cy="2475203"/>
-              </a:xfrm>
-              <a:prstGeom prst="rect">
-                <a:avLst/>
-              </a:prstGeom>
-            </p:spPr>
-          </p:pic>
-          <p:pic>
-            <p:nvPicPr>
-              <p:cNvPr id="13" name="Picture 1">
-                <a:extLst>
-                  <a:ext uri="{FF2B5EF4-FFF2-40B4-BE49-F238E27FC236}">
-                    <a16:creationId xmlns:a16="http://schemas.microsoft.com/office/drawing/2014/main" id="{88F87B56-3A1F-46ED-B0F7-1E813590C499}"/>
-                  </a:ext>
-                </a:extLst>
-              </p:cNvPr>
-              <p:cNvPicPr>
-                <a:picLocks noChangeAspect="1"/>
-              </p:cNvPicPr>
-              <p:nvPr/>
-            </p:nvPicPr>
-            <p:blipFill rotWithShape="1">
-              <a:blip r:embed="rId2"/>
-              <a:srcRect l="49823" t="69829" r="37838" b="12205"/>
-              <a:stretch/>
-            </p:blipFill>
-            <p:spPr>
-              <a:xfrm>
-                <a:off x="6072272" y="4325560"/>
-                <a:ext cx="637735" cy="618978"/>
-              </a:xfrm>
-              <a:prstGeom prst="rect">
-                <a:avLst/>
-              </a:prstGeom>
-            </p:spPr>
-          </p:pic>
-        </p:grpSp>
-        <p:sp>
-          <p:nvSpPr>
-            <p:cNvPr id="6" name="Rectangle 5"/>
-            <p:cNvSpPr/>
-            <p:nvPr/>
-          </p:nvSpPr>
-          <p:spPr>
-            <a:xfrm>
-              <a:off x="6160294" y="4405464"/>
-              <a:ext cx="469106" cy="464191"/>
-            </a:xfrm>
-            <a:prstGeom prst="rect">
-              <a:avLst/>
-            </a:prstGeom>
-            <a:solidFill>
-              <a:schemeClr val="bg1"/>
-            </a:solidFill>
-            <a:ln>
-              <a:solidFill>
-                <a:schemeClr val="bg1"/>
-              </a:solidFill>
-            </a:ln>
-          </p:spPr>
-          <p:style>
-            <a:lnRef idx="2">
-              <a:schemeClr val="accent1">
-                <a:shade val="50000"/>
-              </a:schemeClr>
-            </a:lnRef>
-            <a:fillRef idx="1">
-              <a:schemeClr val="accent1"/>
-            </a:fillRef>
-            <a:effectRef idx="0">
-              <a:schemeClr val="accent1"/>
-            </a:effectRef>
-            <a:fontRef idx="minor">
-              <a:schemeClr val="lt1"/>
-            </a:fontRef>
-          </p:style>
-          <p:txBody>
-            <a:bodyPr rtlCol="0" anchor="ctr"/>
-            <a:lstStyle/>
-            <a:p>
-              <a:pPr algn="ctr"/>
-              <a:r>
-                <a:rPr lang="en-GB" sz="2800" dirty="0">
-                  <a:solidFill>
-                    <a:schemeClr val="tx1"/>
-                  </a:solidFill>
-                </a:rPr>
-                <a:t>1</a:t>
-              </a:r>
-              <a:endParaRPr lang="en-GB" dirty="0">
-                <a:solidFill>
-                  <a:schemeClr val="tx1"/>
-                </a:solidFill>
-              </a:endParaRPr>
-            </a:p>
-          </p:txBody>
-        </p:sp>
-        <p:sp>
-          <p:nvSpPr>
-            <p:cNvPr id="10" name="Rectangle 9"/>
-            <p:cNvSpPr/>
-            <p:nvPr/>
-          </p:nvSpPr>
-          <p:spPr>
-            <a:xfrm>
-              <a:off x="6156586" y="5662764"/>
-              <a:ext cx="469106" cy="464191"/>
-            </a:xfrm>
-            <a:prstGeom prst="rect">
-              <a:avLst/>
-            </a:prstGeom>
-            <a:solidFill>
-              <a:schemeClr val="bg1"/>
-            </a:solidFill>
-            <a:ln>
-              <a:solidFill>
-                <a:schemeClr val="bg1"/>
-              </a:solidFill>
-            </a:ln>
-          </p:spPr>
-          <p:style>
-            <a:lnRef idx="2">
-              <a:schemeClr val="accent1">
-                <a:shade val="50000"/>
-              </a:schemeClr>
-            </a:lnRef>
-            <a:fillRef idx="1">
-              <a:schemeClr val="accent1"/>
-            </a:fillRef>
-            <a:effectRef idx="0">
-              <a:schemeClr val="accent1"/>
-            </a:effectRef>
-            <a:fontRef idx="minor">
-              <a:schemeClr val="lt1"/>
-            </a:fontRef>
-          </p:style>
-          <p:txBody>
-            <a:bodyPr rtlCol="0" anchor="ctr"/>
-            <a:lstStyle/>
-            <a:p>
-              <a:pPr algn="ctr"/>
-              <a:r>
-                <a:rPr lang="en-GB" sz="2800" dirty="0">
-                  <a:solidFill>
-                    <a:schemeClr val="tx1"/>
-                  </a:solidFill>
-                </a:rPr>
-                <a:t>1</a:t>
-              </a:r>
-              <a:endParaRPr lang="en-GB" dirty="0">
-                <a:solidFill>
-                  <a:schemeClr val="tx1"/>
-                </a:solidFill>
-              </a:endParaRPr>
-            </a:p>
-          </p:txBody>
-        </p:sp>
-      </p:grpSp>
+            <a:pPr algn="ctr"/>
+            <a:r>
+              <a:rPr lang="fr-FR" sz="2400" dirty="0"/>
+              <a:t>Vous recevrez une indemnisation financière de 8 € pour votre participation.</a:t>
+            </a:r>
+          </a:p>
+          <a:p>
+            <a:pPr algn="ctr"/>
+            <a:endParaRPr lang="fr-FR" sz="2400" dirty="0"/>
+          </a:p>
+          <a:p>
+            <a:pPr algn="ctr"/>
+            <a:r>
+              <a:rPr lang="fr-FR" sz="2400" dirty="0"/>
+              <a:t>Ayant déjà mené une version similaire de cette expérience, nous pourrons détecter si vous avez triché lors d'un exercice et </a:t>
+            </a:r>
+            <a:r>
+              <a:rPr lang="fr-FR" sz="2400" b="1" dirty="0"/>
+              <a:t>vous ne recevrez pas de paiement </a:t>
+            </a:r>
+            <a:r>
+              <a:rPr lang="fr-FR" sz="2400" dirty="0"/>
+              <a:t>si nous soupçonnons que c'est le cas.</a:t>
+            </a:r>
+          </a:p>
+        </p:txBody>
+      </p:sp>
     </p:spTree>
     <p:extLst>
       <p:ext uri="{BB962C8B-B14F-4D97-AF65-F5344CB8AC3E}">
-        <p14:creationId xmlns:p14="http://schemas.microsoft.com/office/powerpoint/2010/main" val="1917199260"/>
+        <p14:creationId xmlns:p14="http://schemas.microsoft.com/office/powerpoint/2010/main" val="817283279"/>
       </p:ext>
     </p:extLst>
   </p:cSld>
@@ -12535,7 +11999,7 @@
         </p:nvSpPr>
         <p:spPr>
           <a:xfrm>
-            <a:off x="3554499" y="2694060"/>
+            <a:off x="3554499" y="2757750"/>
             <a:ext cx="5083002" cy="3026364"/>
           </a:xfrm>
           <a:prstGeom prst="rect">
@@ -12581,10 +12045,10 @@
       </p:sp>
       <p:pic>
         <p:nvPicPr>
-          <p:cNvPr id="6" name="Picture 5">
+          <p:cNvPr id="10" name="Picture 9">
             <a:extLst>
               <a:ext uri="{FF2B5EF4-FFF2-40B4-BE49-F238E27FC236}">
-                <a16:creationId xmlns:a16="http://schemas.microsoft.com/office/drawing/2014/main" id="{1BA460D6-8CE1-4EEE-AE87-3496959FE4AD}"/>
+                <a16:creationId xmlns:a16="http://schemas.microsoft.com/office/drawing/2014/main" id="{93D8FE7F-D7E9-4D36-829D-0129FED49DE2}"/>
               </a:ext>
             </a:extLst>
           </p:cNvPr>
@@ -12595,25 +12059,121 @@
         </p:nvPicPr>
         <p:blipFill rotWithShape="1">
           <a:blip r:embed="rId2"/>
-          <a:srcRect l="22258" t="9539" r="21855" b="462"/>
+          <a:srcRect l="22830" t="10949" r="22948" b="73"/>
           <a:stretch/>
         </p:blipFill>
         <p:spPr>
           <a:xfrm>
-            <a:off x="4728970" y="2739630"/>
-            <a:ext cx="2734056" cy="2935224"/>
+            <a:off x="4751830" y="2847866"/>
+            <a:ext cx="2651760" cy="2900996"/>
           </a:xfrm>
           <a:prstGeom prst="rect">
             <a:avLst/>
           </a:prstGeom>
         </p:spPr>
       </p:pic>
+      <p:sp>
+        <p:nvSpPr>
+          <p:cNvPr id="12" name="ZoneTexte 7">
+            <a:extLst>
+              <a:ext uri="{FF2B5EF4-FFF2-40B4-BE49-F238E27FC236}">
+                <a16:creationId xmlns:a16="http://schemas.microsoft.com/office/drawing/2014/main" id="{F02FD1A1-9929-44D9-9F07-EED2E9FF9F21}"/>
+              </a:ext>
+            </a:extLst>
+          </p:cNvPr>
+          <p:cNvSpPr txBox="1"/>
+          <p:nvPr/>
+        </p:nvSpPr>
+        <p:spPr>
+          <a:xfrm>
+            <a:off x="1467110" y="1545401"/>
+            <a:ext cx="9257780" cy="461665"/>
+          </a:xfrm>
+          <a:prstGeom prst="rect">
+            <a:avLst/>
+          </a:prstGeom>
+          <a:noFill/>
+        </p:spPr>
+        <p:txBody>
+          <a:bodyPr wrap="square" rtlCol="0">
+            <a:spAutoFit/>
+          </a:bodyPr>
+          <a:lstStyle/>
+          <a:p>
+            <a:pPr algn="ctr">
+              <a:spcAft>
+                <a:spcPts val="1200"/>
+              </a:spcAft>
+            </a:pPr>
+            <a:r>
+              <a:rPr lang="en-GB" sz="2400" dirty="0"/>
+              <a:t>Si </a:t>
+            </a:r>
+            <a:r>
+              <a:rPr lang="en-GB" sz="2400" dirty="0" err="1"/>
+              <a:t>vous</a:t>
+            </a:r>
+            <a:r>
+              <a:rPr lang="en-GB" sz="2400" dirty="0"/>
+              <a:t> </a:t>
+            </a:r>
+            <a:r>
+              <a:rPr lang="en-GB" sz="2400" dirty="0" err="1"/>
+              <a:t>avez</a:t>
+            </a:r>
+            <a:r>
+              <a:rPr lang="en-GB" sz="2400" dirty="0"/>
+              <a:t> </a:t>
+            </a:r>
+            <a:r>
+              <a:rPr lang="en-GB" sz="2400" dirty="0" err="1"/>
+              <a:t>désigné</a:t>
+            </a:r>
+            <a:r>
+              <a:rPr lang="en-GB" sz="2400" dirty="0"/>
+              <a:t> un emplacement </a:t>
+            </a:r>
+            <a:r>
+              <a:rPr lang="en-GB" sz="2400" dirty="0" err="1"/>
+              <a:t>erronné</a:t>
+            </a:r>
+            <a:r>
+              <a:rPr lang="en-GB" sz="2400" dirty="0"/>
+              <a:t>, </a:t>
+            </a:r>
+            <a:r>
+              <a:rPr lang="en-GB" sz="2400" dirty="0" err="1"/>
+              <a:t>il</a:t>
+            </a:r>
+            <a:r>
+              <a:rPr lang="en-GB" sz="2400" dirty="0"/>
+              <a:t> sera </a:t>
+            </a:r>
+            <a:r>
+              <a:rPr lang="en-GB" sz="2400" dirty="0" err="1"/>
+              <a:t>surligné</a:t>
+            </a:r>
+            <a:r>
+              <a:rPr lang="en-GB" sz="2400" dirty="0"/>
+              <a:t> </a:t>
+            </a:r>
+            <a:r>
+              <a:rPr lang="en-GB" sz="2400" dirty="0" err="1"/>
+              <a:t>en</a:t>
+            </a:r>
+            <a:r>
+              <a:rPr lang="en-GB" sz="2400" dirty="0"/>
+              <a:t> rouge:</a:t>
+            </a:r>
+          </a:p>
+        </p:txBody>
+      </p:sp>
       <p:cxnSp>
         <p:nvCxnSpPr>
-          <p:cNvPr id="15" name="Straight Arrow Connector 14">
+          <p:cNvPr id="13" name="Straight Arrow Connector 12">
             <a:extLst>
               <a:ext uri="{FF2B5EF4-FFF2-40B4-BE49-F238E27FC236}">
-                <a16:creationId xmlns:a16="http://schemas.microsoft.com/office/drawing/2014/main" id="{ADEE2DD0-CFF8-4106-BE71-63AD01162339}"/>
+                <a16:creationId xmlns:a16="http://schemas.microsoft.com/office/drawing/2014/main" id="{FCCD4248-E6AC-4B59-A117-145AA482BE3A}"/>
               </a:ext>
             </a:extLst>
           </p:cNvPr>
@@ -12623,9 +12183,9 @@
           <p:nvPr/>
         </p:nvCxnSpPr>
         <p:spPr>
-          <a:xfrm flipH="1">
-            <a:off x="6875260" y="3819551"/>
-            <a:ext cx="2497340" cy="1"/>
+          <a:xfrm flipV="1">
+            <a:off x="2331720" y="4572684"/>
+            <a:ext cx="2350008" cy="917916"/>
           </a:xfrm>
           <a:prstGeom prst="straightConnector1">
             <a:avLst/>
@@ -12654,102 +12214,6 @@
       </p:cxnSp>
       <p:sp>
         <p:nvSpPr>
-          <p:cNvPr id="8" name="ZoneTexte 7">
-            <a:extLst>
-              <a:ext uri="{FF2B5EF4-FFF2-40B4-BE49-F238E27FC236}">
-                <a16:creationId xmlns:a16="http://schemas.microsoft.com/office/drawing/2014/main" id="{F02FD1A1-9929-44D9-9F07-EED2E9FF9F21}"/>
-              </a:ext>
-            </a:extLst>
-          </p:cNvPr>
-          <p:cNvSpPr txBox="1"/>
-          <p:nvPr/>
-        </p:nvSpPr>
-        <p:spPr>
-          <a:xfrm>
-            <a:off x="1646781" y="1545401"/>
-            <a:ext cx="8898438" cy="461665"/>
-          </a:xfrm>
-          <a:prstGeom prst="rect">
-            <a:avLst/>
-          </a:prstGeom>
-          <a:noFill/>
-        </p:spPr>
-        <p:txBody>
-          <a:bodyPr wrap="square" rtlCol="0">
-            <a:spAutoFit/>
-          </a:bodyPr>
-          <a:lstStyle/>
-          <a:p>
-            <a:pPr algn="ctr">
-              <a:spcAft>
-                <a:spcPts val="1200"/>
-              </a:spcAft>
-            </a:pPr>
-            <a:r>
-              <a:rPr lang="en-GB" sz="2400" dirty="0"/>
-              <a:t>Si </a:t>
-            </a:r>
-            <a:r>
-              <a:rPr lang="en-GB" sz="2400" dirty="0" err="1"/>
-              <a:t>vous</a:t>
-            </a:r>
-            <a:r>
-              <a:rPr lang="en-GB" sz="2400" dirty="0"/>
-              <a:t> </a:t>
-            </a:r>
-            <a:r>
-              <a:rPr lang="en-GB" sz="2400" dirty="0" err="1"/>
-              <a:t>avez</a:t>
-            </a:r>
-            <a:r>
-              <a:rPr lang="en-GB" sz="2400" dirty="0"/>
-              <a:t> </a:t>
-            </a:r>
-            <a:r>
-              <a:rPr lang="en-GB" sz="2400" dirty="0" err="1"/>
-              <a:t>désigné</a:t>
-            </a:r>
-            <a:r>
-              <a:rPr lang="en-GB" sz="2400" dirty="0"/>
-              <a:t> un emplacement correct, </a:t>
-            </a:r>
-            <a:r>
-              <a:rPr lang="en-GB" sz="2400" dirty="0" err="1"/>
-              <a:t>il</a:t>
-            </a:r>
-            <a:r>
-              <a:rPr lang="en-GB" sz="2400" dirty="0"/>
-              <a:t> sera </a:t>
-            </a:r>
-            <a:r>
-              <a:rPr lang="en-GB" sz="2400" dirty="0" err="1"/>
-              <a:t>surligné</a:t>
-            </a:r>
-            <a:r>
-              <a:rPr lang="en-GB" sz="2400" dirty="0"/>
-              <a:t> </a:t>
-            </a:r>
-            <a:r>
-              <a:rPr lang="en-GB" sz="2400" dirty="0" err="1"/>
-              <a:t>en</a:t>
-            </a:r>
-            <a:r>
-              <a:rPr lang="en-GB" sz="2400" dirty="0"/>
-              <a:t> </a:t>
-            </a:r>
-            <a:r>
-              <a:rPr lang="en-GB" sz="2400" dirty="0" err="1"/>
-              <a:t>vert</a:t>
-            </a:r>
-            <a:r>
-              <a:rPr lang="en-GB" sz="2400" dirty="0"/>
-              <a:t>:</a:t>
-            </a:r>
-          </a:p>
-        </p:txBody>
-      </p:sp>
-      <p:sp>
-        <p:nvSpPr>
           <p:cNvPr id="7" name="ZoneTexte 6"/>
           <p:cNvSpPr txBox="1"/>
           <p:nvPr/>
@@ -12794,14 +12258,14 @@
       </p:sp>
       <p:sp>
         <p:nvSpPr>
-          <p:cNvPr id="2" name="Rectangle 1"/>
+          <p:cNvPr id="8" name="Rectangle 7"/>
           <p:cNvSpPr/>
           <p:nvPr/>
         </p:nvSpPr>
         <p:spPr>
           <a:xfrm>
-            <a:off x="5482869" y="3502258"/>
-            <a:ext cx="501332" cy="501331"/>
+            <a:off x="4787361" y="3555216"/>
+            <a:ext cx="508392" cy="515453"/>
           </a:xfrm>
           <a:prstGeom prst="rect">
             <a:avLst/>
@@ -12836,20 +12300,50 @@
           <a:lstStyle/>
           <a:p>
             <a:pPr algn="ctr"/>
-            <a:endParaRPr lang="en-GB"/>
-          </a:p>
-        </p:txBody>
-      </p:sp>
-      <p:sp>
-        <p:nvSpPr>
-          <p:cNvPr id="10" name="Rectangle 9"/>
+            <a:endParaRPr lang="en-GB" dirty="0"/>
+          </a:p>
+        </p:txBody>
+      </p:sp>
+      <p:sp>
+        <p:nvSpPr>
+          <p:cNvPr id="11" name="ZoneTexte 10"/>
+          <p:cNvSpPr txBox="1"/>
+          <p:nvPr/>
+        </p:nvSpPr>
+        <p:spPr>
+          <a:xfrm>
+            <a:off x="4857853" y="3547449"/>
+            <a:ext cx="367408" cy="523220"/>
+          </a:xfrm>
+          <a:prstGeom prst="rect">
+            <a:avLst/>
+          </a:prstGeom>
+          <a:noFill/>
+        </p:spPr>
+        <p:txBody>
+          <a:bodyPr wrap="none" rtlCol="0">
+            <a:spAutoFit/>
+          </a:bodyPr>
+          <a:lstStyle/>
+          <a:p>
+            <a:r>
+              <a:rPr lang="en-GB" sz="2800" dirty="0"/>
+              <a:t>1</a:t>
+            </a:r>
+            <a:endParaRPr lang="en-GB" dirty="0"/>
+          </a:p>
+        </p:txBody>
+      </p:sp>
+      <p:sp>
+        <p:nvSpPr>
+          <p:cNvPr id="14" name="Rectangle 13"/>
           <p:cNvSpPr/>
           <p:nvPr/>
         </p:nvSpPr>
         <p:spPr>
           <a:xfrm>
-            <a:off x="6179064" y="3502258"/>
-            <a:ext cx="501332" cy="501331"/>
+            <a:off x="6164846" y="4244253"/>
+            <a:ext cx="508392" cy="515453"/>
           </a:xfrm>
           <a:prstGeom prst="rect">
             <a:avLst/>
@@ -12884,19 +12378,19 @@
           <a:lstStyle/>
           <a:p>
             <a:pPr algn="ctr"/>
-            <a:endParaRPr lang="en-GB"/>
-          </a:p>
-        </p:txBody>
-      </p:sp>
-      <p:sp>
-        <p:nvSpPr>
-          <p:cNvPr id="3" name="ZoneTexte 2"/>
+            <a:endParaRPr lang="en-GB" dirty="0"/>
+          </a:p>
+        </p:txBody>
+      </p:sp>
+      <p:sp>
+        <p:nvSpPr>
+          <p:cNvPr id="15" name="ZoneTexte 14"/>
           <p:cNvSpPr txBox="1"/>
           <p:nvPr/>
         </p:nvSpPr>
         <p:spPr>
           <a:xfrm>
-            <a:off x="5554448" y="3487055"/>
+            <a:off x="6245458" y="4243663"/>
             <a:ext cx="367408" cy="523220"/>
           </a:xfrm>
           <a:prstGeom prst="rect">
@@ -12912,44 +12406,16 @@
           <a:p>
             <a:r>
               <a:rPr lang="en-GB" sz="2800" dirty="0"/>
-              <a:t>8</a:t>
-            </a:r>
-          </a:p>
-        </p:txBody>
-      </p:sp>
-      <p:sp>
-        <p:nvSpPr>
-          <p:cNvPr id="11" name="ZoneTexte 10"/>
-          <p:cNvSpPr txBox="1"/>
-          <p:nvPr/>
-        </p:nvSpPr>
-        <p:spPr>
-          <a:xfrm>
-            <a:off x="6246026" y="3487055"/>
-            <a:ext cx="367408" cy="523220"/>
-          </a:xfrm>
-          <a:prstGeom prst="rect">
-            <a:avLst/>
-          </a:prstGeom>
-          <a:noFill/>
-        </p:spPr>
-        <p:txBody>
-          <a:bodyPr wrap="none" rtlCol="0">
-            <a:spAutoFit/>
-          </a:bodyPr>
-          <a:lstStyle/>
-          <a:p>
-            <a:r>
-              <a:rPr lang="en-GB" sz="2800" dirty="0"/>
-              <a:t>8</a:t>
-            </a:r>
+              <a:t>1</a:t>
+            </a:r>
+            <a:endParaRPr lang="en-GB" dirty="0"/>
           </a:p>
         </p:txBody>
       </p:sp>
     </p:spTree>
     <p:extLst>
       <p:ext uri="{BB962C8B-B14F-4D97-AF65-F5344CB8AC3E}">
-        <p14:creationId xmlns:p14="http://schemas.microsoft.com/office/powerpoint/2010/main" val="3208989387"/>
+        <p14:creationId xmlns:p14="http://schemas.microsoft.com/office/powerpoint/2010/main" val="857338445"/>
       </p:ext>
     </p:extLst>
   </p:cSld>
@@ -12978,14 +12444,235 @@
       </p:grpSpPr>
       <p:sp>
         <p:nvSpPr>
-          <p:cNvPr id="5" name="ZoneTexte 4"/>
+          <p:cNvPr id="9" name="Rectangle 8"/>
+          <p:cNvSpPr/>
+          <p:nvPr/>
+        </p:nvSpPr>
+        <p:spPr>
+          <a:xfrm>
+            <a:off x="3554499" y="2694060"/>
+            <a:ext cx="5083002" cy="3026364"/>
+          </a:xfrm>
+          <a:prstGeom prst="rect">
+            <a:avLst/>
+          </a:prstGeom>
+          <a:noFill/>
+          <a:ln w="76200">
+            <a:solidFill>
+              <a:schemeClr val="bg1">
+                <a:lumMod val="65000"/>
+              </a:schemeClr>
+            </a:solidFill>
+          </a:ln>
+        </p:spPr>
+        <p:style>
+          <a:lnRef idx="2">
+            <a:schemeClr val="accent1">
+              <a:shade val="50000"/>
+            </a:schemeClr>
+          </a:lnRef>
+          <a:fillRef idx="1">
+            <a:schemeClr val="accent1"/>
+          </a:fillRef>
+          <a:effectRef idx="0">
+            <a:schemeClr val="accent1"/>
+          </a:effectRef>
+          <a:fontRef idx="minor">
+            <a:schemeClr val="lt1"/>
+          </a:fontRef>
+        </p:style>
+        <p:txBody>
+          <a:bodyPr rtlCol="0" anchor="ctr"/>
+          <a:lstStyle/>
+          <a:p>
+            <a:pPr algn="ctr"/>
+            <a:endParaRPr lang="en-GB">
+              <a:solidFill>
+                <a:schemeClr val="tx1"/>
+              </a:solidFill>
+            </a:endParaRPr>
+          </a:p>
+        </p:txBody>
+      </p:sp>
+      <p:pic>
+        <p:nvPicPr>
+          <p:cNvPr id="6" name="Picture 5">
+            <a:extLst>
+              <a:ext uri="{FF2B5EF4-FFF2-40B4-BE49-F238E27FC236}">
+                <a16:creationId xmlns:a16="http://schemas.microsoft.com/office/drawing/2014/main" id="{1BA460D6-8CE1-4EEE-AE87-3496959FE4AD}"/>
+              </a:ext>
+            </a:extLst>
+          </p:cNvPr>
+          <p:cNvPicPr>
+            <a:picLocks noChangeAspect="1"/>
+          </p:cNvPicPr>
+          <p:nvPr/>
+        </p:nvPicPr>
+        <p:blipFill rotWithShape="1">
+          <a:blip r:embed="rId2"/>
+          <a:srcRect l="22258" t="9539" r="21855" b="462"/>
+          <a:stretch/>
+        </p:blipFill>
+        <p:spPr>
+          <a:xfrm>
+            <a:off x="4728970" y="2739630"/>
+            <a:ext cx="2734056" cy="2935224"/>
+          </a:xfrm>
+          <a:prstGeom prst="rect">
+            <a:avLst/>
+          </a:prstGeom>
+        </p:spPr>
+      </p:pic>
+      <p:cxnSp>
+        <p:nvCxnSpPr>
+          <p:cNvPr id="15" name="Straight Arrow Connector 14">
+            <a:extLst>
+              <a:ext uri="{FF2B5EF4-FFF2-40B4-BE49-F238E27FC236}">
+                <a16:creationId xmlns:a16="http://schemas.microsoft.com/office/drawing/2014/main" id="{ADEE2DD0-CFF8-4106-BE71-63AD01162339}"/>
+              </a:ext>
+            </a:extLst>
+          </p:cNvPr>
+          <p:cNvCxnSpPr>
+            <a:cxnSpLocks/>
+          </p:cNvCxnSpPr>
+          <p:nvPr/>
+        </p:nvCxnSpPr>
+        <p:spPr>
+          <a:xfrm flipH="1">
+            <a:off x="6875260" y="3819551"/>
+            <a:ext cx="2497340" cy="1"/>
+          </a:xfrm>
+          <a:prstGeom prst="straightConnector1">
+            <a:avLst/>
+          </a:prstGeom>
+          <a:ln w="57150">
+            <a:solidFill>
+              <a:srgbClr val="FF0000"/>
+            </a:solidFill>
+            <a:tailEnd type="triangle"/>
+          </a:ln>
+        </p:spPr>
+        <p:style>
+          <a:lnRef idx="3">
+            <a:schemeClr val="accent2"/>
+          </a:lnRef>
+          <a:fillRef idx="0">
+            <a:schemeClr val="accent2"/>
+          </a:fillRef>
+          <a:effectRef idx="2">
+            <a:schemeClr val="accent2"/>
+          </a:effectRef>
+          <a:fontRef idx="minor">
+            <a:schemeClr val="tx1"/>
+          </a:fontRef>
+        </p:style>
+      </p:cxnSp>
+      <p:sp>
+        <p:nvSpPr>
+          <p:cNvPr id="8" name="ZoneTexte 7">
+            <a:extLst>
+              <a:ext uri="{FF2B5EF4-FFF2-40B4-BE49-F238E27FC236}">
+                <a16:creationId xmlns:a16="http://schemas.microsoft.com/office/drawing/2014/main" id="{F02FD1A1-9929-44D9-9F07-EED2E9FF9F21}"/>
+              </a:ext>
+            </a:extLst>
+          </p:cNvPr>
           <p:cNvSpPr txBox="1"/>
           <p:nvPr/>
         </p:nvSpPr>
         <p:spPr>
           <a:xfrm>
-            <a:off x="3557275" y="379385"/>
-            <a:ext cx="5077450" cy="461665"/>
+            <a:off x="1646781" y="1545401"/>
+            <a:ext cx="8898438" cy="461665"/>
+          </a:xfrm>
+          <a:prstGeom prst="rect">
+            <a:avLst/>
+          </a:prstGeom>
+          <a:noFill/>
+        </p:spPr>
+        <p:txBody>
+          <a:bodyPr wrap="square" rtlCol="0">
+            <a:spAutoFit/>
+          </a:bodyPr>
+          <a:lstStyle/>
+          <a:p>
+            <a:pPr algn="ctr">
+              <a:spcAft>
+                <a:spcPts val="1200"/>
+              </a:spcAft>
+            </a:pPr>
+            <a:r>
+              <a:rPr lang="en-GB" sz="2400" dirty="0"/>
+              <a:t>Si </a:t>
+            </a:r>
+            <a:r>
+              <a:rPr lang="en-GB" sz="2400" dirty="0" err="1"/>
+              <a:t>vous</a:t>
+            </a:r>
+            <a:r>
+              <a:rPr lang="en-GB" sz="2400" dirty="0"/>
+              <a:t> </a:t>
+            </a:r>
+            <a:r>
+              <a:rPr lang="en-GB" sz="2400" dirty="0" err="1"/>
+              <a:t>avez</a:t>
+            </a:r>
+            <a:r>
+              <a:rPr lang="en-GB" sz="2400" dirty="0"/>
+              <a:t> </a:t>
+            </a:r>
+            <a:r>
+              <a:rPr lang="en-GB" sz="2400" dirty="0" err="1"/>
+              <a:t>désigné</a:t>
+            </a:r>
+            <a:r>
+              <a:rPr lang="en-GB" sz="2400" dirty="0"/>
+              <a:t> un emplacement correct, </a:t>
+            </a:r>
+            <a:r>
+              <a:rPr lang="en-GB" sz="2400" dirty="0" err="1"/>
+              <a:t>il</a:t>
+            </a:r>
+            <a:r>
+              <a:rPr lang="en-GB" sz="2400" dirty="0"/>
+              <a:t> sera </a:t>
+            </a:r>
+            <a:r>
+              <a:rPr lang="en-GB" sz="2400" dirty="0" err="1"/>
+              <a:t>surligné</a:t>
+            </a:r>
+            <a:r>
+              <a:rPr lang="en-GB" sz="2400" dirty="0"/>
+              <a:t> </a:t>
+            </a:r>
+            <a:r>
+              <a:rPr lang="en-GB" sz="2400" dirty="0" err="1"/>
+              <a:t>en</a:t>
+            </a:r>
+            <a:r>
+              <a:rPr lang="en-GB" sz="2400" dirty="0"/>
+              <a:t> </a:t>
+            </a:r>
+            <a:r>
+              <a:rPr lang="en-GB" sz="2400" dirty="0" err="1"/>
+              <a:t>vert</a:t>
+            </a:r>
+            <a:r>
+              <a:rPr lang="en-GB" sz="2400" dirty="0"/>
+              <a:t>:</a:t>
+            </a:r>
+          </a:p>
+        </p:txBody>
+      </p:sp>
+      <p:sp>
+        <p:nvSpPr>
+          <p:cNvPr id="7" name="ZoneTexte 6"/>
+          <p:cNvSpPr txBox="1"/>
+          <p:nvPr/>
+        </p:nvSpPr>
+        <p:spPr>
+          <a:xfrm>
+            <a:off x="3099106" y="379385"/>
+            <a:ext cx="5993789" cy="461665"/>
           </a:xfrm>
           <a:prstGeom prst="rect">
             <a:avLst/>
@@ -13015,27 +12702,117 @@
                   <a:srgbClr val="0070C0"/>
                 </a:solidFill>
               </a:rPr>
-              <a:t>FIN D’UN EXERCICE</a:t>
-            </a:r>
-          </a:p>
-        </p:txBody>
-      </p:sp>
-      <p:sp>
-        <p:nvSpPr>
-          <p:cNvPr id="14" name="ZoneTexte 7">
-            <a:extLst>
-              <a:ext uri="{FF2B5EF4-FFF2-40B4-BE49-F238E27FC236}">
-                <a16:creationId xmlns:a16="http://schemas.microsoft.com/office/drawing/2014/main" id="{6ED12362-E7CD-45EA-BA24-48CBC31A52FA}"/>
-              </a:ext>
-            </a:extLst>
-          </p:cNvPr>
+              <a:t>ETAPE 6 – ÉVALUATION DE VOS RÉPONSES</a:t>
+            </a:r>
+          </a:p>
+        </p:txBody>
+      </p:sp>
+      <p:sp>
+        <p:nvSpPr>
+          <p:cNvPr id="2" name="Rectangle 1"/>
+          <p:cNvSpPr/>
+          <p:nvPr/>
+        </p:nvSpPr>
+        <p:spPr>
+          <a:xfrm>
+            <a:off x="5482869" y="3502258"/>
+            <a:ext cx="501332" cy="501331"/>
+          </a:xfrm>
+          <a:prstGeom prst="rect">
+            <a:avLst/>
+          </a:prstGeom>
+          <a:solidFill>
+            <a:schemeClr val="bg1"/>
+          </a:solidFill>
+          <a:ln>
+            <a:solidFill>
+              <a:schemeClr val="bg1"/>
+            </a:solidFill>
+          </a:ln>
+        </p:spPr>
+        <p:style>
+          <a:lnRef idx="2">
+            <a:schemeClr val="accent1">
+              <a:shade val="50000"/>
+            </a:schemeClr>
+          </a:lnRef>
+          <a:fillRef idx="1">
+            <a:schemeClr val="accent1"/>
+          </a:fillRef>
+          <a:effectRef idx="0">
+            <a:schemeClr val="accent1"/>
+          </a:effectRef>
+          <a:fontRef idx="minor">
+            <a:schemeClr val="lt1"/>
+          </a:fontRef>
+        </p:style>
+        <p:txBody>
+          <a:bodyPr rtlCol="0" anchor="ctr"/>
+          <a:lstStyle/>
+          <a:p>
+            <a:pPr algn="ctr"/>
+            <a:endParaRPr lang="en-GB"/>
+          </a:p>
+        </p:txBody>
+      </p:sp>
+      <p:sp>
+        <p:nvSpPr>
+          <p:cNvPr id="10" name="Rectangle 9"/>
+          <p:cNvSpPr/>
+          <p:nvPr/>
+        </p:nvSpPr>
+        <p:spPr>
+          <a:xfrm>
+            <a:off x="6179064" y="3502258"/>
+            <a:ext cx="501332" cy="501331"/>
+          </a:xfrm>
+          <a:prstGeom prst="rect">
+            <a:avLst/>
+          </a:prstGeom>
+          <a:solidFill>
+            <a:schemeClr val="bg1"/>
+          </a:solidFill>
+          <a:ln>
+            <a:solidFill>
+              <a:schemeClr val="bg1"/>
+            </a:solidFill>
+          </a:ln>
+        </p:spPr>
+        <p:style>
+          <a:lnRef idx="2">
+            <a:schemeClr val="accent1">
+              <a:shade val="50000"/>
+            </a:schemeClr>
+          </a:lnRef>
+          <a:fillRef idx="1">
+            <a:schemeClr val="accent1"/>
+          </a:fillRef>
+          <a:effectRef idx="0">
+            <a:schemeClr val="accent1"/>
+          </a:effectRef>
+          <a:fontRef idx="minor">
+            <a:schemeClr val="lt1"/>
+          </a:fontRef>
+        </p:style>
+        <p:txBody>
+          <a:bodyPr rtlCol="0" anchor="ctr"/>
+          <a:lstStyle/>
+          <a:p>
+            <a:pPr algn="ctr"/>
+            <a:endParaRPr lang="en-GB"/>
+          </a:p>
+        </p:txBody>
+      </p:sp>
+      <p:sp>
+        <p:nvSpPr>
+          <p:cNvPr id="3" name="ZoneTexte 2"/>
           <p:cNvSpPr txBox="1"/>
           <p:nvPr/>
         </p:nvSpPr>
         <p:spPr>
           <a:xfrm>
-            <a:off x="1874195" y="2120950"/>
-            <a:ext cx="8443609" cy="2616101"/>
+            <a:off x="5554448" y="3487055"/>
+            <a:ext cx="367408" cy="523220"/>
           </a:xfrm>
           <a:prstGeom prst="rect">
             <a:avLst/>
@@ -13043,211 +12820,51 @@
           <a:noFill/>
         </p:spPr>
         <p:txBody>
-          <a:bodyPr wrap="square" rtlCol="0">
+          <a:bodyPr wrap="none" rtlCol="0">
             <a:spAutoFit/>
           </a:bodyPr>
           <a:lstStyle/>
           <a:p>
-            <a:pPr algn="ctr">
-              <a:spcAft>
-                <a:spcPts val="1200"/>
-              </a:spcAft>
-            </a:pPr>
-            <a:r>
-              <a:rPr lang="en-GB" sz="2400" dirty="0"/>
-              <a:t>Apr</a:t>
-            </a:r>
-            <a:r>
-              <a:rPr lang="en-US" sz="2400" dirty="0" err="1"/>
-              <a:t>ès</a:t>
-            </a:r>
-            <a:r>
-              <a:rPr lang="en-US" sz="2400" dirty="0"/>
-              <a:t> </a:t>
-            </a:r>
-            <a:r>
-              <a:rPr lang="en-US" sz="2400" dirty="0" err="1"/>
-              <a:t>l’étape</a:t>
-            </a:r>
-            <a:r>
-              <a:rPr lang="en-US" sz="2400" dirty="0"/>
-              <a:t> 6 (retour sur </a:t>
-            </a:r>
-            <a:r>
-              <a:rPr lang="en-US" sz="2400" dirty="0" err="1"/>
-              <a:t>votre</a:t>
-            </a:r>
-            <a:r>
-              <a:rPr lang="en-US" sz="2400" dirty="0"/>
-              <a:t> performance), </a:t>
-            </a:r>
-            <a:r>
-              <a:rPr lang="en-US" sz="2400" dirty="0" err="1"/>
-              <a:t>vous</a:t>
-            </a:r>
-            <a:r>
-              <a:rPr lang="en-US" sz="2400" dirty="0"/>
-              <a:t> </a:t>
-            </a:r>
-            <a:r>
-              <a:rPr lang="en-US" sz="2400" dirty="0" err="1"/>
-              <a:t>aurez</a:t>
-            </a:r>
-            <a:r>
-              <a:rPr lang="en-US" sz="2400" dirty="0"/>
-              <a:t> </a:t>
-            </a:r>
-            <a:r>
-              <a:rPr lang="en-US" sz="2400" dirty="0" err="1"/>
-              <a:t>completé</a:t>
-            </a:r>
-            <a:r>
-              <a:rPr lang="en-US" sz="2400" dirty="0"/>
-              <a:t> un </a:t>
-            </a:r>
-            <a:r>
-              <a:rPr lang="en-US" sz="2400" dirty="0" err="1"/>
-              <a:t>exercice</a:t>
-            </a:r>
-            <a:r>
-              <a:rPr lang="en-US" sz="2400" dirty="0"/>
-              <a:t> – bravo!</a:t>
-            </a:r>
-          </a:p>
-          <a:p>
-            <a:pPr algn="ctr">
-              <a:spcAft>
-                <a:spcPts val="1200"/>
-              </a:spcAft>
-            </a:pPr>
-            <a:r>
-              <a:rPr lang="en-US" sz="2400" dirty="0" err="1"/>
-              <a:t>Vous</a:t>
-            </a:r>
-            <a:r>
-              <a:rPr lang="en-US" sz="2400" dirty="0"/>
-              <a:t> </a:t>
-            </a:r>
-            <a:r>
-              <a:rPr lang="en-US" sz="2400" dirty="0" err="1"/>
-              <a:t>pourrez</a:t>
-            </a:r>
-            <a:r>
-              <a:rPr lang="en-US" sz="2400" dirty="0"/>
-              <a:t> </a:t>
-            </a:r>
-            <a:r>
-              <a:rPr lang="fr-FR" sz="2400" dirty="0"/>
-              <a:t>prendre autant de temps que vous le souhaitez avant de démarrer le prochain exercice.</a:t>
-            </a:r>
-            <a:endParaRPr lang="en-US" sz="2400" dirty="0"/>
-          </a:p>
-          <a:p>
-            <a:pPr algn="ctr">
-              <a:spcAft>
-                <a:spcPts val="1200"/>
-              </a:spcAft>
-            </a:pPr>
-            <a:r>
-              <a:rPr lang="en-US" sz="2400" dirty="0"/>
-              <a:t>Par </a:t>
-            </a:r>
-            <a:r>
-              <a:rPr lang="en-US" sz="2400" dirty="0" err="1"/>
-              <a:t>contre</a:t>
-            </a:r>
-            <a:r>
-              <a:rPr lang="en-US" sz="2400" dirty="0"/>
-              <a:t>, </a:t>
-            </a:r>
-            <a:r>
-              <a:rPr lang="en-US" sz="2400" dirty="0" err="1"/>
-              <a:t>si</a:t>
-            </a:r>
-            <a:r>
-              <a:rPr lang="en-US" sz="2400" dirty="0"/>
-              <a:t> </a:t>
-            </a:r>
-            <a:r>
-              <a:rPr lang="en-US" sz="2400" dirty="0" err="1"/>
-              <a:t>vous</a:t>
-            </a:r>
-            <a:r>
-              <a:rPr lang="en-US" sz="2400" dirty="0"/>
-              <a:t> </a:t>
-            </a:r>
-            <a:r>
-              <a:rPr lang="en-US" sz="2400" dirty="0" err="1"/>
-              <a:t>fermez</a:t>
-            </a:r>
-            <a:r>
-              <a:rPr lang="en-US" sz="2400" dirty="0"/>
-              <a:t> </a:t>
-            </a:r>
-            <a:r>
-              <a:rPr lang="en-US" sz="2400" dirty="0" err="1"/>
-              <a:t>l’onglet</a:t>
-            </a:r>
-            <a:r>
-              <a:rPr lang="en-US" sz="2400" dirty="0"/>
-              <a:t> de </a:t>
-            </a:r>
-            <a:r>
-              <a:rPr lang="en-US" sz="2400" dirty="0" err="1"/>
-              <a:t>votre</a:t>
-            </a:r>
-            <a:r>
-              <a:rPr lang="en-US" sz="2400" dirty="0"/>
-              <a:t> </a:t>
-            </a:r>
-            <a:r>
-              <a:rPr lang="en-US" sz="2400" dirty="0" err="1"/>
-              <a:t>navigateur</a:t>
-            </a:r>
-            <a:r>
-              <a:rPr lang="en-US" sz="2400" dirty="0"/>
-              <a:t>, </a:t>
-            </a:r>
-            <a:r>
-              <a:rPr lang="en-US" sz="2400" dirty="0" err="1"/>
-              <a:t>vous</a:t>
-            </a:r>
-            <a:r>
-              <a:rPr lang="en-US" sz="2400" dirty="0"/>
-              <a:t> </a:t>
-            </a:r>
-            <a:r>
-              <a:rPr lang="en-US" sz="2400" dirty="0" err="1"/>
-              <a:t>devrez</a:t>
-            </a:r>
-            <a:r>
-              <a:rPr lang="en-US" sz="2400" dirty="0"/>
-              <a:t> </a:t>
-            </a:r>
-            <a:r>
-              <a:rPr lang="en-US" sz="2400" dirty="0" err="1"/>
-              <a:t>recommencer</a:t>
-            </a:r>
-            <a:r>
-              <a:rPr lang="en-US" sz="2400" dirty="0"/>
-              <a:t> le test </a:t>
-            </a:r>
-            <a:r>
-              <a:rPr lang="en-US" sz="2400" dirty="0" err="1"/>
-              <a:t>depuis</a:t>
-            </a:r>
-            <a:r>
-              <a:rPr lang="en-US" sz="2400" dirty="0"/>
-              <a:t> la début…</a:t>
-            </a:r>
-            <a:endParaRPr lang="en-GB" sz="2400" b="1" dirty="0"/>
+            <a:r>
+              <a:rPr lang="en-GB" sz="2800" dirty="0"/>
+              <a:t>8</a:t>
+            </a:r>
+          </a:p>
+        </p:txBody>
+      </p:sp>
+      <p:sp>
+        <p:nvSpPr>
+          <p:cNvPr id="11" name="ZoneTexte 10"/>
+          <p:cNvSpPr txBox="1"/>
+          <p:nvPr/>
+        </p:nvSpPr>
+        <p:spPr>
+          <a:xfrm>
+            <a:off x="6246026" y="3487055"/>
+            <a:ext cx="367408" cy="523220"/>
+          </a:xfrm>
+          <a:prstGeom prst="rect">
+            <a:avLst/>
+          </a:prstGeom>
+          <a:noFill/>
+        </p:spPr>
+        <p:txBody>
+          <a:bodyPr wrap="none" rtlCol="0">
+            <a:spAutoFit/>
+          </a:bodyPr>
+          <a:lstStyle/>
+          <a:p>
+            <a:r>
+              <a:rPr lang="en-GB" sz="2800" dirty="0"/>
+              <a:t>8</a:t>
+            </a:r>
           </a:p>
         </p:txBody>
       </p:sp>
     </p:spTree>
     <p:extLst>
       <p:ext uri="{BB962C8B-B14F-4D97-AF65-F5344CB8AC3E}">
-        <p14:creationId xmlns:p14="http://schemas.microsoft.com/office/powerpoint/2010/main" val="3731612808"/>
+        <p14:creationId xmlns:p14="http://schemas.microsoft.com/office/powerpoint/2010/main" val="3208989387"/>
       </p:ext>
     </p:extLst>
   </p:cSld>
@@ -13313,6 +12930,304 @@
                   <a:srgbClr val="0070C0"/>
                 </a:solidFill>
               </a:rPr>
+              <a:t>FIN D’UN EXERCICE</a:t>
+            </a:r>
+          </a:p>
+        </p:txBody>
+      </p:sp>
+      <p:sp>
+        <p:nvSpPr>
+          <p:cNvPr id="14" name="ZoneTexte 7">
+            <a:extLst>
+              <a:ext uri="{FF2B5EF4-FFF2-40B4-BE49-F238E27FC236}">
+                <a16:creationId xmlns:a16="http://schemas.microsoft.com/office/drawing/2014/main" id="{6ED12362-E7CD-45EA-BA24-48CBC31A52FA}"/>
+              </a:ext>
+            </a:extLst>
+          </p:cNvPr>
+          <p:cNvSpPr txBox="1"/>
+          <p:nvPr/>
+        </p:nvSpPr>
+        <p:spPr>
+          <a:xfrm>
+            <a:off x="1874195" y="2120950"/>
+            <a:ext cx="8443609" cy="2616101"/>
+          </a:xfrm>
+          <a:prstGeom prst="rect">
+            <a:avLst/>
+          </a:prstGeom>
+          <a:noFill/>
+        </p:spPr>
+        <p:txBody>
+          <a:bodyPr wrap="square" rtlCol="0">
+            <a:spAutoFit/>
+          </a:bodyPr>
+          <a:lstStyle/>
+          <a:p>
+            <a:pPr algn="ctr">
+              <a:spcAft>
+                <a:spcPts val="1200"/>
+              </a:spcAft>
+            </a:pPr>
+            <a:r>
+              <a:rPr lang="en-GB" sz="2400" dirty="0"/>
+              <a:t>Apr</a:t>
+            </a:r>
+            <a:r>
+              <a:rPr lang="en-US" sz="2400" dirty="0" err="1"/>
+              <a:t>ès</a:t>
+            </a:r>
+            <a:r>
+              <a:rPr lang="en-US" sz="2400" dirty="0"/>
+              <a:t> </a:t>
+            </a:r>
+            <a:r>
+              <a:rPr lang="en-US" sz="2400" dirty="0" err="1"/>
+              <a:t>l’étape</a:t>
+            </a:r>
+            <a:r>
+              <a:rPr lang="en-US" sz="2400" dirty="0"/>
+              <a:t> 6 (retour sur </a:t>
+            </a:r>
+            <a:r>
+              <a:rPr lang="en-US" sz="2400" dirty="0" err="1"/>
+              <a:t>votre</a:t>
+            </a:r>
+            <a:r>
+              <a:rPr lang="en-US" sz="2400" dirty="0"/>
+              <a:t> performance), </a:t>
+            </a:r>
+            <a:r>
+              <a:rPr lang="en-US" sz="2400" dirty="0" err="1"/>
+              <a:t>vous</a:t>
+            </a:r>
+            <a:r>
+              <a:rPr lang="en-US" sz="2400" dirty="0"/>
+              <a:t> </a:t>
+            </a:r>
+            <a:r>
+              <a:rPr lang="en-US" sz="2400" dirty="0" err="1"/>
+              <a:t>aurez</a:t>
+            </a:r>
+            <a:r>
+              <a:rPr lang="en-US" sz="2400" dirty="0"/>
+              <a:t> </a:t>
+            </a:r>
+            <a:r>
+              <a:rPr lang="en-US" sz="2400" dirty="0" err="1"/>
+              <a:t>completé</a:t>
+            </a:r>
+            <a:r>
+              <a:rPr lang="en-US" sz="2400" dirty="0"/>
+              <a:t> un </a:t>
+            </a:r>
+            <a:r>
+              <a:rPr lang="en-US" sz="2400" dirty="0" err="1"/>
+              <a:t>exercice</a:t>
+            </a:r>
+            <a:r>
+              <a:rPr lang="en-US" sz="2400" dirty="0"/>
+              <a:t> – bravo!</a:t>
+            </a:r>
+          </a:p>
+          <a:p>
+            <a:pPr algn="ctr">
+              <a:spcAft>
+                <a:spcPts val="1200"/>
+              </a:spcAft>
+            </a:pPr>
+            <a:r>
+              <a:rPr lang="en-US" sz="2400" dirty="0" err="1"/>
+              <a:t>Vous</a:t>
+            </a:r>
+            <a:r>
+              <a:rPr lang="en-US" sz="2400" dirty="0"/>
+              <a:t> </a:t>
+            </a:r>
+            <a:r>
+              <a:rPr lang="en-US" sz="2400" dirty="0" err="1"/>
+              <a:t>pourrez</a:t>
+            </a:r>
+            <a:r>
+              <a:rPr lang="en-US" sz="2400" dirty="0"/>
+              <a:t> </a:t>
+            </a:r>
+            <a:r>
+              <a:rPr lang="fr-FR" sz="2400" dirty="0"/>
+              <a:t>prendre autant de temps que vous le souhaitez avant de démarrer le prochain exercice.</a:t>
+            </a:r>
+            <a:endParaRPr lang="en-US" sz="2400" dirty="0"/>
+          </a:p>
+          <a:p>
+            <a:pPr algn="ctr">
+              <a:spcAft>
+                <a:spcPts val="1200"/>
+              </a:spcAft>
+            </a:pPr>
+            <a:r>
+              <a:rPr lang="en-US" sz="2400" dirty="0"/>
+              <a:t>Par </a:t>
+            </a:r>
+            <a:r>
+              <a:rPr lang="en-US" sz="2400" dirty="0" err="1"/>
+              <a:t>contre</a:t>
+            </a:r>
+            <a:r>
+              <a:rPr lang="en-US" sz="2400" dirty="0"/>
+              <a:t>, </a:t>
+            </a:r>
+            <a:r>
+              <a:rPr lang="en-US" sz="2400" dirty="0" err="1"/>
+              <a:t>si</a:t>
+            </a:r>
+            <a:r>
+              <a:rPr lang="en-US" sz="2400" dirty="0"/>
+              <a:t> </a:t>
+            </a:r>
+            <a:r>
+              <a:rPr lang="en-US" sz="2400" dirty="0" err="1"/>
+              <a:t>vous</a:t>
+            </a:r>
+            <a:r>
+              <a:rPr lang="en-US" sz="2400" dirty="0"/>
+              <a:t> </a:t>
+            </a:r>
+            <a:r>
+              <a:rPr lang="en-US" sz="2400" dirty="0" err="1"/>
+              <a:t>fermez</a:t>
+            </a:r>
+            <a:r>
+              <a:rPr lang="en-US" sz="2400" dirty="0"/>
+              <a:t> </a:t>
+            </a:r>
+            <a:r>
+              <a:rPr lang="en-US" sz="2400" dirty="0" err="1"/>
+              <a:t>l’onglet</a:t>
+            </a:r>
+            <a:r>
+              <a:rPr lang="en-US" sz="2400" dirty="0"/>
+              <a:t> de </a:t>
+            </a:r>
+            <a:r>
+              <a:rPr lang="en-US" sz="2400" dirty="0" err="1"/>
+              <a:t>votre</a:t>
+            </a:r>
+            <a:r>
+              <a:rPr lang="en-US" sz="2400" dirty="0"/>
+              <a:t> </a:t>
+            </a:r>
+            <a:r>
+              <a:rPr lang="en-US" sz="2400" dirty="0" err="1"/>
+              <a:t>navigateur</a:t>
+            </a:r>
+            <a:r>
+              <a:rPr lang="en-US" sz="2400" dirty="0"/>
+              <a:t>, </a:t>
+            </a:r>
+            <a:r>
+              <a:rPr lang="en-US" sz="2400" dirty="0" err="1"/>
+              <a:t>vous</a:t>
+            </a:r>
+            <a:r>
+              <a:rPr lang="en-US" sz="2400" dirty="0"/>
+              <a:t> </a:t>
+            </a:r>
+            <a:r>
+              <a:rPr lang="en-US" sz="2400" dirty="0" err="1"/>
+              <a:t>devrez</a:t>
+            </a:r>
+            <a:r>
+              <a:rPr lang="en-US" sz="2400" dirty="0"/>
+              <a:t> </a:t>
+            </a:r>
+            <a:r>
+              <a:rPr lang="en-US" sz="2400" dirty="0" err="1"/>
+              <a:t>recommencer</a:t>
+            </a:r>
+            <a:r>
+              <a:rPr lang="en-US" sz="2400" dirty="0"/>
+              <a:t> le test </a:t>
+            </a:r>
+            <a:r>
+              <a:rPr lang="en-US" sz="2400" dirty="0" err="1"/>
+              <a:t>depuis</a:t>
+            </a:r>
+            <a:r>
+              <a:rPr lang="en-US" sz="2400" dirty="0"/>
+              <a:t> la début…</a:t>
+            </a:r>
+            <a:endParaRPr lang="en-GB" sz="2400" b="1" dirty="0"/>
+          </a:p>
+        </p:txBody>
+      </p:sp>
+    </p:spTree>
+    <p:extLst>
+      <p:ext uri="{BB962C8B-B14F-4D97-AF65-F5344CB8AC3E}">
+        <p14:creationId xmlns:p14="http://schemas.microsoft.com/office/powerpoint/2010/main" val="3731612808"/>
+      </p:ext>
+    </p:extLst>
+  </p:cSld>
+  <p:clrMapOvr>
+    <a:masterClrMapping/>
+  </p:clrMapOvr>
+</p:sld>
+</file>
+
+<file path=ppt/slides/slide33.xml><?xml version="1.0" encoding="utf-8"?>
+<p:sld xmlns:a="http://schemas.openxmlformats.org/drawingml/2006/main" xmlns:r="http://schemas.openxmlformats.org/officeDocument/2006/relationships" xmlns:p="http://schemas.openxmlformats.org/presentationml/2006/main">
+  <p:cSld>
+    <p:spTree>
+      <p:nvGrpSpPr>
+        <p:cNvPr id="1" name=""/>
+        <p:cNvGrpSpPr/>
+        <p:nvPr/>
+      </p:nvGrpSpPr>
+      <p:grpSpPr>
+        <a:xfrm>
+          <a:off x="0" y="0"/>
+          <a:ext cx="0" cy="0"/>
+          <a:chOff x="0" y="0"/>
+          <a:chExt cx="0" cy="0"/>
+        </a:xfrm>
+      </p:grpSpPr>
+      <p:sp>
+        <p:nvSpPr>
+          <p:cNvPr id="5" name="ZoneTexte 4"/>
+          <p:cNvSpPr txBox="1"/>
+          <p:nvPr/>
+        </p:nvSpPr>
+        <p:spPr>
+          <a:xfrm>
+            <a:off x="3557275" y="379385"/>
+            <a:ext cx="5077450" cy="461665"/>
+          </a:xfrm>
+          <a:prstGeom prst="rect">
+            <a:avLst/>
+          </a:prstGeom>
+          <a:noFill/>
+          <a:ln>
+            <a:noFill/>
+          </a:ln>
+        </p:spPr>
+        <p:txBody>
+          <a:bodyPr wrap="square" rtlCol="0" anchor="ctr">
+            <a:spAutoFit/>
+          </a:bodyPr>
+          <a:lstStyle/>
+          <a:p>
+            <a:pPr algn="ctr">
+              <a:spcBef>
+                <a:spcPts val="1800"/>
+              </a:spcBef>
+              <a:spcAft>
+                <a:spcPts val="1800"/>
+              </a:spcAft>
+            </a:pPr>
+            <a:r>
+              <a:rPr lang="en-GB" sz="2400" b="1" dirty="0">
+                <a:solidFill>
+                  <a:srgbClr val="0070C0"/>
+                </a:solidFill>
+              </a:rPr>
               <a:t>UNE PETITE VARIATION</a:t>
             </a:r>
           </a:p>
@@ -13654,7 +13569,7 @@
 </p:sld>
 </file>
 
-<file path=ppt/slides/slide33.xml><?xml version="1.0" encoding="utf-8"?>
+<file path=ppt/slides/slide34.xml><?xml version="1.0" encoding="utf-8"?>
 <p:sld xmlns:a="http://schemas.openxmlformats.org/drawingml/2006/main" xmlns:r="http://schemas.openxmlformats.org/officeDocument/2006/relationships" xmlns:p="http://schemas.openxmlformats.org/presentationml/2006/main">
   <p:cSld>
     <p:spTree>
@@ -14051,7 +13966,7 @@
 </p:sld>
 </file>
 
-<file path=ppt/slides/slide34.xml><?xml version="1.0" encoding="utf-8"?>
+<file path=ppt/slides/slide35.xml><?xml version="1.0" encoding="utf-8"?>
 <p:sld xmlns:a="http://schemas.openxmlformats.org/drawingml/2006/main" xmlns:r="http://schemas.openxmlformats.org/officeDocument/2006/relationships" xmlns:p="http://schemas.openxmlformats.org/presentationml/2006/main">
   <p:cSld>
     <p:spTree>
@@ -14188,7 +14103,7 @@
             </a:pPr>
             <a:r>
               <a:rPr lang="fr-FR" sz="2400" dirty="0"/>
-              <a:t>Nous vous montrerons la grille une fois et puis vous demanderons d’imaginer combien d’effort cela vous demanderait pour atteindre différents scores.</a:t>
+              <a:t>Nous vous montrerons la grille une fois et puis nous vous demanderons d’imaginer combien d’effort cela vous demanderait pour atteindre différents scores.</a:t>
             </a:r>
           </a:p>
           <a:p>
@@ -14246,6 +14161,489 @@
 </file>
 
 <file path=ppt/slides/slide4.xml><?xml version="1.0" encoding="utf-8"?>
+<p:sld xmlns:a="http://schemas.openxmlformats.org/drawingml/2006/main" xmlns:r="http://schemas.openxmlformats.org/officeDocument/2006/relationships" xmlns:p="http://schemas.openxmlformats.org/presentationml/2006/main">
+  <p:cSld>
+    <p:spTree>
+      <p:nvGrpSpPr>
+        <p:cNvPr id="1" name=""/>
+        <p:cNvGrpSpPr/>
+        <p:nvPr/>
+      </p:nvGrpSpPr>
+      <p:grpSpPr>
+        <a:xfrm>
+          <a:off x="0" y="0"/>
+          <a:ext cx="0" cy="0"/>
+          <a:chOff x="0" y="0"/>
+          <a:chExt cx="0" cy="0"/>
+        </a:xfrm>
+      </p:grpSpPr>
+      <p:sp>
+        <p:nvSpPr>
+          <p:cNvPr id="5" name="ZoneTexte 4"/>
+          <p:cNvSpPr txBox="1"/>
+          <p:nvPr/>
+        </p:nvSpPr>
+        <p:spPr>
+          <a:xfrm>
+            <a:off x="3878093" y="194719"/>
+            <a:ext cx="4435815" cy="830997"/>
+          </a:xfrm>
+          <a:prstGeom prst="rect">
+            <a:avLst/>
+          </a:prstGeom>
+          <a:noFill/>
+          <a:ln>
+            <a:noFill/>
+          </a:ln>
+        </p:spPr>
+        <p:txBody>
+          <a:bodyPr wrap="square" rtlCol="0" anchor="ctr">
+            <a:spAutoFit/>
+          </a:bodyPr>
+          <a:lstStyle/>
+          <a:p>
+            <a:pPr algn="ctr">
+              <a:spcBef>
+                <a:spcPts val="1800"/>
+              </a:spcBef>
+              <a:spcAft>
+                <a:spcPts val="1800"/>
+              </a:spcAft>
+            </a:pPr>
+            <a:r>
+              <a:rPr lang="en-GB" sz="2400" b="1" dirty="0">
+                <a:solidFill>
+                  <a:srgbClr val="0070C0"/>
+                </a:solidFill>
+              </a:rPr>
+              <a:t>LES EXERCICES DE MEMOIRE : PRINCIPE</a:t>
+            </a:r>
+          </a:p>
+        </p:txBody>
+      </p:sp>
+      <p:sp>
+        <p:nvSpPr>
+          <p:cNvPr id="7" name="ZoneTexte 6"/>
+          <p:cNvSpPr txBox="1"/>
+          <p:nvPr/>
+        </p:nvSpPr>
+        <p:spPr>
+          <a:xfrm>
+            <a:off x="1874195" y="1346863"/>
+            <a:ext cx="8443609" cy="2015936"/>
+          </a:xfrm>
+          <a:prstGeom prst="rect">
+            <a:avLst/>
+          </a:prstGeom>
+          <a:noFill/>
+        </p:spPr>
+        <p:txBody>
+          <a:bodyPr wrap="square" rtlCol="0">
+            <a:spAutoFit/>
+          </a:bodyPr>
+          <a:lstStyle/>
+          <a:p>
+            <a:pPr algn="ctr">
+              <a:spcAft>
+                <a:spcPts val="600"/>
+              </a:spcAft>
+            </a:pPr>
+            <a:r>
+              <a:rPr lang="en-GB" sz="2400" dirty="0" err="1"/>
+              <a:t>Lors</a:t>
+            </a:r>
+            <a:r>
+              <a:rPr lang="en-GB" sz="2400" dirty="0"/>
+              <a:t> de </a:t>
+            </a:r>
+            <a:r>
+              <a:rPr lang="en-GB" sz="2400" dirty="0" err="1"/>
+              <a:t>chaque</a:t>
+            </a:r>
+            <a:r>
+              <a:rPr lang="en-GB" sz="2400" dirty="0"/>
+              <a:t> exercise de </a:t>
+            </a:r>
+            <a:r>
+              <a:rPr lang="en-GB" sz="2400" dirty="0" err="1"/>
+              <a:t>mémoire</a:t>
+            </a:r>
+            <a:r>
+              <a:rPr lang="en-GB" sz="2400" dirty="0"/>
+              <a:t>, </a:t>
+            </a:r>
+            <a:r>
+              <a:rPr lang="en-GB" sz="2400" dirty="0" err="1"/>
+              <a:t>vous</a:t>
+            </a:r>
+            <a:r>
+              <a:rPr lang="en-GB" sz="2400" dirty="0"/>
+              <a:t> </a:t>
+            </a:r>
+            <a:r>
+              <a:rPr lang="en-GB" sz="2400" dirty="0" err="1"/>
+              <a:t>devrez</a:t>
+            </a:r>
+            <a:r>
+              <a:rPr lang="en-GB" sz="2400" dirty="0"/>
+              <a:t> </a:t>
+            </a:r>
+            <a:r>
+              <a:rPr lang="en-GB" sz="2400" dirty="0" err="1"/>
+              <a:t>vous</a:t>
+            </a:r>
+            <a:r>
+              <a:rPr lang="en-GB" sz="2400" dirty="0"/>
+              <a:t> souvenir de la position de 8 </a:t>
+            </a:r>
+            <a:r>
+              <a:rPr lang="en-GB" sz="2400" dirty="0" err="1"/>
+              <a:t>paires</a:t>
+            </a:r>
+            <a:r>
+              <a:rPr lang="en-GB" sz="2400" dirty="0"/>
+              <a:t> de </a:t>
+            </a:r>
+            <a:r>
+              <a:rPr lang="en-GB" sz="2400" dirty="0" err="1"/>
+              <a:t>chiffres</a:t>
+            </a:r>
+            <a:r>
+              <a:rPr lang="en-GB" sz="2400" dirty="0"/>
+              <a:t> </a:t>
+            </a:r>
+            <a:r>
+              <a:rPr lang="en-GB" sz="2400" dirty="0" err="1"/>
+              <a:t>disposés</a:t>
+            </a:r>
+            <a:r>
+              <a:rPr lang="en-GB" sz="2400" dirty="0"/>
+              <a:t> sur </a:t>
+            </a:r>
+            <a:r>
+              <a:rPr lang="en-GB" sz="2400" dirty="0" err="1"/>
+              <a:t>une</a:t>
+            </a:r>
+            <a:r>
+              <a:rPr lang="en-GB" sz="2400" dirty="0"/>
+              <a:t> grille </a:t>
+            </a:r>
+            <a:r>
+              <a:rPr lang="en-GB" sz="2400" dirty="0" err="1"/>
+              <a:t>carrée</a:t>
+            </a:r>
+            <a:r>
+              <a:rPr lang="en-GB" sz="2400" dirty="0"/>
+              <a:t>.</a:t>
+            </a:r>
+          </a:p>
+          <a:p>
+            <a:pPr algn="ctr">
+              <a:spcAft>
+                <a:spcPts val="600"/>
+              </a:spcAft>
+            </a:pPr>
+            <a:r>
+              <a:rPr lang="en-GB" sz="2400" dirty="0"/>
+              <a:t>Dans </a:t>
+            </a:r>
+            <a:r>
+              <a:rPr lang="en-GB" sz="2400" dirty="0" err="1"/>
+              <a:t>l’exemple</a:t>
+            </a:r>
+            <a:r>
+              <a:rPr lang="en-GB" sz="2400" dirty="0"/>
+              <a:t> </a:t>
+            </a:r>
+            <a:r>
+              <a:rPr lang="en-GB" sz="2400" dirty="0" err="1"/>
+              <a:t>suivant</a:t>
+            </a:r>
+            <a:r>
+              <a:rPr lang="en-GB" sz="2400" dirty="0"/>
+              <a:t>, les deux chiffres “1” </a:t>
+            </a:r>
+            <a:r>
+              <a:rPr lang="en-GB" sz="2400" dirty="0" err="1"/>
+              <a:t>forment</a:t>
+            </a:r>
+            <a:r>
+              <a:rPr lang="en-GB" sz="2400" dirty="0"/>
+              <a:t> </a:t>
+            </a:r>
+            <a:r>
+              <a:rPr lang="en-GB" sz="2400" dirty="0" err="1"/>
+              <a:t>une</a:t>
+            </a:r>
+            <a:r>
+              <a:rPr lang="en-GB" sz="2400" dirty="0"/>
+              <a:t> </a:t>
+            </a:r>
+            <a:r>
+              <a:rPr lang="en-GB" sz="2400" dirty="0" err="1"/>
+              <a:t>paire</a:t>
+            </a:r>
+            <a:r>
+              <a:rPr lang="en-GB" sz="2400" dirty="0"/>
+              <a:t>, </a:t>
+            </a:r>
+            <a:r>
+              <a:rPr lang="en-GB" sz="2400" dirty="0" err="1"/>
+              <a:t>dont</a:t>
+            </a:r>
+            <a:r>
+              <a:rPr lang="en-GB" sz="2400" dirty="0"/>
+              <a:t> </a:t>
+            </a:r>
+            <a:r>
+              <a:rPr lang="en-GB" sz="2400" dirty="0" err="1"/>
+              <a:t>chaque</a:t>
+            </a:r>
+            <a:r>
+              <a:rPr lang="en-GB" sz="2400" dirty="0"/>
+              <a:t> element </a:t>
+            </a:r>
+            <a:r>
+              <a:rPr lang="en-GB" sz="2400" dirty="0" err="1"/>
+              <a:t>est</a:t>
+            </a:r>
+            <a:r>
+              <a:rPr lang="en-GB" sz="2400" dirty="0"/>
+              <a:t> </a:t>
+            </a:r>
+            <a:r>
+              <a:rPr lang="en-GB" sz="2400" dirty="0" err="1"/>
+              <a:t>positionné</a:t>
+            </a:r>
+            <a:r>
+              <a:rPr lang="en-GB" sz="2400" dirty="0"/>
+              <a:t> sur un emplacement de la grille: </a:t>
+            </a:r>
+          </a:p>
+        </p:txBody>
+      </p:sp>
+      <p:grpSp>
+        <p:nvGrpSpPr>
+          <p:cNvPr id="2" name="Groupe 1"/>
+          <p:cNvGrpSpPr/>
+          <p:nvPr/>
+        </p:nvGrpSpPr>
+        <p:grpSpPr>
+          <a:xfrm>
+            <a:off x="4807226" y="3724111"/>
+            <a:ext cx="2553693" cy="2475203"/>
+            <a:chOff x="4807226" y="3724111"/>
+            <a:chExt cx="2553693" cy="2475203"/>
+          </a:xfrm>
+        </p:grpSpPr>
+        <p:grpSp>
+          <p:nvGrpSpPr>
+            <p:cNvPr id="4" name="Groupe 3"/>
+            <p:cNvGrpSpPr/>
+            <p:nvPr/>
+          </p:nvGrpSpPr>
+          <p:grpSpPr>
+            <a:xfrm>
+              <a:off x="4807226" y="3724111"/>
+              <a:ext cx="2553693" cy="2475203"/>
+              <a:chOff x="4807226" y="3724111"/>
+              <a:chExt cx="2553693" cy="2475203"/>
+            </a:xfrm>
+          </p:grpSpPr>
+          <p:pic>
+            <p:nvPicPr>
+              <p:cNvPr id="12" name="Picture 1">
+                <a:extLst>
+                  <a:ext uri="{FF2B5EF4-FFF2-40B4-BE49-F238E27FC236}">
+                    <a16:creationId xmlns:a16="http://schemas.microsoft.com/office/drawing/2014/main" id="{88F87B56-3A1F-46ED-B0F7-1E813590C499}"/>
+                  </a:ext>
+                </a:extLst>
+              </p:cNvPr>
+              <p:cNvPicPr>
+                <a:picLocks noChangeAspect="1"/>
+              </p:cNvPicPr>
+              <p:nvPr/>
+            </p:nvPicPr>
+            <p:blipFill rotWithShape="1">
+              <a:blip r:embed="rId2"/>
+              <a:srcRect l="25294" t="16027" r="25294" b="12133"/>
+              <a:stretch/>
+            </p:blipFill>
+            <p:spPr>
+              <a:xfrm>
+                <a:off x="4807226" y="3724111"/>
+                <a:ext cx="2553693" cy="2475203"/>
+              </a:xfrm>
+              <a:prstGeom prst="rect">
+                <a:avLst/>
+              </a:prstGeom>
+            </p:spPr>
+          </p:pic>
+          <p:pic>
+            <p:nvPicPr>
+              <p:cNvPr id="13" name="Picture 1">
+                <a:extLst>
+                  <a:ext uri="{FF2B5EF4-FFF2-40B4-BE49-F238E27FC236}">
+                    <a16:creationId xmlns:a16="http://schemas.microsoft.com/office/drawing/2014/main" id="{88F87B56-3A1F-46ED-B0F7-1E813590C499}"/>
+                  </a:ext>
+                </a:extLst>
+              </p:cNvPr>
+              <p:cNvPicPr>
+                <a:picLocks noChangeAspect="1"/>
+              </p:cNvPicPr>
+              <p:nvPr/>
+            </p:nvPicPr>
+            <p:blipFill rotWithShape="1">
+              <a:blip r:embed="rId2"/>
+              <a:srcRect l="49823" t="69829" r="37838" b="12205"/>
+              <a:stretch/>
+            </p:blipFill>
+            <p:spPr>
+              <a:xfrm>
+                <a:off x="6072272" y="4325560"/>
+                <a:ext cx="637735" cy="618978"/>
+              </a:xfrm>
+              <a:prstGeom prst="rect">
+                <a:avLst/>
+              </a:prstGeom>
+            </p:spPr>
+          </p:pic>
+        </p:grpSp>
+        <p:sp>
+          <p:nvSpPr>
+            <p:cNvPr id="6" name="Rectangle 5"/>
+            <p:cNvSpPr/>
+            <p:nvPr/>
+          </p:nvSpPr>
+          <p:spPr>
+            <a:xfrm>
+              <a:off x="6160294" y="4405464"/>
+              <a:ext cx="469106" cy="464191"/>
+            </a:xfrm>
+            <a:prstGeom prst="rect">
+              <a:avLst/>
+            </a:prstGeom>
+            <a:solidFill>
+              <a:schemeClr val="bg1"/>
+            </a:solidFill>
+            <a:ln>
+              <a:solidFill>
+                <a:schemeClr val="bg1"/>
+              </a:solidFill>
+            </a:ln>
+          </p:spPr>
+          <p:style>
+            <a:lnRef idx="2">
+              <a:schemeClr val="accent1">
+                <a:shade val="50000"/>
+              </a:schemeClr>
+            </a:lnRef>
+            <a:fillRef idx="1">
+              <a:schemeClr val="accent1"/>
+            </a:fillRef>
+            <a:effectRef idx="0">
+              <a:schemeClr val="accent1"/>
+            </a:effectRef>
+            <a:fontRef idx="minor">
+              <a:schemeClr val="lt1"/>
+            </a:fontRef>
+          </p:style>
+          <p:txBody>
+            <a:bodyPr rtlCol="0" anchor="ctr"/>
+            <a:lstStyle/>
+            <a:p>
+              <a:pPr algn="ctr"/>
+              <a:r>
+                <a:rPr lang="en-GB" sz="2800" dirty="0">
+                  <a:solidFill>
+                    <a:schemeClr val="tx1"/>
+                  </a:solidFill>
+                </a:rPr>
+                <a:t>1</a:t>
+              </a:r>
+              <a:endParaRPr lang="en-GB" dirty="0">
+                <a:solidFill>
+                  <a:schemeClr val="tx1"/>
+                </a:solidFill>
+              </a:endParaRPr>
+            </a:p>
+          </p:txBody>
+        </p:sp>
+        <p:sp>
+          <p:nvSpPr>
+            <p:cNvPr id="10" name="Rectangle 9"/>
+            <p:cNvSpPr/>
+            <p:nvPr/>
+          </p:nvSpPr>
+          <p:spPr>
+            <a:xfrm>
+              <a:off x="6156586" y="5662764"/>
+              <a:ext cx="469106" cy="464191"/>
+            </a:xfrm>
+            <a:prstGeom prst="rect">
+              <a:avLst/>
+            </a:prstGeom>
+            <a:solidFill>
+              <a:schemeClr val="bg1"/>
+            </a:solidFill>
+            <a:ln>
+              <a:solidFill>
+                <a:schemeClr val="bg1"/>
+              </a:solidFill>
+            </a:ln>
+          </p:spPr>
+          <p:style>
+            <a:lnRef idx="2">
+              <a:schemeClr val="accent1">
+                <a:shade val="50000"/>
+              </a:schemeClr>
+            </a:lnRef>
+            <a:fillRef idx="1">
+              <a:schemeClr val="accent1"/>
+            </a:fillRef>
+            <a:effectRef idx="0">
+              <a:schemeClr val="accent1"/>
+            </a:effectRef>
+            <a:fontRef idx="minor">
+              <a:schemeClr val="lt1"/>
+            </a:fontRef>
+          </p:style>
+          <p:txBody>
+            <a:bodyPr rtlCol="0" anchor="ctr"/>
+            <a:lstStyle/>
+            <a:p>
+              <a:pPr algn="ctr"/>
+              <a:r>
+                <a:rPr lang="en-GB" sz="2800" dirty="0">
+                  <a:solidFill>
+                    <a:schemeClr val="tx1"/>
+                  </a:solidFill>
+                </a:rPr>
+                <a:t>1</a:t>
+              </a:r>
+              <a:endParaRPr lang="en-GB" dirty="0">
+                <a:solidFill>
+                  <a:schemeClr val="tx1"/>
+                </a:solidFill>
+              </a:endParaRPr>
+            </a:p>
+          </p:txBody>
+        </p:sp>
+      </p:grpSp>
+    </p:spTree>
+    <p:extLst>
+      <p:ext uri="{BB962C8B-B14F-4D97-AF65-F5344CB8AC3E}">
+        <p14:creationId xmlns:p14="http://schemas.microsoft.com/office/powerpoint/2010/main" val="1917199260"/>
+      </p:ext>
+    </p:extLst>
+  </p:cSld>
+  <p:clrMapOvr>
+    <a:masterClrMapping/>
+  </p:clrMapOvr>
+</p:sld>
+</file>
+
+<file path=ppt/slides/slide5.xml><?xml version="1.0" encoding="utf-8"?>
 <p:sld xmlns:a="http://schemas.openxmlformats.org/drawingml/2006/main" xmlns:r="http://schemas.openxmlformats.org/officeDocument/2006/relationships" xmlns:p="http://schemas.openxmlformats.org/presentationml/2006/main">
   <p:cSld>
     <p:spTree>
@@ -14759,156 +15157,6 @@
 </p:sld>
 </file>
 
-<file path=ppt/slides/slide5.xml><?xml version="1.0" encoding="utf-8"?>
-<p:sld xmlns:a="http://schemas.openxmlformats.org/drawingml/2006/main" xmlns:r="http://schemas.openxmlformats.org/officeDocument/2006/relationships" xmlns:p="http://schemas.openxmlformats.org/presentationml/2006/main">
-  <p:cSld>
-    <p:spTree>
-      <p:nvGrpSpPr>
-        <p:cNvPr id="1" name=""/>
-        <p:cNvGrpSpPr/>
-        <p:nvPr/>
-      </p:nvGrpSpPr>
-      <p:grpSpPr>
-        <a:xfrm>
-          <a:off x="0" y="0"/>
-          <a:ext cx="0" cy="0"/>
-          <a:chOff x="0" y="0"/>
-          <a:chExt cx="0" cy="0"/>
-        </a:xfrm>
-      </p:grpSpPr>
-      <p:sp>
-        <p:nvSpPr>
-          <p:cNvPr id="7" name="ZoneTexte 6"/>
-          <p:cNvSpPr txBox="1"/>
-          <p:nvPr/>
-        </p:nvSpPr>
-        <p:spPr>
-          <a:xfrm>
-            <a:off x="1874195" y="1737755"/>
-            <a:ext cx="8443609" cy="4093428"/>
-          </a:xfrm>
-          <a:prstGeom prst="rect">
-            <a:avLst/>
-          </a:prstGeom>
-          <a:noFill/>
-        </p:spPr>
-        <p:txBody>
-          <a:bodyPr wrap="square" rtlCol="0">
-            <a:spAutoFit/>
-          </a:bodyPr>
-          <a:lstStyle/>
-          <a:p>
-            <a:pPr algn="ctr">
-              <a:spcAft>
-                <a:spcPts val="1200"/>
-              </a:spcAft>
-            </a:pPr>
-            <a:r>
-              <a:rPr lang="fr-FR" sz="2400" dirty="0"/>
-              <a:t>Pour réussir un exercice, il vous faudra donner un certain nombre de réponses correctes : c’est ce que nous appelons </a:t>
-            </a:r>
-            <a:r>
-              <a:rPr lang="fr-FR" sz="2400" b="1" dirty="0"/>
-              <a:t>le score cible </a:t>
-            </a:r>
-            <a:r>
-              <a:rPr lang="fr-FR" sz="2400" dirty="0"/>
-              <a:t>d’un exercice.</a:t>
-            </a:r>
-          </a:p>
-          <a:p>
-            <a:pPr algn="ctr">
-              <a:spcAft>
-                <a:spcPts val="1200"/>
-              </a:spcAft>
-            </a:pPr>
-            <a:r>
-              <a:rPr lang="fr-FR" sz="2400" dirty="0"/>
-              <a:t>Certains exercices vous paraîtront faciles, parce que le score cible sera faible (4 par exemple). D’autres vous paraîtront plus difficiles, parce que le score cible sera élevé (7 ou 8). </a:t>
-            </a:r>
-          </a:p>
-          <a:p>
-            <a:pPr algn="ctr">
-              <a:spcAft>
-                <a:spcPts val="1200"/>
-              </a:spcAft>
-            </a:pPr>
-            <a:r>
-              <a:rPr lang="fr-FR" sz="2400" dirty="0"/>
-              <a:t>Nous vous indiquerons le score cible au début de chaque exercice. Vous aurez la possibilité de doser votre effort de mémorisation en visualisant l’emplacement des 8 paires de chiffres autant de fois que vous le souhaitez, avant de démarrer la phase de test. </a:t>
-            </a:r>
-          </a:p>
-        </p:txBody>
-      </p:sp>
-      <p:sp>
-        <p:nvSpPr>
-          <p:cNvPr id="10" name="ZoneTexte 9"/>
-          <p:cNvSpPr txBox="1"/>
-          <p:nvPr/>
-        </p:nvSpPr>
-        <p:spPr>
-          <a:xfrm>
-            <a:off x="3878093" y="194719"/>
-            <a:ext cx="4435815" cy="830997"/>
-          </a:xfrm>
-          <a:prstGeom prst="rect">
-            <a:avLst/>
-          </a:prstGeom>
-          <a:noFill/>
-          <a:ln>
-            <a:noFill/>
-          </a:ln>
-        </p:spPr>
-        <p:txBody>
-          <a:bodyPr wrap="square" rtlCol="0" anchor="ctr">
-            <a:spAutoFit/>
-          </a:bodyPr>
-          <a:lstStyle/>
-          <a:p>
-            <a:pPr algn="ctr">
-              <a:spcBef>
-                <a:spcPts val="1800"/>
-              </a:spcBef>
-            </a:pPr>
-            <a:r>
-              <a:rPr lang="en-GB" sz="2400" b="1" dirty="0">
-                <a:solidFill>
-                  <a:srgbClr val="0070C0"/>
-                </a:solidFill>
-              </a:rPr>
-              <a:t>LES EXERCICES DE MEMOIRE :</a:t>
-            </a:r>
-          </a:p>
-          <a:p>
-            <a:pPr algn="ctr">
-              <a:spcAft>
-                <a:spcPts val="1800"/>
-              </a:spcAft>
-            </a:pPr>
-            <a:r>
-              <a:rPr lang="en-GB" sz="2400" b="1" dirty="0">
-                <a:solidFill>
-                  <a:srgbClr val="0070C0"/>
-                </a:solidFill>
-              </a:rPr>
-              <a:t>LE SCORE CIBLE</a:t>
-            </a:r>
-          </a:p>
-        </p:txBody>
-      </p:sp>
-    </p:spTree>
-    <p:extLst>
-      <p:ext uri="{BB962C8B-B14F-4D97-AF65-F5344CB8AC3E}">
-        <p14:creationId xmlns:p14="http://schemas.microsoft.com/office/powerpoint/2010/main" val="2559405358"/>
-      </p:ext>
-    </p:extLst>
-  </p:cSld>
-  <p:clrMapOvr>
-    <a:masterClrMapping/>
-  </p:clrMapOvr>
-</p:sld>
-</file>
-
 <file path=ppt/slides/slide6.xml><?xml version="1.0" encoding="utf-8"?>
 <p:sld xmlns:a="http://schemas.openxmlformats.org/drawingml/2006/main" xmlns:r="http://schemas.openxmlformats.org/officeDocument/2006/relationships" xmlns:p="http://schemas.openxmlformats.org/presentationml/2006/main">
   <p:cSld>
@@ -14928,13 +15176,77 @@
       </p:grpSpPr>
       <p:sp>
         <p:nvSpPr>
-          <p:cNvPr id="5" name="ZoneTexte 4"/>
+          <p:cNvPr id="7" name="ZoneTexte 6"/>
           <p:cNvSpPr txBox="1"/>
           <p:nvPr/>
         </p:nvSpPr>
         <p:spPr>
           <a:xfrm>
-            <a:off x="3878098" y="194719"/>
+            <a:off x="1874195" y="1737755"/>
+            <a:ext cx="8443609" cy="4093428"/>
+          </a:xfrm>
+          <a:prstGeom prst="rect">
+            <a:avLst/>
+          </a:prstGeom>
+          <a:noFill/>
+        </p:spPr>
+        <p:txBody>
+          <a:bodyPr wrap="square" rtlCol="0">
+            <a:spAutoFit/>
+          </a:bodyPr>
+          <a:lstStyle/>
+          <a:p>
+            <a:pPr algn="ctr">
+              <a:spcAft>
+                <a:spcPts val="1200"/>
+              </a:spcAft>
+            </a:pPr>
+            <a:r>
+              <a:rPr lang="fr-FR" sz="2400" dirty="0"/>
+              <a:t>Pour réussir un exercice, il vous faudra donner un certain nombre de réponses correctes : c’est ce que nous appelons </a:t>
+            </a:r>
+            <a:r>
+              <a:rPr lang="fr-FR" sz="2400" b="1" dirty="0"/>
+              <a:t>le score cible </a:t>
+            </a:r>
+            <a:r>
+              <a:rPr lang="fr-FR" sz="2400" dirty="0"/>
+              <a:t>d’un exercice.</a:t>
+            </a:r>
+          </a:p>
+          <a:p>
+            <a:pPr algn="ctr">
+              <a:spcAft>
+                <a:spcPts val="1200"/>
+              </a:spcAft>
+            </a:pPr>
+            <a:r>
+              <a:rPr lang="fr-FR" sz="2400" dirty="0"/>
+              <a:t>Certains exercices vous paraîtront faciles, parce que le score cible sera faible (4 par exemple). D’autres vous paraîtront plus difficiles, parce que le score cible sera élevé (7 ou 8). </a:t>
+            </a:r>
+          </a:p>
+          <a:p>
+            <a:pPr algn="ctr">
+              <a:spcAft>
+                <a:spcPts val="1200"/>
+              </a:spcAft>
+            </a:pPr>
+            <a:r>
+              <a:rPr lang="fr-FR" sz="2400" dirty="0"/>
+              <a:t>Nous vous indiquerons le score cible au début de chaque exercice. Vous aurez la possibilité de doser votre effort de mémorisation en visualisant l’emplacement des 8 paires de chiffres autant de fois que vous le souhaitez, avant de démarrer la phase de test. </a:t>
+            </a:r>
+          </a:p>
+        </p:txBody>
+      </p:sp>
+      <p:sp>
+        <p:nvSpPr>
+          <p:cNvPr id="10" name="ZoneTexte 9"/>
+          <p:cNvSpPr txBox="1"/>
+          <p:nvPr/>
+        </p:nvSpPr>
+        <p:spPr>
+          <a:xfrm>
+            <a:off x="3878093" y="194719"/>
             <a:ext cx="4435815" cy="830997"/>
           </a:xfrm>
           <a:prstGeom prst="rect">
@@ -14951,9 +15263,13 @@
           </a:bodyPr>
           <a:lstStyle/>
           <a:p>
-            <a:pPr algn="ctr"/>
-            <a:r>
-              <a:rPr lang="fr-FR" sz="2400" b="1" dirty="0">
+            <a:pPr algn="ctr">
+              <a:spcBef>
+                <a:spcPts val="1800"/>
+              </a:spcBef>
+            </a:pPr>
+            <a:r>
+              <a:rPr lang="en-GB" sz="2400" b="1" dirty="0">
                 <a:solidFill>
                   <a:srgbClr val="0070C0"/>
                 </a:solidFill>
@@ -14968,104 +15284,12 @@
               </a:spcAft>
             </a:pPr>
             <a:r>
-              <a:rPr lang="fr-FR" sz="2400" b="1" dirty="0">
+              <a:rPr lang="en-GB" sz="2400" b="1" dirty="0">
                 <a:solidFill>
                   <a:srgbClr val="0070C0"/>
                 </a:solidFill>
               </a:rPr>
-              <a:t>AUTO-ÉVALUATION</a:t>
-            </a:r>
-            <a:endParaRPr lang="en-GB" sz="2400" b="1" dirty="0">
-              <a:solidFill>
-                <a:srgbClr val="0070C0"/>
-              </a:solidFill>
-            </a:endParaRPr>
-          </a:p>
-        </p:txBody>
-      </p:sp>
-      <p:sp>
-        <p:nvSpPr>
-          <p:cNvPr id="7" name="ZoneTexte 6"/>
-          <p:cNvSpPr txBox="1"/>
-          <p:nvPr/>
-        </p:nvSpPr>
-        <p:spPr>
-          <a:xfrm>
-            <a:off x="1874195" y="1624292"/>
-            <a:ext cx="8443609" cy="4893647"/>
-          </a:xfrm>
-          <a:prstGeom prst="rect">
-            <a:avLst/>
-          </a:prstGeom>
-          <a:noFill/>
-        </p:spPr>
-        <p:txBody>
-          <a:bodyPr wrap="square" rtlCol="0">
-            <a:spAutoFit/>
-          </a:bodyPr>
-          <a:lstStyle/>
-          <a:p>
-            <a:pPr algn="ctr"/>
-            <a:r>
-              <a:rPr lang="en-GB" sz="2400" dirty="0"/>
-              <a:t>Au total, le test </a:t>
-            </a:r>
-            <a:r>
-              <a:rPr lang="en-GB" sz="2400" dirty="0" err="1"/>
-              <a:t>comprend</a:t>
-            </a:r>
-            <a:r>
-              <a:rPr lang="en-GB" sz="2400" dirty="0"/>
-              <a:t> 20 </a:t>
-            </a:r>
-            <a:r>
-              <a:rPr lang="fr-FR" sz="2400" dirty="0"/>
-              <a:t>exercices</a:t>
-            </a:r>
-            <a:r>
-              <a:rPr lang="en-GB" sz="2400" dirty="0"/>
-              <a:t> de </a:t>
-            </a:r>
-            <a:r>
-              <a:rPr lang="en-GB" sz="2400" dirty="0" err="1"/>
-              <a:t>mémoire</a:t>
-            </a:r>
-            <a:r>
-              <a:rPr lang="en-GB" sz="2400" dirty="0"/>
-              <a:t>.</a:t>
-            </a:r>
-          </a:p>
-          <a:p>
-            <a:pPr algn="ctr"/>
-            <a:endParaRPr lang="en-GB" sz="2400" dirty="0"/>
-          </a:p>
-          <a:p>
-            <a:pPr algn="ctr"/>
-            <a:r>
-              <a:rPr lang="fr-FR" sz="2400" dirty="0"/>
-              <a:t>Lors de chaque exercice de mémoire, vous adapterez votre effort pour essayer d’atteindre le score cible de l’exercice. Cela dit, vous ne serez pas toujours capable de réussir.</a:t>
-            </a:r>
-          </a:p>
-          <a:p>
-            <a:pPr algn="ctr"/>
-            <a:endParaRPr lang="fr-FR" sz="2400" dirty="0"/>
-          </a:p>
-          <a:p>
-            <a:pPr algn="ctr"/>
-            <a:r>
-              <a:rPr lang="fr-FR" sz="2400" dirty="0"/>
-              <a:t>A la fin de chaque exercice, nous vous demanderons donc de vous auto-évaluer. Ces auto-évaluations sont aussi importantes que la réussite des exercices !</a:t>
-            </a:r>
-          </a:p>
-          <a:p>
-            <a:pPr algn="ctr"/>
-            <a:endParaRPr lang="fr-FR" sz="2400" dirty="0"/>
-          </a:p>
-          <a:p>
-            <a:pPr algn="ctr"/>
-            <a:r>
-              <a:rPr lang="fr-FR" sz="2400" dirty="0"/>
-              <a:t>En plus de cette auto-évaluation, nous allons vous poser quelques questions supplémentaires. Nous allons maintenant vous détailler toutes les étapes des exercices de mémoire. </a:t>
+              <a:t>LE SCORE CIBLE</a:t>
             </a:r>
           </a:p>
         </p:txBody>
@@ -15073,7 +15297,7 @@
     </p:spTree>
     <p:extLst>
       <p:ext uri="{BB962C8B-B14F-4D97-AF65-F5344CB8AC3E}">
-        <p14:creationId xmlns:p14="http://schemas.microsoft.com/office/powerpoint/2010/main" val="205549586"/>
+        <p14:creationId xmlns:p14="http://schemas.microsoft.com/office/powerpoint/2010/main" val="2559405358"/>
       </p:ext>
     </p:extLst>
   </p:cSld>
@@ -15108,8 +15332,8 @@
         </p:nvSpPr>
         <p:spPr>
           <a:xfrm>
-            <a:off x="3576701" y="393899"/>
-            <a:ext cx="5038598" cy="461665"/>
+            <a:off x="3878098" y="194719"/>
+            <a:ext cx="4435815" cy="830997"/>
           </a:xfrm>
           <a:prstGeom prst="rect">
             <a:avLst/>
@@ -15125,22 +15349,35 @@
           </a:bodyPr>
           <a:lstStyle/>
           <a:p>
+            <a:pPr algn="ctr"/>
+            <a:r>
+              <a:rPr lang="fr-FR" sz="2400" b="1" dirty="0">
+                <a:solidFill>
+                  <a:srgbClr val="0070C0"/>
+                </a:solidFill>
+              </a:rPr>
+              <a:t>LES EXERCICES DE MEMOIRE :</a:t>
+            </a:r>
+          </a:p>
+          <a:p>
             <a:pPr algn="ctr">
-              <a:spcBef>
-                <a:spcPts val="1800"/>
-              </a:spcBef>
               <a:spcAft>
                 <a:spcPts val="1800"/>
               </a:spcAft>
             </a:pPr>
             <a:r>
-              <a:rPr lang="en-GB" sz="2400" b="1" dirty="0">
+              <a:rPr lang="fr-FR" sz="2400" b="1" dirty="0">
                 <a:solidFill>
                   <a:srgbClr val="0070C0"/>
                 </a:solidFill>
               </a:rPr>
-              <a:t>ETAPE 1 - AFFICHAGE DU SCORE CIBLE</a:t>
-            </a:r>
+              <a:t>AUTO-ÉVALUATION</a:t>
+            </a:r>
+            <a:endParaRPr lang="en-GB" sz="2400" b="1" dirty="0">
+              <a:solidFill>
+                <a:srgbClr val="0070C0"/>
+              </a:solidFill>
+            </a:endParaRPr>
           </a:p>
         </p:txBody>
       </p:sp>
@@ -15152,8 +15389,8 @@
         </p:nvSpPr>
         <p:spPr>
           <a:xfrm>
-            <a:off x="1874194" y="1243122"/>
-            <a:ext cx="8443609" cy="1200329"/>
+            <a:off x="1874195" y="1624292"/>
+            <a:ext cx="8443609" cy="4893647"/>
           </a:xfrm>
           <a:prstGeom prst="rect">
             <a:avLst/>
@@ -15166,151 +15403,75 @@
           </a:bodyPr>
           <a:lstStyle/>
           <a:p>
-            <a:pPr algn="ctr">
-              <a:spcAft>
-                <a:spcPts val="1200"/>
-              </a:spcAft>
-            </a:pPr>
+            <a:pPr algn="ctr"/>
+            <a:r>
+              <a:rPr lang="en-GB" sz="2400" dirty="0"/>
+              <a:t>Au total, le test </a:t>
+            </a:r>
+            <a:r>
+              <a:rPr lang="en-GB" sz="2400" dirty="0" err="1"/>
+              <a:t>comprend</a:t>
+            </a:r>
+            <a:r>
+              <a:rPr lang="en-GB" sz="2400" dirty="0"/>
+              <a:t> 20 </a:t>
+            </a:r>
             <a:r>
               <a:rPr lang="fr-FR" sz="2400" dirty="0"/>
-              <a:t>Au début de chaque exercice, nous vous indiquerons le numéro de l’exercice et le score cible (c’est-à-dire le nombre de réponses correctes que vous devrez donner pour réussir l’exercice). </a:t>
-            </a:r>
+              <a:t>exercices</a:t>
+            </a:r>
+            <a:r>
+              <a:rPr lang="en-GB" sz="2400" dirty="0"/>
+              <a:t> de </a:t>
+            </a:r>
+            <a:r>
+              <a:rPr lang="en-GB" sz="2400" dirty="0" err="1"/>
+              <a:t>mémoire</a:t>
+            </a:r>
+            <a:r>
+              <a:rPr lang="en-GB" sz="2400" dirty="0"/>
+              <a:t>.</a:t>
+            </a:r>
+          </a:p>
+          <a:p>
+            <a:pPr algn="ctr"/>
             <a:endParaRPr lang="en-GB" sz="2400" dirty="0"/>
           </a:p>
-        </p:txBody>
-      </p:sp>
-      <p:sp>
-        <p:nvSpPr>
-          <p:cNvPr id="9" name="Rectangle 8"/>
-          <p:cNvSpPr/>
-          <p:nvPr/>
-        </p:nvSpPr>
-        <p:spPr>
-          <a:xfrm>
-            <a:off x="3554499" y="3080749"/>
-            <a:ext cx="5083002" cy="3026364"/>
-          </a:xfrm>
-          <a:prstGeom prst="rect">
-            <a:avLst/>
-          </a:prstGeom>
-          <a:noFill/>
-          <a:ln w="76200">
-            <a:solidFill>
-              <a:schemeClr val="bg1">
-                <a:lumMod val="65000"/>
-              </a:schemeClr>
-            </a:solidFill>
-          </a:ln>
-        </p:spPr>
-        <p:style>
-          <a:lnRef idx="2">
-            <a:schemeClr val="accent1">
-              <a:shade val="50000"/>
-            </a:schemeClr>
-          </a:lnRef>
-          <a:fillRef idx="1">
-            <a:schemeClr val="accent1"/>
-          </a:fillRef>
-          <a:effectRef idx="0">
-            <a:schemeClr val="accent1"/>
-          </a:effectRef>
-          <a:fontRef idx="minor">
-            <a:schemeClr val="lt1"/>
-          </a:fontRef>
-        </p:style>
-        <p:txBody>
-          <a:bodyPr rtlCol="0" anchor="ctr"/>
-          <a:lstStyle/>
           <a:p>
             <a:pPr algn="ctr"/>
-            <a:endParaRPr lang="en-GB">
-              <a:solidFill>
-                <a:schemeClr val="tx1"/>
-              </a:solidFill>
-            </a:endParaRPr>
-          </a:p>
-        </p:txBody>
-      </p:sp>
-      <p:sp>
-        <p:nvSpPr>
-          <p:cNvPr id="11" name="ZoneTexte 9">
-            <a:extLst>
-              <a:ext uri="{FF2B5EF4-FFF2-40B4-BE49-F238E27FC236}">
-                <a16:creationId xmlns:a16="http://schemas.microsoft.com/office/drawing/2014/main" id="{C6521428-2C03-4866-9240-C0CA0E9FD4A9}"/>
-              </a:ext>
-            </a:extLst>
-          </p:cNvPr>
-          <p:cNvSpPr txBox="1"/>
-          <p:nvPr/>
-        </p:nvSpPr>
-        <p:spPr>
-          <a:xfrm>
-            <a:off x="4779798" y="3993766"/>
-            <a:ext cx="2632399" cy="1200329"/>
-          </a:xfrm>
-          <a:prstGeom prst="rect">
-            <a:avLst/>
-          </a:prstGeom>
-          <a:noFill/>
-        </p:spPr>
-        <p:txBody>
-          <a:bodyPr wrap="square" rtlCol="0">
-            <a:spAutoFit/>
-          </a:bodyPr>
-          <a:lstStyle/>
+            <a:r>
+              <a:rPr lang="fr-FR" sz="2400" dirty="0"/>
+              <a:t>Lors de chaque exercice de mémoire, vous adapterez votre effort pour essayer d’atteindre le score cible de l’exercice. Cela dit, vous ne serez pas toujours capable de réussir.</a:t>
+            </a:r>
+          </a:p>
           <a:p>
             <a:pPr algn="ctr"/>
-            <a:r>
-              <a:rPr lang="en-GB" sz="2400" dirty="0" err="1"/>
-              <a:t>Exercice</a:t>
-            </a:r>
-            <a:r>
-              <a:rPr lang="en-GB" sz="2400" dirty="0"/>
-              <a:t> </a:t>
-            </a:r>
-            <a:r>
-              <a:rPr lang="en-GB" sz="2400" dirty="0" err="1"/>
-              <a:t>numéro</a:t>
-            </a:r>
-            <a:r>
-              <a:rPr lang="en-GB" sz="2400" dirty="0"/>
-              <a:t>: </a:t>
-            </a:r>
-            <a:r>
-              <a:rPr lang="en-GB" sz="2400" b="1" dirty="0"/>
-              <a:t>6</a:t>
-            </a:r>
+            <a:endParaRPr lang="fr-FR" sz="2400" dirty="0"/>
           </a:p>
           <a:p>
             <a:pPr algn="ctr"/>
-            <a:endParaRPr lang="en-GB" sz="2400" b="1" dirty="0"/>
+            <a:r>
+              <a:rPr lang="fr-FR" sz="2400" dirty="0"/>
+              <a:t>A la fin de chaque exercice, nous vous demanderons donc de vous auto-évaluer. Ces auto-évaluations sont aussi importantes que la réussite des exercices !</a:t>
+            </a:r>
           </a:p>
           <a:p>
             <a:pPr algn="ctr"/>
-            <a:r>
-              <a:rPr lang="en-GB" sz="2400" dirty="0"/>
-              <a:t>Score </a:t>
-            </a:r>
-            <a:r>
-              <a:rPr lang="en-GB" sz="2400" dirty="0" err="1"/>
-              <a:t>cible</a:t>
-            </a:r>
-            <a:r>
-              <a:rPr lang="en-GB" sz="2400" dirty="0"/>
-              <a:t>: </a:t>
-            </a:r>
-            <a:r>
-              <a:rPr lang="en-GB" sz="2400" b="1" dirty="0"/>
-              <a:t>4</a:t>
-            </a:r>
-            <a:endParaRPr lang="en-GB" sz="2400" dirty="0"/>
+            <a:endParaRPr lang="fr-FR" sz="2400" dirty="0"/>
+          </a:p>
+          <a:p>
+            <a:pPr algn="ctr"/>
+            <a:r>
+              <a:rPr lang="fr-FR" sz="2400" dirty="0"/>
+              <a:t>En plus de cette auto-évaluation, nous allons vous poser quelques questions supplémentaires. Nous allons maintenant vous détailler toutes les étapes des exercices de mémoire. </a:t>
+            </a:r>
           </a:p>
         </p:txBody>
       </p:sp>
     </p:spTree>
     <p:extLst>
       <p:ext uri="{BB962C8B-B14F-4D97-AF65-F5344CB8AC3E}">
-        <p14:creationId xmlns:p14="http://schemas.microsoft.com/office/powerpoint/2010/main" val="4029809452"/>
+        <p14:creationId xmlns:p14="http://schemas.microsoft.com/office/powerpoint/2010/main" val="205549586"/>
       </p:ext>
     </p:extLst>
   </p:cSld>
@@ -15345,8 +15506,8 @@
         </p:nvSpPr>
         <p:spPr>
           <a:xfrm>
-            <a:off x="3103206" y="333892"/>
-            <a:ext cx="5985588" cy="461665"/>
+            <a:off x="3576701" y="393899"/>
+            <a:ext cx="5038598" cy="461665"/>
           </a:xfrm>
           <a:prstGeom prst="rect">
             <a:avLst/>
@@ -15371,18 +15532,13 @@
               </a:spcAft>
             </a:pPr>
             <a:r>
-              <a:rPr lang="fr-FR" sz="2400" b="1" dirty="0">
+              <a:rPr lang="en-GB" sz="2400" b="1" dirty="0">
                 <a:solidFill>
                   <a:srgbClr val="0070C0"/>
                 </a:solidFill>
               </a:rPr>
-              <a:t>ETAPE 2 - IMAGINATION DE L’EFFORT</a:t>
-            </a:r>
-            <a:endParaRPr lang="en-GB" sz="2400" b="1" dirty="0">
-              <a:solidFill>
-                <a:srgbClr val="0070C0"/>
-              </a:solidFill>
-            </a:endParaRPr>
+              <a:t>ETAPE 1 - AFFICHAGE DU SCORE CIBLE</a:t>
+            </a:r>
           </a:p>
         </p:txBody>
       </p:sp>
@@ -15394,8 +15550,8 @@
         </p:nvSpPr>
         <p:spPr>
           <a:xfrm>
-            <a:off x="1874195" y="999519"/>
-            <a:ext cx="8443609" cy="5524589"/>
+            <a:off x="1874194" y="1243122"/>
+            <a:ext cx="8443609" cy="1200329"/>
           </a:xfrm>
           <a:prstGeom prst="rect">
             <a:avLst/>
@@ -15414,97 +15570,145 @@
               </a:spcAft>
             </a:pPr>
             <a:r>
-              <a:rPr lang="fr-FR" sz="2300" dirty="0"/>
-              <a:t>Ensuite, nous allons vous demander d’imaginer combien d’effort cela vous demanderait pour atteindre le score cible. </a:t>
-            </a:r>
-          </a:p>
-          <a:p>
-            <a:pPr algn="ctr">
-              <a:spcAft>
-                <a:spcPts val="1200"/>
-              </a:spcAft>
-            </a:pPr>
-            <a:endParaRPr lang="fr-FR" sz="1400" dirty="0"/>
-          </a:p>
-          <a:p>
-            <a:pPr algn="ctr">
-              <a:spcAft>
-                <a:spcPts val="1200"/>
-              </a:spcAft>
-            </a:pPr>
-            <a:r>
-              <a:rPr lang="fr-FR" sz="2300" dirty="0"/>
-              <a:t>La question sera : </a:t>
-            </a:r>
-          </a:p>
-          <a:p>
-            <a:pPr algn="ctr">
-              <a:spcAft>
-                <a:spcPts val="1200"/>
-              </a:spcAft>
-            </a:pPr>
-            <a:r>
-              <a:rPr lang="fr-FR" sz="2300" dirty="0"/>
-              <a:t>« </a:t>
-            </a:r>
-            <a:r>
-              <a:rPr lang="fr-FR" sz="2300" b="1" dirty="0"/>
-              <a:t>Combien de fois pensez-vous avoir besoin de voir les chiffres de la grille pour atteindre le score cible ? </a:t>
-            </a:r>
-            <a:r>
-              <a:rPr lang="fr-FR" sz="2300" dirty="0"/>
-              <a:t>»</a:t>
-            </a:r>
-          </a:p>
-          <a:p>
-            <a:pPr algn="ctr">
-              <a:spcAft>
-                <a:spcPts val="1200"/>
-              </a:spcAft>
-            </a:pPr>
-            <a:endParaRPr lang="en-GB" sz="2300" dirty="0"/>
-          </a:p>
-          <a:p>
-            <a:pPr algn="ctr">
-              <a:spcAft>
-                <a:spcPts val="1200"/>
-              </a:spcAft>
-            </a:pPr>
-            <a:r>
-              <a:rPr lang="fr-FR" sz="2300" dirty="0"/>
-              <a:t>Au début, vous pourriez trouver cette question difficile. C’est normal: essayez simplement de répondre le mieux possible</a:t>
-            </a:r>
-            <a:r>
-              <a:rPr lang="en-GB" sz="2300" dirty="0"/>
-              <a:t>.</a:t>
-            </a:r>
-          </a:p>
-          <a:p>
-            <a:pPr algn="ctr">
-              <a:spcAft>
-                <a:spcPts val="1200"/>
-              </a:spcAft>
-            </a:pPr>
-            <a:endParaRPr lang="en-GB" sz="1600" dirty="0"/>
-          </a:p>
-          <a:p>
-            <a:pPr algn="ctr">
-              <a:spcAft>
-                <a:spcPts val="1200"/>
-              </a:spcAft>
-            </a:pPr>
-            <a:r>
-              <a:rPr lang="fr-FR" sz="2300" dirty="0"/>
-              <a:t>Lors de la phase de mémorisation, vous pourriez avoir besoin de plus (ou moins) d’effort qu’attendu. Pas de problème : vous serez libre de choisir votre effort (quelle qu’ait été votre réponse à cette question). </a:t>
-            </a:r>
-            <a:endParaRPr lang="en-GB" sz="2300" dirty="0"/>
+              <a:rPr lang="fr-FR" sz="2400" dirty="0"/>
+              <a:t>Au début de chaque exercice, nous vous indiquerons le numéro de l’exercice et le score cible (c’est-à-dire le nombre de réponses correctes que vous devrez donner pour réussir l’exercice). </a:t>
+            </a:r>
+            <a:endParaRPr lang="en-GB" sz="2400" dirty="0"/>
+          </a:p>
+        </p:txBody>
+      </p:sp>
+      <p:sp>
+        <p:nvSpPr>
+          <p:cNvPr id="9" name="Rectangle 8"/>
+          <p:cNvSpPr/>
+          <p:nvPr/>
+        </p:nvSpPr>
+        <p:spPr>
+          <a:xfrm>
+            <a:off x="3554499" y="3080749"/>
+            <a:ext cx="5083002" cy="3026364"/>
+          </a:xfrm>
+          <a:prstGeom prst="rect">
+            <a:avLst/>
+          </a:prstGeom>
+          <a:noFill/>
+          <a:ln w="76200">
+            <a:solidFill>
+              <a:schemeClr val="bg1">
+                <a:lumMod val="65000"/>
+              </a:schemeClr>
+            </a:solidFill>
+          </a:ln>
+        </p:spPr>
+        <p:style>
+          <a:lnRef idx="2">
+            <a:schemeClr val="accent1">
+              <a:shade val="50000"/>
+            </a:schemeClr>
+          </a:lnRef>
+          <a:fillRef idx="1">
+            <a:schemeClr val="accent1"/>
+          </a:fillRef>
+          <a:effectRef idx="0">
+            <a:schemeClr val="accent1"/>
+          </a:effectRef>
+          <a:fontRef idx="minor">
+            <a:schemeClr val="lt1"/>
+          </a:fontRef>
+        </p:style>
+        <p:txBody>
+          <a:bodyPr rtlCol="0" anchor="ctr"/>
+          <a:lstStyle/>
+          <a:p>
+            <a:pPr algn="ctr"/>
+            <a:endParaRPr lang="en-GB">
+              <a:solidFill>
+                <a:schemeClr val="tx1"/>
+              </a:solidFill>
+            </a:endParaRPr>
+          </a:p>
+        </p:txBody>
+      </p:sp>
+      <p:sp>
+        <p:nvSpPr>
+          <p:cNvPr id="11" name="ZoneTexte 9">
+            <a:extLst>
+              <a:ext uri="{FF2B5EF4-FFF2-40B4-BE49-F238E27FC236}">
+                <a16:creationId xmlns:a16="http://schemas.microsoft.com/office/drawing/2014/main" id="{C6521428-2C03-4866-9240-C0CA0E9FD4A9}"/>
+              </a:ext>
+            </a:extLst>
+          </p:cNvPr>
+          <p:cNvSpPr txBox="1"/>
+          <p:nvPr/>
+        </p:nvSpPr>
+        <p:spPr>
+          <a:xfrm>
+            <a:off x="4779798" y="3993766"/>
+            <a:ext cx="2632399" cy="1200329"/>
+          </a:xfrm>
+          <a:prstGeom prst="rect">
+            <a:avLst/>
+          </a:prstGeom>
+          <a:noFill/>
+        </p:spPr>
+        <p:txBody>
+          <a:bodyPr wrap="square" rtlCol="0">
+            <a:spAutoFit/>
+          </a:bodyPr>
+          <a:lstStyle/>
+          <a:p>
+            <a:pPr algn="ctr"/>
+            <a:r>
+              <a:rPr lang="en-GB" sz="2400" dirty="0" err="1"/>
+              <a:t>Exercice</a:t>
+            </a:r>
+            <a:r>
+              <a:rPr lang="en-GB" sz="2400" dirty="0"/>
+              <a:t> </a:t>
+            </a:r>
+            <a:r>
+              <a:rPr lang="en-GB" sz="2400" dirty="0" err="1"/>
+              <a:t>numéro</a:t>
+            </a:r>
+            <a:r>
+              <a:rPr lang="en-GB" sz="2400" dirty="0"/>
+              <a:t>: </a:t>
+            </a:r>
+            <a:r>
+              <a:rPr lang="en-GB" sz="2400" b="1" dirty="0"/>
+              <a:t>6</a:t>
+            </a:r>
+          </a:p>
+          <a:p>
+            <a:pPr algn="ctr"/>
+            <a:endParaRPr lang="en-GB" sz="2400" b="1" dirty="0"/>
+          </a:p>
+          <a:p>
+            <a:pPr algn="ctr"/>
+            <a:r>
+              <a:rPr lang="en-GB" sz="2400" dirty="0"/>
+              <a:t>Score </a:t>
+            </a:r>
+            <a:r>
+              <a:rPr lang="en-GB" sz="2400" dirty="0" err="1"/>
+              <a:t>cible</a:t>
+            </a:r>
+            <a:r>
+              <a:rPr lang="en-GB" sz="2400" dirty="0"/>
+              <a:t>: </a:t>
+            </a:r>
+            <a:r>
+              <a:rPr lang="en-GB" sz="2400" b="1" dirty="0"/>
+              <a:t>4</a:t>
+            </a:r>
+            <a:endParaRPr lang="en-GB" sz="2400" dirty="0"/>
           </a:p>
         </p:txBody>
       </p:sp>
     </p:spTree>
     <p:extLst>
       <p:ext uri="{BB962C8B-B14F-4D97-AF65-F5344CB8AC3E}">
-        <p14:creationId xmlns:p14="http://schemas.microsoft.com/office/powerpoint/2010/main" val="2178442365"/>
+        <p14:creationId xmlns:p14="http://schemas.microsoft.com/office/powerpoint/2010/main" val="4029809452"/>
       </p:ext>
     </p:extLst>
   </p:cSld>
@@ -15533,251 +15737,7 @@
       </p:grpSpPr>
       <p:sp>
         <p:nvSpPr>
-          <p:cNvPr id="7" name="ZoneTexte 6"/>
-          <p:cNvSpPr txBox="1"/>
-          <p:nvPr/>
-        </p:nvSpPr>
-        <p:spPr>
-          <a:xfrm>
-            <a:off x="1874195" y="1160836"/>
-            <a:ext cx="8443609" cy="830997"/>
-          </a:xfrm>
-          <a:prstGeom prst="rect">
-            <a:avLst/>
-          </a:prstGeom>
-          <a:noFill/>
-        </p:spPr>
-        <p:txBody>
-          <a:bodyPr wrap="square" rtlCol="0">
-            <a:spAutoFit/>
-          </a:bodyPr>
-          <a:lstStyle/>
-          <a:p>
-            <a:pPr algn="ctr">
-              <a:spcAft>
-                <a:spcPts val="1200"/>
-              </a:spcAft>
-            </a:pPr>
-            <a:r>
-              <a:rPr lang="fr-FR" sz="2400" dirty="0"/>
-              <a:t>Vous répondrez à cette question en déplaçant la barre rouge le long de la règle numérique:</a:t>
-            </a:r>
-          </a:p>
-        </p:txBody>
-      </p:sp>
-      <p:sp>
-        <p:nvSpPr>
-          <p:cNvPr id="5" name="Rectangle 4">
-            <a:extLst>
-              <a:ext uri="{FF2B5EF4-FFF2-40B4-BE49-F238E27FC236}">
-                <a16:creationId xmlns:a16="http://schemas.microsoft.com/office/drawing/2014/main" id="{81D94340-0653-49C5-B2BE-24A29E7CE6F2}"/>
-              </a:ext>
-            </a:extLst>
-          </p:cNvPr>
-          <p:cNvSpPr/>
-          <p:nvPr/>
-        </p:nvSpPr>
-        <p:spPr>
-          <a:xfrm>
-            <a:off x="880108" y="2257327"/>
-            <a:ext cx="10431779" cy="3026364"/>
-          </a:xfrm>
-          <a:prstGeom prst="rect">
-            <a:avLst/>
-          </a:prstGeom>
-          <a:noFill/>
-          <a:ln w="76200">
-            <a:solidFill>
-              <a:schemeClr val="bg1">
-                <a:lumMod val="65000"/>
-              </a:schemeClr>
-            </a:solidFill>
-          </a:ln>
-        </p:spPr>
-        <p:style>
-          <a:lnRef idx="2">
-            <a:schemeClr val="accent1">
-              <a:shade val="50000"/>
-            </a:schemeClr>
-          </a:lnRef>
-          <a:fillRef idx="1">
-            <a:schemeClr val="accent1"/>
-          </a:fillRef>
-          <a:effectRef idx="0">
-            <a:schemeClr val="accent1"/>
-          </a:effectRef>
-          <a:fontRef idx="minor">
-            <a:schemeClr val="lt1"/>
-          </a:fontRef>
-        </p:style>
-        <p:txBody>
-          <a:bodyPr rtlCol="0" anchor="ctr"/>
-          <a:lstStyle/>
-          <a:p>
-            <a:pPr algn="ctr"/>
-            <a:endParaRPr lang="en-GB">
-              <a:solidFill>
-                <a:schemeClr val="tx1"/>
-              </a:solidFill>
-            </a:endParaRPr>
-          </a:p>
-        </p:txBody>
-      </p:sp>
-      <p:pic>
-        <p:nvPicPr>
-          <p:cNvPr id="2" name="Picture 1">
-            <a:extLst>
-              <a:ext uri="{FF2B5EF4-FFF2-40B4-BE49-F238E27FC236}">
-                <a16:creationId xmlns:a16="http://schemas.microsoft.com/office/drawing/2014/main" id="{86604B23-64CC-48D6-9E97-5644FE03B812}"/>
-              </a:ext>
-            </a:extLst>
-          </p:cNvPr>
-          <p:cNvPicPr>
-            <a:picLocks noChangeAspect="1"/>
-          </p:cNvPicPr>
-          <p:nvPr/>
-        </p:nvPicPr>
-        <p:blipFill rotWithShape="1">
-          <a:blip r:embed="rId2"/>
-          <a:srcRect l="67" t="35200" r="556" b="55467"/>
-          <a:stretch/>
-        </p:blipFill>
-        <p:spPr>
-          <a:xfrm>
-            <a:off x="984500" y="3759820"/>
-            <a:ext cx="10222993" cy="640080"/>
-          </a:xfrm>
-          <a:prstGeom prst="rect">
-            <a:avLst/>
-          </a:prstGeom>
-        </p:spPr>
-      </p:pic>
-      <p:sp>
-        <p:nvSpPr>
-          <p:cNvPr id="3" name="Rectangle 2"/>
-          <p:cNvSpPr/>
-          <p:nvPr/>
-        </p:nvSpPr>
-        <p:spPr>
-          <a:xfrm>
-            <a:off x="1437565" y="5607946"/>
-            <a:ext cx="9316871" cy="830997"/>
-          </a:xfrm>
-          <a:prstGeom prst="rect">
-            <a:avLst/>
-          </a:prstGeom>
-        </p:spPr>
-        <p:txBody>
-          <a:bodyPr wrap="square">
-            <a:spAutoFit/>
-          </a:bodyPr>
-          <a:lstStyle/>
-          <a:p>
-            <a:pPr algn="ctr">
-              <a:spcAft>
-                <a:spcPts val="1200"/>
-              </a:spcAft>
-            </a:pPr>
-            <a:r>
-              <a:rPr lang="fr-FR" sz="2400" dirty="0"/>
-              <a:t>Dans l’exemple ci-dessus, j’ai répondu que j’aurai besoin de voir les chiffres de la grille entre 8 et 11 fois pour atteindre le score cible…</a:t>
-            </a:r>
-          </a:p>
-        </p:txBody>
-      </p:sp>
-      <p:sp>
-        <p:nvSpPr>
-          <p:cNvPr id="4" name="Rectangle 3"/>
-          <p:cNvSpPr/>
-          <p:nvPr/>
-        </p:nvSpPr>
-        <p:spPr>
-          <a:xfrm>
-            <a:off x="3048000" y="2953179"/>
-            <a:ext cx="6096000" cy="646331"/>
-          </a:xfrm>
-          <a:prstGeom prst="rect">
-            <a:avLst/>
-          </a:prstGeom>
-        </p:spPr>
-        <p:txBody>
-          <a:bodyPr>
-            <a:spAutoFit/>
-          </a:bodyPr>
-          <a:lstStyle/>
-          <a:p>
-            <a:pPr algn="ctr"/>
-            <a:r>
-              <a:rPr lang="en-GB" dirty="0" err="1"/>
-              <a:t>Combien</a:t>
-            </a:r>
-            <a:r>
-              <a:rPr lang="en-GB" dirty="0"/>
-              <a:t> de </a:t>
-            </a:r>
-            <a:r>
-              <a:rPr lang="en-GB" dirty="0" err="1"/>
-              <a:t>fois</a:t>
-            </a:r>
-            <a:r>
-              <a:rPr lang="en-GB" dirty="0"/>
-              <a:t> </a:t>
-            </a:r>
-            <a:r>
-              <a:rPr lang="en-GB" dirty="0" err="1"/>
-              <a:t>aurez-vous</a:t>
-            </a:r>
-            <a:r>
-              <a:rPr lang="en-GB" dirty="0"/>
-              <a:t> </a:t>
-            </a:r>
-            <a:r>
-              <a:rPr lang="en-GB" dirty="0" err="1"/>
-              <a:t>besoin</a:t>
-            </a:r>
-            <a:r>
-              <a:rPr lang="en-GB" dirty="0"/>
-              <a:t> de </a:t>
-            </a:r>
-            <a:r>
-              <a:rPr lang="en-GB" dirty="0" err="1"/>
-              <a:t>voir</a:t>
-            </a:r>
-            <a:r>
-              <a:rPr lang="en-GB" dirty="0"/>
-              <a:t> les </a:t>
-            </a:r>
-            <a:r>
-              <a:rPr lang="en-GB" dirty="0" err="1"/>
-              <a:t>chiffres</a:t>
-            </a:r>
-            <a:r>
-              <a:rPr lang="en-GB" dirty="0"/>
-              <a:t> de la grille pour </a:t>
-            </a:r>
-            <a:r>
-              <a:rPr lang="en-GB" dirty="0" err="1"/>
-              <a:t>atteindre</a:t>
-            </a:r>
-            <a:r>
-              <a:rPr lang="en-GB" dirty="0"/>
-              <a:t> le score </a:t>
-            </a:r>
-            <a:r>
-              <a:rPr lang="en-GB" dirty="0" err="1"/>
-              <a:t>cible</a:t>
-            </a:r>
-            <a:r>
-              <a:rPr lang="en-GB" dirty="0"/>
-              <a:t> ?</a:t>
-            </a:r>
-            <a:endParaRPr lang="fr-FR" dirty="0"/>
-          </a:p>
-        </p:txBody>
-      </p:sp>
-      <p:sp>
-        <p:nvSpPr>
-          <p:cNvPr id="10" name="ZoneTexte 9"/>
+          <p:cNvPr id="5" name="ZoneTexte 4"/>
           <p:cNvSpPr txBox="1"/>
           <p:nvPr/>
         </p:nvSpPr>
@@ -15824,10 +15784,125 @@
           </a:p>
         </p:txBody>
       </p:sp>
+      <p:sp>
+        <p:nvSpPr>
+          <p:cNvPr id="7" name="ZoneTexte 6"/>
+          <p:cNvSpPr txBox="1"/>
+          <p:nvPr/>
+        </p:nvSpPr>
+        <p:spPr>
+          <a:xfrm>
+            <a:off x="1874195" y="999519"/>
+            <a:ext cx="8443609" cy="5524589"/>
+          </a:xfrm>
+          <a:prstGeom prst="rect">
+            <a:avLst/>
+          </a:prstGeom>
+          <a:noFill/>
+        </p:spPr>
+        <p:txBody>
+          <a:bodyPr wrap="square" rtlCol="0">
+            <a:spAutoFit/>
+          </a:bodyPr>
+          <a:lstStyle/>
+          <a:p>
+            <a:pPr algn="ctr">
+              <a:spcAft>
+                <a:spcPts val="1200"/>
+              </a:spcAft>
+            </a:pPr>
+            <a:r>
+              <a:rPr lang="fr-FR" sz="2300" dirty="0"/>
+              <a:t>Ensuite, nous allons vous demander d’imaginer combien d’effort cela vous demanderait pour atteindre le score cible. </a:t>
+            </a:r>
+          </a:p>
+          <a:p>
+            <a:pPr algn="ctr">
+              <a:spcAft>
+                <a:spcPts val="1200"/>
+              </a:spcAft>
+            </a:pPr>
+            <a:endParaRPr lang="fr-FR" sz="1400" dirty="0"/>
+          </a:p>
+          <a:p>
+            <a:pPr algn="ctr">
+              <a:spcAft>
+                <a:spcPts val="1200"/>
+              </a:spcAft>
+            </a:pPr>
+            <a:r>
+              <a:rPr lang="fr-FR" sz="2300" dirty="0"/>
+              <a:t>La question sera : </a:t>
+            </a:r>
+          </a:p>
+          <a:p>
+            <a:pPr algn="ctr">
+              <a:spcAft>
+                <a:spcPts val="1200"/>
+              </a:spcAft>
+            </a:pPr>
+            <a:r>
+              <a:rPr lang="fr-FR" sz="2300" dirty="0"/>
+              <a:t>« </a:t>
+            </a:r>
+            <a:r>
+              <a:rPr lang="fr-FR" sz="2300" b="1" dirty="0"/>
+              <a:t>Combien de fois pensez-vous avoir besoin de voir les chiffres de la grille pour atteindre le score cible ? </a:t>
+            </a:r>
+            <a:r>
+              <a:rPr lang="fr-FR" sz="2300" dirty="0"/>
+              <a:t>»</a:t>
+            </a:r>
+          </a:p>
+          <a:p>
+            <a:pPr algn="ctr">
+              <a:spcAft>
+                <a:spcPts val="1200"/>
+              </a:spcAft>
+            </a:pPr>
+            <a:endParaRPr lang="en-GB" sz="2300" dirty="0"/>
+          </a:p>
+          <a:p>
+            <a:pPr algn="ctr">
+              <a:spcAft>
+                <a:spcPts val="1200"/>
+              </a:spcAft>
+            </a:pPr>
+            <a:r>
+              <a:rPr lang="fr-FR" sz="2300" dirty="0"/>
+              <a:t>Au début, vous pourriez trouver cette question difficile. C’est normal: essayez simplement de répondre le mieux possible</a:t>
+            </a:r>
+            <a:r>
+              <a:rPr lang="en-GB" sz="2300" dirty="0"/>
+              <a:t>.</a:t>
+            </a:r>
+          </a:p>
+          <a:p>
+            <a:pPr algn="ctr">
+              <a:spcAft>
+                <a:spcPts val="1200"/>
+              </a:spcAft>
+            </a:pPr>
+            <a:endParaRPr lang="en-GB" sz="1600" dirty="0"/>
+          </a:p>
+          <a:p>
+            <a:pPr algn="ctr">
+              <a:spcAft>
+                <a:spcPts val="1200"/>
+              </a:spcAft>
+            </a:pPr>
+            <a:r>
+              <a:rPr lang="fr-FR" sz="2300" dirty="0"/>
+              <a:t>Lors de la phase de mémorisation, vous pourriez avoir besoin de plus (ou moins) d’effort qu’attendu. Pas de problème : vous serez libre de choisir votre effort (quelle qu’ait été votre réponse à cette question). </a:t>
+            </a:r>
+            <a:endParaRPr lang="en-GB" sz="2300" dirty="0"/>
+          </a:p>
+        </p:txBody>
+      </p:sp>
     </p:spTree>
     <p:extLst>
       <p:ext uri="{BB962C8B-B14F-4D97-AF65-F5344CB8AC3E}">
-        <p14:creationId xmlns:p14="http://schemas.microsoft.com/office/powerpoint/2010/main" val="1930955706"/>
+        <p14:creationId xmlns:p14="http://schemas.microsoft.com/office/powerpoint/2010/main" val="2178442365"/>
       </p:ext>
     </p:extLst>
   </p:cSld>
